--- a/Obrada transakcija, planovi izvršavanja transakcija, izolacija i zaključavanje.pptx
+++ b/Obrada transakcija, planovi izvršavanja transakcija, izolacija i zaključavanje.pptx
@@ -11,21 +11,22 @@
     <p:sldId id="259" r:id="rId5"/>
     <p:sldId id="260" r:id="rId6"/>
     <p:sldId id="261" r:id="rId7"/>
-    <p:sldId id="262" r:id="rId8"/>
+    <p:sldId id="277" r:id="rId8"/>
     <p:sldId id="263" r:id="rId9"/>
     <p:sldId id="264" r:id="rId10"/>
     <p:sldId id="265" r:id="rId11"/>
     <p:sldId id="266" r:id="rId12"/>
     <p:sldId id="267" r:id="rId13"/>
     <p:sldId id="268" r:id="rId14"/>
-    <p:sldId id="269" r:id="rId15"/>
-    <p:sldId id="270" r:id="rId16"/>
-    <p:sldId id="271" r:id="rId17"/>
-    <p:sldId id="272" r:id="rId18"/>
-    <p:sldId id="273" r:id="rId19"/>
-    <p:sldId id="274" r:id="rId20"/>
-    <p:sldId id="275" r:id="rId21"/>
-    <p:sldId id="276" r:id="rId22"/>
+    <p:sldId id="262" r:id="rId15"/>
+    <p:sldId id="269" r:id="rId16"/>
+    <p:sldId id="270" r:id="rId17"/>
+    <p:sldId id="271" r:id="rId18"/>
+    <p:sldId id="272" r:id="rId19"/>
+    <p:sldId id="273" r:id="rId20"/>
+    <p:sldId id="274" r:id="rId21"/>
+    <p:sldId id="275" r:id="rId22"/>
+    <p:sldId id="276" r:id="rId23"/>
   </p:sldIdLst>
   <p:sldSz cx="12192000" cy="6858000"/>
   <p:notesSz cx="6858000" cy="9144000"/>
@@ -324,7 +325,7 @@
           <a:p>
             <a:fld id="{4AAD347D-5ACD-4C99-B74B-A9C85AD731AF}" type="datetimeFigureOut">
               <a:rPr lang="en-US" dirty="0"/>
-              <a:t>5/23/2021</a:t>
+              <a:t>5/26/2021</a:t>
             </a:fld>
             <a:endParaRPr lang="en-US" dirty="0"/>
           </a:p>
@@ -594,7 +595,7 @@
           <a:p>
             <a:fld id="{4509A250-FF31-4206-8172-F9D3106AACB1}" type="datetimeFigureOut">
               <a:rPr lang="en-US" dirty="0"/>
-              <a:t>5/23/2021</a:t>
+              <a:t>5/26/2021</a:t>
             </a:fld>
             <a:endParaRPr lang="en-US" dirty="0"/>
           </a:p>
@@ -787,7 +788,7 @@
           <a:p>
             <a:fld id="{4509A250-FF31-4206-8172-F9D3106AACB1}" type="datetimeFigureOut">
               <a:rPr lang="en-US" dirty="0"/>
-              <a:t>5/23/2021</a:t>
+              <a:t>5/26/2021</a:t>
             </a:fld>
             <a:endParaRPr lang="en-US" dirty="0"/>
           </a:p>
@@ -1059,7 +1060,7 @@
           <a:p>
             <a:fld id="{4509A250-FF31-4206-8172-F9D3106AACB1}" type="datetimeFigureOut">
               <a:rPr lang="en-US" dirty="0"/>
-              <a:t>5/23/2021</a:t>
+              <a:t>5/26/2021</a:t>
             </a:fld>
             <a:endParaRPr lang="en-US" dirty="0"/>
           </a:p>
@@ -1399,7 +1400,7 @@
           <a:p>
             <a:fld id="{4509A250-FF31-4206-8172-F9D3106AACB1}" type="datetimeFigureOut">
               <a:rPr lang="en-US" dirty="0"/>
-              <a:t>5/23/2021</a:t>
+              <a:t>5/26/2021</a:t>
             </a:fld>
             <a:endParaRPr lang="en-US" dirty="0"/>
           </a:p>
@@ -2021,7 +2022,7 @@
           <a:p>
             <a:fld id="{4509A250-FF31-4206-8172-F9D3106AACB1}" type="datetimeFigureOut">
               <a:rPr lang="en-US" dirty="0"/>
-              <a:t>5/23/2021</a:t>
+              <a:t>5/26/2021</a:t>
             </a:fld>
             <a:endParaRPr lang="en-US" dirty="0"/>
           </a:p>
@@ -2868,7 +2869,7 @@
           <a:p>
             <a:fld id="{4509A250-FF31-4206-8172-F9D3106AACB1}" type="datetimeFigureOut">
               <a:rPr lang="en-US" dirty="0"/>
-              <a:t>5/23/2021</a:t>
+              <a:t>5/26/2021</a:t>
             </a:fld>
             <a:endParaRPr lang="en-US" dirty="0"/>
           </a:p>
@@ -3036,7 +3037,7 @@
           <a:p>
             <a:fld id="{4509A250-FF31-4206-8172-F9D3106AACB1}" type="datetimeFigureOut">
               <a:rPr lang="en-US" dirty="0"/>
-              <a:t>5/23/2021</a:t>
+              <a:t>5/26/2021</a:t>
             </a:fld>
             <a:endParaRPr lang="en-US" dirty="0"/>
           </a:p>
@@ -3214,7 +3215,7 @@
           <a:p>
             <a:fld id="{4509A250-FF31-4206-8172-F9D3106AACB1}" type="datetimeFigureOut">
               <a:rPr lang="en-US" dirty="0"/>
-              <a:t>5/23/2021</a:t>
+              <a:t>5/26/2021</a:t>
             </a:fld>
             <a:endParaRPr lang="en-US" dirty="0"/>
           </a:p>
@@ -3382,7 +3383,7 @@
           <a:p>
             <a:fld id="{4509A250-FF31-4206-8172-F9D3106AACB1}" type="datetimeFigureOut">
               <a:rPr lang="en-US" dirty="0"/>
-              <a:t>5/23/2021</a:t>
+              <a:t>5/26/2021</a:t>
             </a:fld>
             <a:endParaRPr lang="en-US" dirty="0"/>
           </a:p>
@@ -3628,7 +3629,7 @@
           <a:p>
             <a:fld id="{9796027F-7875-4030-9381-8BD8C4F21935}" type="datetimeFigureOut">
               <a:rPr lang="en-US" dirty="0"/>
-              <a:t>5/23/2021</a:t>
+              <a:t>5/26/2021</a:t>
             </a:fld>
             <a:endParaRPr lang="en-US" dirty="0"/>
           </a:p>
@@ -3917,7 +3918,7 @@
           <a:p>
             <a:fld id="{9796027F-7875-4030-9381-8BD8C4F21935}" type="datetimeFigureOut">
               <a:rPr lang="en-US" dirty="0"/>
-              <a:t>5/23/2021</a:t>
+              <a:t>5/26/2021</a:t>
             </a:fld>
             <a:endParaRPr lang="en-US" dirty="0"/>
           </a:p>
@@ -4358,7 +4359,7 @@
           <a:p>
             <a:fld id="{9796027F-7875-4030-9381-8BD8C4F21935}" type="datetimeFigureOut">
               <a:rPr lang="en-US" dirty="0"/>
-              <a:t>5/23/2021</a:t>
+              <a:t>5/26/2021</a:t>
             </a:fld>
             <a:endParaRPr lang="en-US" dirty="0"/>
           </a:p>
@@ -4475,7 +4476,7 @@
           <a:p>
             <a:fld id="{4509A250-FF31-4206-8172-F9D3106AACB1}" type="datetimeFigureOut">
               <a:rPr lang="en-US" dirty="0"/>
-              <a:t>5/23/2021</a:t>
+              <a:t>5/26/2021</a:t>
             </a:fld>
             <a:endParaRPr lang="en-US" dirty="0"/>
           </a:p>
@@ -4570,7 +4571,7 @@
           <a:p>
             <a:fld id="{4509A250-FF31-4206-8172-F9D3106AACB1}" type="datetimeFigureOut">
               <a:rPr lang="en-US" dirty="0"/>
-              <a:t>5/23/2021</a:t>
+              <a:t>5/26/2021</a:t>
             </a:fld>
             <a:endParaRPr lang="en-US" dirty="0"/>
           </a:p>
@@ -4847,7 +4848,7 @@
           <a:p>
             <a:fld id="{4509A250-FF31-4206-8172-F9D3106AACB1}" type="datetimeFigureOut">
               <a:rPr lang="en-US" dirty="0"/>
-              <a:t>5/23/2021</a:t>
+              <a:t>5/26/2021</a:t>
             </a:fld>
             <a:endParaRPr lang="en-US" dirty="0"/>
           </a:p>
@@ -5117,7 +5118,7 @@
           <a:p>
             <a:fld id="{4509A250-FF31-4206-8172-F9D3106AACB1}" type="datetimeFigureOut">
               <a:rPr lang="en-US" dirty="0"/>
-              <a:t>5/23/2021</a:t>
+              <a:t>5/26/2021</a:t>
             </a:fld>
             <a:endParaRPr lang="en-US" dirty="0"/>
           </a:p>
@@ -5544,7 +5545,7 @@
           <a:p>
             <a:fld id="{4AAD347D-5ACD-4C99-B74B-A9C85AD731AF}" type="datetimeFigureOut">
               <a:rPr lang="en-US" dirty="0"/>
-              <a:t>5/23/2021</a:t>
+              <a:t>5/26/2021</a:t>
             </a:fld>
             <a:endParaRPr lang="en-US" dirty="0"/>
           </a:p>
@@ -6100,7 +6101,56 @@
                 <a:ea typeface="+mj-lt"/>
                 <a:cs typeface="+mj-lt"/>
               </a:rPr>
-              <a:t>Obrada transakcija, planovi izvršavanja transakcija, izolacija i zaključavanje </a:t>
+              <a:t>Obrada transakcija, planovi izvršavanja transakcija, izolacija i </a:t>
+            </a:r>
+            <a:r>
+              <a:rPr lang="sr-Latn-RS" sz="4800" dirty="0" smtClean="0">
+                <a:ea typeface="+mj-lt"/>
+                <a:cs typeface="+mj-lt"/>
+              </a:rPr>
+              <a:t>zaključavanje</a:t>
+            </a:r>
+            <a:r>
+              <a:rPr lang="en-US" sz="4800" dirty="0" smtClean="0">
+                <a:ea typeface="+mj-lt"/>
+                <a:cs typeface="+mj-lt"/>
+              </a:rPr>
+              <a:t> </a:t>
+            </a:r>
+            <a:r>
+              <a:rPr lang="en-US" sz="4800" dirty="0" err="1" smtClean="0">
+                <a:ea typeface="+mj-lt"/>
+                <a:cs typeface="+mj-lt"/>
+              </a:rPr>
+              <a:t>kod</a:t>
+            </a:r>
+            <a:r>
+              <a:rPr lang="en-US" sz="4800" dirty="0" smtClean="0">
+                <a:ea typeface="+mj-lt"/>
+                <a:cs typeface="+mj-lt"/>
+              </a:rPr>
+              <a:t> </a:t>
+            </a:r>
+            <a:r>
+              <a:rPr lang="en-US" sz="4800" dirty="0" err="1" smtClean="0">
+                <a:ea typeface="+mj-lt"/>
+                <a:cs typeface="+mj-lt"/>
+              </a:rPr>
+              <a:t>MySql</a:t>
+            </a:r>
+            <a:r>
+              <a:rPr lang="en-US" sz="4800" smtClean="0">
+                <a:ea typeface="+mj-lt"/>
+                <a:cs typeface="+mj-lt"/>
+              </a:rPr>
+              <a:t>-a</a:t>
+            </a:r>
+            <a:r>
+              <a:rPr lang="sr-Latn-RS" sz="4800" dirty="0">
+                <a:ea typeface="+mj-lt"/>
+                <a:cs typeface="+mj-lt"/>
+              </a:rPr>
+              <a:t> </a:t>
             </a:r>
             <a:endParaRPr lang="sr-Latn-RS" sz="4800"/>
           </a:p>
@@ -6135,6 +6185,13 @@
   <p:clrMapOvr>
     <a:masterClrMapping/>
   </p:clrMapOvr>
+  <p:timing>
+    <p:tnLst>
+      <p:par>
+        <p:cTn id="1" dur="indefinite" restart="never" nodeType="tmRoot"/>
+      </p:par>
+    </p:tnLst>
+  </p:timing>
 </p:sld>
 </file>
 
@@ -6281,6 +6338,13 @@
   <p:clrMapOvr>
     <a:masterClrMapping/>
   </p:clrMapOvr>
+  <p:timing>
+    <p:tnLst>
+      <p:par>
+        <p:cTn id="1" dur="indefinite" restart="never" nodeType="tmRoot"/>
+      </p:par>
+    </p:tnLst>
+  </p:timing>
 </p:sld>
 </file>
 
@@ -6354,7 +6418,7 @@
         </p:spPr>
         <p:txBody>
           <a:bodyPr vert="horz" lIns="91440" tIns="45720" rIns="91440" bIns="45720" rtlCol="0" anchor="t">
-            <a:normAutofit fontScale="92500" lnSpcReduction="10000"/>
+            <a:normAutofit/>
           </a:bodyPr>
           <a:lstStyle/>
           <a:p>
@@ -6363,22 +6427,19 @@
                 <a:ea typeface="+mj-lt"/>
                 <a:cs typeface="+mj-lt"/>
               </a:rPr>
-              <a:t>Kada više klijenata istovremeno pristupa podacima iz iste tabele, mogu se pojaviti </a:t>
-            </a:r>
-            <a:r>
-              <a:rPr lang="sr-Latn-RS" dirty="0" err="1">
-                <a:ea typeface="+mj-lt"/>
-                <a:cs typeface="+mj-lt"/>
-              </a:rPr>
-              <a:t>sledeći</a:t>
-            </a:r>
-            <a:r>
-              <a:rPr lang="sr-Latn-RS" dirty="0">
-                <a:ea typeface="+mj-lt"/>
-                <a:cs typeface="+mj-lt"/>
-              </a:rPr>
-              <a:t> problemi </a:t>
-            </a:r>
+              <a:t>Kada više klijenata istovremeno pristupa podacima iz iste tabele, mogu se pojaviti sledeći problemi </a:t>
+            </a:r>
+            <a:r>
+              <a:rPr lang="sr-Latn-RS" dirty="0" smtClean="0">
+                <a:ea typeface="+mj-lt"/>
+                <a:cs typeface="+mj-lt"/>
+              </a:rPr>
+              <a:t>:</a:t>
+            </a:r>
+            <a:endParaRPr lang="sr-Latn-RS" dirty="0">
+              <a:ea typeface="+mj-lt"/>
+              <a:cs typeface="+mj-lt"/>
+            </a:endParaRPr>
           </a:p>
           <a:p>
             <a:pPr>
@@ -6391,63 +6452,28 @@
                 <a:ea typeface="+mj-lt"/>
                 <a:cs typeface="+mj-lt"/>
               </a:rPr>
-              <a:t>Prljavo čitanje (</a:t>
-            </a:r>
-            <a:r>
-              <a:rPr lang="sr-Latn-RS" dirty="0" err="1">
-                <a:ea typeface="+mj-lt"/>
-                <a:cs typeface="+mj-lt"/>
-              </a:rPr>
-              <a:t>Dirty</a:t>
-            </a:r>
-            <a:r>
-              <a:rPr lang="sr-Latn-RS" dirty="0">
+              <a:t>Prljavo čitanje (Dirty read): </a:t>
+            </a:r>
+            <a:r>
+              <a:rPr lang="en-US" dirty="0" err="1" smtClean="0">
+                <a:ea typeface="+mj-lt"/>
+                <a:cs typeface="+mj-lt"/>
+              </a:rPr>
+              <a:t>Transakcija</a:t>
+            </a:r>
+            <a:r>
+              <a:rPr lang="en-US" dirty="0" smtClean="0">
                 <a:ea typeface="+mj-lt"/>
                 <a:cs typeface="+mj-lt"/>
               </a:rPr>
               <a:t> </a:t>
             </a:r>
             <a:r>
-              <a:rPr lang="sr-Latn-RS" dirty="0" err="1">
-                <a:ea typeface="+mj-lt"/>
-                <a:cs typeface="+mj-lt"/>
-              </a:rPr>
-              <a:t>read</a:t>
-            </a:r>
-            <a:r>
-              <a:rPr lang="sr-Latn-RS" dirty="0">
-                <a:ea typeface="+mj-lt"/>
-                <a:cs typeface="+mj-lt"/>
-              </a:rPr>
-              <a:t>): Pretpostavimo da transakcija T1 modifikuje red. Ako transakcija T2 pročita red i vidi modifikaciju iako je T1 nije </a:t>
-            </a:r>
-            <a:r>
-              <a:rPr lang="sr-Latn-RS" dirty="0" err="1">
-                <a:ea typeface="+mj-lt"/>
-                <a:cs typeface="+mj-lt"/>
-              </a:rPr>
-              <a:t>commit</a:t>
-            </a:r>
-            <a:r>
-              <a:rPr lang="sr-Latn-RS" dirty="0">
-                <a:ea typeface="+mj-lt"/>
-                <a:cs typeface="+mj-lt"/>
-              </a:rPr>
-              <a:t>-ovala, to je prljavo čitanje. Jedan od razloga što je ovo problem je taj što ako T1 uradi </a:t>
-            </a:r>
-            <a:r>
-              <a:rPr lang="sr-Latn-RS" dirty="0" err="1">
-                <a:ea typeface="+mj-lt"/>
-                <a:cs typeface="+mj-lt"/>
-              </a:rPr>
-              <a:t>rollback</a:t>
-            </a:r>
-            <a:r>
-              <a:rPr lang="sr-Latn-RS" dirty="0">
-                <a:ea typeface="+mj-lt"/>
-                <a:cs typeface="+mj-lt"/>
-              </a:rPr>
-              <a:t>, promena je poništena, ali T2 to ne zna.</a:t>
+              <a:rPr lang="sr-Latn-RS" dirty="0" smtClean="0">
+                <a:ea typeface="+mj-lt"/>
+                <a:cs typeface="+mj-lt"/>
+              </a:rPr>
+              <a:t>čita podatke koje je izmenila neka druga transakcija koja još uvek nije commit-ovana.</a:t>
             </a:r>
             <a:endParaRPr lang="sr-Latn-RS" dirty="0"/>
           </a:p>
@@ -6505,35 +6531,14 @@
                 <a:ea typeface="+mj-lt"/>
                 <a:cs typeface="+mj-lt"/>
               </a:rPr>
-              <a:t>Fantomsko čitanje (</a:t>
-            </a:r>
-            <a:r>
-              <a:rPr lang="sr-Latn-RS" dirty="0" err="1">
-                <a:ea typeface="+mj-lt"/>
-                <a:cs typeface="+mj-lt"/>
-              </a:rPr>
-              <a:t>Phanton</a:t>
-            </a:r>
-            <a:r>
-              <a:rPr lang="sr-Latn-RS" dirty="0">
-                <a:ea typeface="+mj-lt"/>
-                <a:cs typeface="+mj-lt"/>
-              </a:rPr>
-              <a:t> </a:t>
-            </a:r>
-            <a:r>
-              <a:rPr lang="sr-Latn-RS" dirty="0" err="1">
-                <a:ea typeface="+mj-lt"/>
-                <a:cs typeface="+mj-lt"/>
-              </a:rPr>
-              <a:t>read</a:t>
-            </a:r>
-            <a:r>
-              <a:rPr lang="sr-Latn-RS" dirty="0">
-                <a:ea typeface="+mj-lt"/>
-                <a:cs typeface="+mj-lt"/>
-              </a:rPr>
-              <a:t>): Pretpostavimo da transakcije T1 i T2 započinju, a T1 čita neke redove. Ako T2 ubaci novi red i T1 vidi taj red kada ponavlja istu operaciju čitanja, došlo je do fantomskog čitanja (novi red je fantomski red).</a:t>
+              <a:t>Fantomsko čitanje (Phanton read): </a:t>
+            </a:r>
+            <a:r>
+              <a:rPr lang="sr-Latn-RS" dirty="0" smtClean="0">
+                <a:ea typeface="+mj-lt"/>
+                <a:cs typeface="+mj-lt"/>
+              </a:rPr>
+              <a:t>Višestruko čitanje istih podataka unutar jedne transakcije daje različite rezultate.</a:t>
             </a:r>
             <a:endParaRPr lang="sr-Latn-RS" dirty="0"/>
           </a:p>
@@ -6557,6 +6562,13 @@
   <p:clrMapOvr>
     <a:masterClrMapping/>
   </p:clrMapOvr>
+  <p:timing>
+    <p:tnLst>
+      <p:par>
+        <p:cTn id="1" dur="indefinite" restart="never" nodeType="tmRoot"/>
+      </p:par>
+    </p:tnLst>
+  </p:timing>
 </p:sld>
 </file>
 
@@ -6673,6 +6685,13 @@
   <p:clrMapOvr>
     <a:masterClrMapping/>
   </p:clrMapOvr>
+  <p:timing>
+    <p:tnLst>
+      <p:par>
+        <p:cTn id="1" dur="indefinite" restart="never" nodeType="tmRoot"/>
+      </p:par>
+    </p:tnLst>
+  </p:timing>
 </p:sld>
 </file>
 
@@ -6765,18 +6784,18 @@
               <a:t>READ UNCOMMITTED: </a:t>
             </a:r>
             <a:r>
-              <a:rPr lang="sr-Latn-RS" dirty="0" err="1">
-                <a:ea typeface="+mj-lt"/>
-                <a:cs typeface="+mj-lt"/>
-              </a:rPr>
-              <a:t>Omogućava</a:t>
+              <a:rPr lang="sr-Latn-RS" dirty="0" smtClean="0">
+                <a:ea typeface="+mj-lt"/>
+                <a:cs typeface="+mj-lt"/>
+              </a:rPr>
+              <a:t>Omogućava </a:t>
             </a:r>
             <a:r>
               <a:rPr lang="sr-Latn-RS" dirty="0">
                 <a:ea typeface="+mj-lt"/>
                 <a:cs typeface="+mj-lt"/>
               </a:rPr>
-              <a:t> pojavu prljavih čitanja, neponovljivih čitanja i fantomskih čitanja</a:t>
+              <a:t>pojavu prljavih čitanja, neponovljivih čitanja i fantomskih čitanja</a:t>
             </a:r>
           </a:p>
           <a:p>
@@ -6818,8 +6837,54 @@
                 <a:ea typeface="+mj-lt"/>
                 <a:cs typeface="+mj-lt"/>
               </a:rPr>
-              <a:t>REPEATABLE READ: Oba puta dobija isti rezultat, bez obzira na commit-ovane ili ne commit-ovane promene koje su izvršile druge transakcije. Drugim rečima, dobija se dosledan rezultat iz različitih transakcija sa istim podacima.</a:t>
-            </a:r>
+              <a:t>REPEATABLE READ: </a:t>
+            </a:r>
+            <a:r>
+              <a:rPr lang="sr-Latn-RS" dirty="0" smtClean="0">
+                <a:ea typeface="+mj-lt"/>
+                <a:cs typeface="+mj-lt"/>
+              </a:rPr>
+              <a:t>Default, </a:t>
+            </a:r>
+            <a:r>
+              <a:rPr lang="en-US" dirty="0" err="1" smtClean="0">
+                <a:ea typeface="+mj-lt"/>
+                <a:cs typeface="+mj-lt"/>
+              </a:rPr>
+              <a:t>neponovljivo</a:t>
+            </a:r>
+            <a:r>
+              <a:rPr lang="en-US" dirty="0" smtClean="0">
+                <a:ea typeface="+mj-lt"/>
+                <a:cs typeface="+mj-lt"/>
+              </a:rPr>
+              <a:t> </a:t>
+            </a:r>
+            <a:r>
+              <a:rPr lang="sr-Latn-RS" dirty="0" smtClean="0">
+                <a:ea typeface="+mj-lt"/>
+                <a:cs typeface="+mj-lt"/>
+              </a:rPr>
+              <a:t>čitanje nije dozvoljeno, </a:t>
+            </a:r>
+            <a:r>
+              <a:rPr lang="sr-Latn-RS" dirty="0">
+                <a:ea typeface="+mj-lt"/>
+                <a:cs typeface="+mj-lt"/>
+              </a:rPr>
+              <a:t>s</a:t>
+            </a:r>
+            <a:r>
+              <a:rPr lang="sr-Latn-RS" dirty="0" smtClean="0">
+                <a:ea typeface="+mj-lt"/>
+                <a:cs typeface="+mj-lt"/>
+              </a:rPr>
+              <a:t>elect uvek vraća isti rezultat tokom transakcije.</a:t>
+            </a:r>
+            <a:endParaRPr lang="sr-Latn-RS" dirty="0">
+              <a:ea typeface="+mj-lt"/>
+              <a:cs typeface="+mj-lt"/>
+            </a:endParaRPr>
           </a:p>
           <a:p>
             <a:pPr>
@@ -6832,7 +6897,63 @@
                 <a:ea typeface="+mj-lt"/>
                 <a:cs typeface="+mj-lt"/>
               </a:rPr>
-              <a:t>SERIALIZABLE: Slično REPEATABLE READ sa dodatnim ograničenjem da redovi koje odabere jedna transakcija ne mogu se menjati drugom dok se prva transakcija ne završi.</a:t>
+              <a:t>SERIALIZABLE: </a:t>
+            </a:r>
+            <a:r>
+              <a:rPr lang="sr-Latn-RS" dirty="0" smtClean="0">
+                <a:ea typeface="+mj-lt"/>
+                <a:cs typeface="+mj-lt"/>
+              </a:rPr>
+              <a:t>Kompletna izolacija, slično </a:t>
+            </a:r>
+            <a:r>
+              <a:rPr lang="sr-Latn-RS" dirty="0">
+                <a:ea typeface="+mj-lt"/>
+                <a:cs typeface="+mj-lt"/>
+              </a:rPr>
+              <a:t>REPEATABLE READ sa dodatnim ograničenjem da redovi koje </a:t>
+            </a:r>
+            <a:r>
+              <a:rPr lang="sr-Latn-RS" dirty="0" smtClean="0">
+                <a:ea typeface="+mj-lt"/>
+                <a:cs typeface="+mj-lt"/>
+              </a:rPr>
+              <a:t>koristi </a:t>
+            </a:r>
+            <a:r>
+              <a:rPr lang="sr-Latn-RS" dirty="0">
+                <a:ea typeface="+mj-lt"/>
+                <a:cs typeface="+mj-lt"/>
+              </a:rPr>
+              <a:t>jedna transakcija </a:t>
+            </a:r>
+            <a:r>
+              <a:rPr lang="sr-Latn-RS" dirty="0" smtClean="0">
+                <a:ea typeface="+mj-lt"/>
+                <a:cs typeface="+mj-lt"/>
+              </a:rPr>
+              <a:t>se ne mogu </a:t>
+            </a:r>
+            <a:r>
+              <a:rPr lang="sr-Latn-RS" dirty="0">
+                <a:ea typeface="+mj-lt"/>
+                <a:cs typeface="+mj-lt"/>
+              </a:rPr>
+              <a:t>menjati </a:t>
+            </a:r>
+            <a:r>
+              <a:rPr lang="sr-Latn-RS" dirty="0" smtClean="0">
+                <a:ea typeface="+mj-lt"/>
+                <a:cs typeface="+mj-lt"/>
+              </a:rPr>
+              <a:t>u drugoj </a:t>
+            </a:r>
+            <a:r>
+              <a:rPr lang="sr-Latn-RS" dirty="0">
+                <a:ea typeface="+mj-lt"/>
+                <a:cs typeface="+mj-lt"/>
+              </a:rPr>
+              <a:t>dok se prva transakcija ne završi.</a:t>
             </a:r>
           </a:p>
           <a:p>
@@ -6855,2454 +6976,17 @@
   <p:clrMapOvr>
     <a:masterClrMapping/>
   </p:clrMapOvr>
+  <p:timing>
+    <p:tnLst>
+      <p:par>
+        <p:cTn id="1" dur="indefinite" restart="never" nodeType="tmRoot"/>
+      </p:par>
+    </p:tnLst>
+  </p:timing>
 </p:sld>
 </file>
 
 <file path=ppt/slides/slide14.xml><?xml version="1.0" encoding="utf-8"?>
-<p:sld xmlns:a="http://schemas.openxmlformats.org/drawingml/2006/main" xmlns:r="http://schemas.openxmlformats.org/officeDocument/2006/relationships" xmlns:p="http://schemas.openxmlformats.org/presentationml/2006/main">
-  <p:cSld>
-    <p:spTree>
-      <p:nvGrpSpPr>
-        <p:cNvPr id="1" name=""/>
-        <p:cNvGrpSpPr/>
-        <p:nvPr/>
-      </p:nvGrpSpPr>
-      <p:grpSpPr>
-        <a:xfrm>
-          <a:off x="0" y="0"/>
-          <a:ext cx="0" cy="0"/>
-          <a:chOff x="0" y="0"/>
-          <a:chExt cx="0" cy="0"/>
-        </a:xfrm>
-      </p:grpSpPr>
-      <p:sp>
-        <p:nvSpPr>
-          <p:cNvPr id="2" name="Naslov 1">
-            <a:extLst>
-              <a:ext uri="{FF2B5EF4-FFF2-40B4-BE49-F238E27FC236}">
-                <a16:creationId xmlns:a16="http://schemas.microsoft.com/office/drawing/2014/main" id="{E8F216E2-29C6-4E23-9F3C-D50D28D870DF}"/>
-              </a:ext>
-            </a:extLst>
-          </p:cNvPr>
-          <p:cNvSpPr>
-            <a:spLocks noGrp="1"/>
-          </p:cNvSpPr>
-          <p:nvPr>
-            <p:ph type="title"/>
-          </p:nvPr>
-        </p:nvSpPr>
-        <p:spPr/>
-        <p:txBody>
-          <a:bodyPr/>
-          <a:lstStyle/>
-          <a:p>
-            <a:r>
-              <a:rPr lang="sr-Latn-RS" dirty="0">
-                <a:ea typeface="+mj-lt"/>
-                <a:cs typeface="+mj-lt"/>
-              </a:rPr>
-              <a:t>Nivoi izolacije </a:t>
-            </a:r>
-          </a:p>
-          <a:p>
-            <a:endParaRPr lang="sr-Latn-RS" dirty="0">
-              <a:ea typeface="+mj-lt"/>
-              <a:cs typeface="+mj-lt"/>
-            </a:endParaRPr>
-          </a:p>
-          <a:p>
-            <a:endParaRPr lang="sr-Latn-RS" dirty="0">
-              <a:ea typeface="+mj-lt"/>
-              <a:cs typeface="+mj-lt"/>
-            </a:endParaRPr>
-          </a:p>
-          <a:p>
-            <a:endParaRPr lang="sr-Latn-RS" dirty="0"/>
-          </a:p>
-        </p:txBody>
-      </p:sp>
-      <p:sp>
-        <p:nvSpPr>
-          <p:cNvPr id="3" name="Čuvar mesta za sadržaj 2">
-            <a:extLst>
-              <a:ext uri="{FF2B5EF4-FFF2-40B4-BE49-F238E27FC236}">
-                <a16:creationId xmlns:a16="http://schemas.microsoft.com/office/drawing/2014/main" id="{BCF9FA9A-F6C5-4714-88B0-23780A340FF8}"/>
-              </a:ext>
-            </a:extLst>
-          </p:cNvPr>
-          <p:cNvSpPr>
-            <a:spLocks noGrp="1"/>
-          </p:cNvSpPr>
-          <p:nvPr>
-            <p:ph idx="1"/>
-          </p:nvPr>
-        </p:nvSpPr>
-        <p:spPr/>
-        <p:txBody>
-          <a:bodyPr vert="horz" lIns="91440" tIns="45720" rIns="91440" bIns="45720" rtlCol="0" anchor="t">
-            <a:normAutofit/>
-          </a:bodyPr>
-          <a:lstStyle/>
-          <a:p>
-            <a:pPr algn="just"/>
-            <a:r>
-              <a:rPr lang="sr-Latn-RS" dirty="0">
-                <a:ea typeface="+mj-lt"/>
-                <a:cs typeface="+mj-lt"/>
-              </a:rPr>
-              <a:t>Sintaksa za podešavanje nivoa izolacije: </a:t>
-            </a:r>
-          </a:p>
-          <a:p>
-            <a:pPr lvl="1" algn="just">
-              <a:buClr>
-                <a:srgbClr val="8AD0D6"/>
-              </a:buClr>
-            </a:pPr>
-            <a:r>
-              <a:rPr lang="sr-Latn-RS" dirty="0">
-                <a:ea typeface="+mj-lt"/>
-                <a:cs typeface="+mj-lt"/>
-              </a:rPr>
-              <a:t>SET GLOBAL TRANSACTION ISOLATION LEVEL [</a:t>
-            </a:r>
-            <a:r>
-              <a:rPr lang="sr-Latn-RS" dirty="0" err="1">
-                <a:ea typeface="+mj-lt"/>
-                <a:cs typeface="+mj-lt"/>
-              </a:rPr>
-              <a:t>isolation_level</a:t>
-            </a:r>
-            <a:r>
-              <a:rPr lang="sr-Latn-RS" dirty="0">
-                <a:ea typeface="+mj-lt"/>
-                <a:cs typeface="+mj-lt"/>
-              </a:rPr>
-              <a:t>]; </a:t>
-            </a:r>
-          </a:p>
-          <a:p>
-            <a:pPr lvl="1" algn="just">
-              <a:buClr>
-                <a:srgbClr val="8AD0D6"/>
-              </a:buClr>
-            </a:pPr>
-            <a:r>
-              <a:rPr lang="sr-Latn-RS" dirty="0">
-                <a:ea typeface="+mj-lt"/>
-                <a:cs typeface="+mj-lt"/>
-              </a:rPr>
-              <a:t>SET SESSION TRANSACTION ISOLATION LEVEL [isolation_level]; </a:t>
-            </a:r>
-          </a:p>
-          <a:p>
-            <a:pPr lvl="1">
-              <a:buClr>
-                <a:srgbClr val="8AD0D6"/>
-              </a:buClr>
-            </a:pPr>
-            <a:r>
-              <a:rPr lang="sr-Latn-RS" dirty="0">
-                <a:ea typeface="+mj-lt"/>
-                <a:cs typeface="+mj-lt"/>
-              </a:rPr>
-              <a:t>SET TRANSACTION ISOLATION LEVEL [</a:t>
-            </a:r>
-            <a:r>
-              <a:rPr lang="sr-Latn-RS" dirty="0" err="1">
-                <a:ea typeface="+mj-lt"/>
-                <a:cs typeface="+mj-lt"/>
-              </a:rPr>
-              <a:t>isolation_level</a:t>
-            </a:r>
-            <a:r>
-              <a:rPr lang="sr-Latn-RS" dirty="0">
-                <a:ea typeface="+mj-lt"/>
-                <a:cs typeface="+mj-lt"/>
-              </a:rPr>
-              <a:t>]; </a:t>
-            </a:r>
-          </a:p>
-          <a:p>
-            <a:pPr marL="914400" lvl="2" indent="0">
-              <a:buClr>
-                <a:srgbClr val="8AD0D6"/>
-              </a:buClr>
-              <a:buNone/>
-            </a:pPr>
-            <a:r>
-              <a:rPr lang="sr-Latn-RS" i="1" dirty="0">
-                <a:ea typeface="+mj-lt"/>
-                <a:cs typeface="+mj-lt"/>
-              </a:rPr>
-              <a:t>           </a:t>
-            </a:r>
-            <a:endParaRPr lang="sr-Latn-RS">
-              <a:ea typeface="+mj-lt"/>
-              <a:cs typeface="+mj-lt"/>
-            </a:endParaRPr>
-          </a:p>
-          <a:p>
-            <a:pPr marL="914400" lvl="2" indent="0">
-              <a:buNone/>
-            </a:pPr>
-            <a:r>
-              <a:rPr lang="sr-Latn-RS" i="1" dirty="0">
-                <a:ea typeface="+mj-lt"/>
-                <a:cs typeface="+mj-lt"/>
-              </a:rPr>
-              <a:t>            SET TRANSACTION ISOLATION LEVEL READ COMMITTED;</a:t>
-            </a:r>
-            <a:r>
-              <a:rPr lang="sr-Latn-RS" dirty="0">
-                <a:ea typeface="+mj-lt"/>
-                <a:cs typeface="+mj-lt"/>
-              </a:rPr>
-              <a:t> </a:t>
-            </a:r>
-            <a:endParaRPr lang="sr-Latn-RS"/>
-          </a:p>
-        </p:txBody>
-      </p:sp>
-    </p:spTree>
-    <p:extLst>
-      <p:ext uri="{BB962C8B-B14F-4D97-AF65-F5344CB8AC3E}">
-        <p14:creationId xmlns:p14="http://schemas.microsoft.com/office/powerpoint/2010/main" val="355292789"/>
-      </p:ext>
-    </p:extLst>
-  </p:cSld>
-  <p:clrMapOvr>
-    <a:masterClrMapping/>
-  </p:clrMapOvr>
-</p:sld>
-</file>
-
-<file path=ppt/slides/slide15.xml><?xml version="1.0" encoding="utf-8"?>
-<p:sld xmlns:a="http://schemas.openxmlformats.org/drawingml/2006/main" xmlns:r="http://schemas.openxmlformats.org/officeDocument/2006/relationships" xmlns:p="http://schemas.openxmlformats.org/presentationml/2006/main">
-  <p:cSld>
-    <p:spTree>
-      <p:nvGrpSpPr>
-        <p:cNvPr id="1" name=""/>
-        <p:cNvGrpSpPr/>
-        <p:nvPr/>
-      </p:nvGrpSpPr>
-      <p:grpSpPr>
-        <a:xfrm>
-          <a:off x="0" y="0"/>
-          <a:ext cx="0" cy="0"/>
-          <a:chOff x="0" y="0"/>
-          <a:chExt cx="0" cy="0"/>
-        </a:xfrm>
-      </p:grpSpPr>
-      <p:sp>
-        <p:nvSpPr>
-          <p:cNvPr id="2" name="Naslov 1">
-            <a:extLst>
-              <a:ext uri="{FF2B5EF4-FFF2-40B4-BE49-F238E27FC236}">
-                <a16:creationId xmlns:a16="http://schemas.microsoft.com/office/drawing/2014/main" id="{A3210883-1D31-49C3-B756-5942D50AF8DD}"/>
-              </a:ext>
-            </a:extLst>
-          </p:cNvPr>
-          <p:cNvSpPr>
-            <a:spLocks noGrp="1"/>
-          </p:cNvSpPr>
-          <p:nvPr>
-            <p:ph type="title"/>
-          </p:nvPr>
-        </p:nvSpPr>
-        <p:spPr/>
-        <p:txBody>
-          <a:bodyPr/>
-          <a:lstStyle/>
-          <a:p>
-            <a:r>
-              <a:rPr lang="sr-Latn-RS" dirty="0">
-                <a:ea typeface="+mj-lt"/>
-                <a:cs typeface="+mj-lt"/>
-              </a:rPr>
-              <a:t>Zaključavanje</a:t>
-            </a:r>
-            <a:endParaRPr lang="sr-Latn-RS" dirty="0"/>
-          </a:p>
-        </p:txBody>
-      </p:sp>
-      <p:sp>
-        <p:nvSpPr>
-          <p:cNvPr id="3" name="Čuvar mesta za sadržaj 2">
-            <a:extLst>
-              <a:ext uri="{FF2B5EF4-FFF2-40B4-BE49-F238E27FC236}">
-                <a16:creationId xmlns:a16="http://schemas.microsoft.com/office/drawing/2014/main" id="{342AC3DA-57B6-42D4-A692-D16DC846870D}"/>
-              </a:ext>
-            </a:extLst>
-          </p:cNvPr>
-          <p:cNvSpPr>
-            <a:spLocks noGrp="1"/>
-          </p:cNvSpPr>
-          <p:nvPr>
-            <p:ph idx="1"/>
-          </p:nvPr>
-        </p:nvSpPr>
-        <p:spPr>
-          <a:xfrm>
-            <a:off x="852410" y="1681211"/>
-            <a:ext cx="10386905" cy="4567188"/>
-          </a:xfrm>
-        </p:spPr>
-        <p:txBody>
-          <a:bodyPr vert="horz" lIns="91440" tIns="45720" rIns="91440" bIns="45720" rtlCol="0" anchor="t">
-            <a:normAutofit/>
-          </a:bodyPr>
-          <a:lstStyle/>
-          <a:p>
-            <a:r>
-              <a:rPr lang="sr-Latn-RS" dirty="0">
-                <a:ea typeface="+mj-lt"/>
-                <a:cs typeface="+mj-lt"/>
-              </a:rPr>
-              <a:t>Zaključavanje je mehanizam koji sprečava pojavu problema istovremenog pristupa podacima od strane više klijenata. </a:t>
-            </a:r>
-            <a:endParaRPr lang="sr-Latn-RS">
-              <a:ea typeface="+mj-lt"/>
-              <a:cs typeface="+mj-lt"/>
-            </a:endParaRPr>
-          </a:p>
-          <a:p>
-            <a:pPr algn="just">
-              <a:buClr>
-                <a:srgbClr val="8AD0D6"/>
-              </a:buClr>
-            </a:pPr>
-            <a:r>
-              <a:rPr lang="sr-Latn-RS" dirty="0">
-                <a:ea typeface="+mj-lt"/>
-                <a:cs typeface="+mj-lt"/>
-              </a:rPr>
-              <a:t>Ne uzrokuju sve vrste istovremenih pristupa konflikte, tako da vrsta zaključavanja koja je neophodna da bi se klijentu </a:t>
-            </a:r>
-            <a:r>
-              <a:rPr lang="sr-Latn-RS" dirty="0" err="1">
-                <a:ea typeface="+mj-lt"/>
-                <a:cs typeface="+mj-lt"/>
-              </a:rPr>
-              <a:t>omogućio</a:t>
-            </a:r>
-            <a:r>
-              <a:rPr lang="sr-Latn-RS" dirty="0">
-                <a:ea typeface="+mj-lt"/>
-                <a:cs typeface="+mj-lt"/>
-              </a:rPr>
-              <a:t> pristup podacima zavisi od toga da li klijent želi da čita ili piše: </a:t>
-            </a:r>
-            <a:endParaRPr lang="sr-Latn-RS" dirty="0"/>
-          </a:p>
-          <a:p>
-            <a:pPr lvl="1" algn="just">
-              <a:buClr>
-                <a:srgbClr val="8AD0D6"/>
-              </a:buClr>
-            </a:pPr>
-            <a:r>
-              <a:rPr lang="sr-Latn-RS" dirty="0">
-                <a:ea typeface="+mj-lt"/>
-                <a:cs typeface="+mj-lt"/>
-              </a:rPr>
-              <a:t>Ako klijent želi da čita podatke, drugi klijenti koji žele da čitaju iste podatke ne proizvode konflikt i svi mogu da čitaju istovremeno. Međutim, drugi klijent koji želi da modifikuje podatke mora da sačeka dok se čitanje ne završi.</a:t>
-            </a:r>
-            <a:endParaRPr lang="sr-Latn-RS" dirty="0"/>
-          </a:p>
-          <a:p>
-            <a:pPr lvl="1" algn="just">
-              <a:buClr>
-                <a:srgbClr val="8AD0D6"/>
-              </a:buClr>
-            </a:pPr>
-            <a:r>
-              <a:rPr lang="sr-Latn-RS" dirty="0">
-                <a:ea typeface="+mj-lt"/>
-                <a:cs typeface="+mj-lt"/>
-              </a:rPr>
-              <a:t>Ako klijent želi da upiše podatke, svi ostali klijenti moraju da sačekaju dok se pisanje ne završi, bez obzira da li ti klijenti žele da čitaju ili pišu.</a:t>
-            </a:r>
-            <a:endParaRPr lang="sr-Latn-RS" dirty="0"/>
-          </a:p>
-          <a:p>
-            <a:pPr marL="457200" lvl="1" indent="0" algn="ctr">
-              <a:buClr>
-                <a:srgbClr val="8AD0D6"/>
-              </a:buClr>
-              <a:buNone/>
-            </a:pPr>
-            <a:r>
-              <a:rPr lang="sr-Latn-RS" dirty="0">
-                <a:ea typeface="+mj-lt"/>
-                <a:cs typeface="+mj-lt"/>
-              </a:rPr>
-              <a:t> </a:t>
-            </a:r>
-            <a:r>
-              <a:rPr lang="sr-Latn-RS" sz="2000" dirty="0">
-                <a:ea typeface="+mj-lt"/>
-                <a:cs typeface="+mj-lt"/>
-              </a:rPr>
-              <a:t> Čitač mora blokirati pisce, ali ne sme blokirati druge čitaoce. Pisac mora blokirati i čitaoce i pisce. </a:t>
-            </a:r>
-            <a:endParaRPr lang="sr-Latn-RS" sz="2000" dirty="0"/>
-          </a:p>
-          <a:p>
-            <a:pPr>
-              <a:buClr>
-                <a:srgbClr val="8AD0D6"/>
-              </a:buClr>
-            </a:pPr>
-            <a:endParaRPr lang="sr-Latn-RS" dirty="0"/>
-          </a:p>
-        </p:txBody>
-      </p:sp>
-    </p:spTree>
-    <p:extLst>
-      <p:ext uri="{BB962C8B-B14F-4D97-AF65-F5344CB8AC3E}">
-        <p14:creationId xmlns:p14="http://schemas.microsoft.com/office/powerpoint/2010/main" val="3137126868"/>
-      </p:ext>
-    </p:extLst>
-  </p:cSld>
-  <p:clrMapOvr>
-    <a:masterClrMapping/>
-  </p:clrMapOvr>
-</p:sld>
-</file>
-
-<file path=ppt/slides/slide16.xml><?xml version="1.0" encoding="utf-8"?>
-<p:sld xmlns:a="http://schemas.openxmlformats.org/drawingml/2006/main" xmlns:r="http://schemas.openxmlformats.org/officeDocument/2006/relationships" xmlns:p="http://schemas.openxmlformats.org/presentationml/2006/main">
-  <p:cSld>
-    <p:spTree>
-      <p:nvGrpSpPr>
-        <p:cNvPr id="1" name=""/>
-        <p:cNvGrpSpPr/>
-        <p:nvPr/>
-      </p:nvGrpSpPr>
-      <p:grpSpPr>
-        <a:xfrm>
-          <a:off x="0" y="0"/>
-          <a:ext cx="0" cy="0"/>
-          <a:chOff x="0" y="0"/>
-          <a:chExt cx="0" cy="0"/>
-        </a:xfrm>
-      </p:grpSpPr>
-      <p:sp>
-        <p:nvSpPr>
-          <p:cNvPr id="2" name="Naslov 1">
-            <a:extLst>
-              <a:ext uri="{FF2B5EF4-FFF2-40B4-BE49-F238E27FC236}">
-                <a16:creationId xmlns:a16="http://schemas.microsoft.com/office/drawing/2014/main" id="{3FD1A1C1-C4C8-40A3-8A0F-A9E06EFB45F5}"/>
-              </a:ext>
-            </a:extLst>
-          </p:cNvPr>
-          <p:cNvSpPr>
-            <a:spLocks noGrp="1"/>
-          </p:cNvSpPr>
-          <p:nvPr>
-            <p:ph type="title"/>
-          </p:nvPr>
-        </p:nvSpPr>
-        <p:spPr/>
-        <p:txBody>
-          <a:bodyPr/>
-          <a:lstStyle/>
-          <a:p>
-            <a:r>
-              <a:rPr lang="sr-Latn-RS" dirty="0"/>
-              <a:t>Zaključavanje</a:t>
-            </a:r>
-            <a:endParaRPr lang="sr-Latn-RS" dirty="0">
-              <a:ea typeface="+mj-lt"/>
-              <a:cs typeface="+mj-lt"/>
-            </a:endParaRPr>
-          </a:p>
-          <a:p>
-            <a:endParaRPr lang="sr-Latn-RS" dirty="0"/>
-          </a:p>
-        </p:txBody>
-      </p:sp>
-      <p:sp>
-        <p:nvSpPr>
-          <p:cNvPr id="3" name="Čuvar mesta za sadržaj 2">
-            <a:extLst>
-              <a:ext uri="{FF2B5EF4-FFF2-40B4-BE49-F238E27FC236}">
-                <a16:creationId xmlns:a16="http://schemas.microsoft.com/office/drawing/2014/main" id="{635F7E8A-9CA0-4D54-BA79-20A0FDC7C040}"/>
-              </a:ext>
-            </a:extLst>
-          </p:cNvPr>
-          <p:cNvSpPr>
-            <a:spLocks noGrp="1"/>
-          </p:cNvSpPr>
-          <p:nvPr>
-            <p:ph idx="1"/>
-          </p:nvPr>
-        </p:nvSpPr>
-        <p:spPr>
-          <a:xfrm>
-            <a:off x="1103312" y="2052918"/>
-            <a:ext cx="10832955" cy="4195481"/>
-          </a:xfrm>
-        </p:spPr>
-        <p:txBody>
-          <a:bodyPr vert="horz" lIns="91440" tIns="45720" rIns="91440" bIns="45720" rtlCol="0" anchor="t">
-            <a:normAutofit/>
-          </a:bodyPr>
-          <a:lstStyle/>
-          <a:p>
-            <a:r>
-              <a:rPr lang="sr-Latn-RS" dirty="0">
-                <a:ea typeface="+mj-lt"/>
-                <a:cs typeface="+mj-lt"/>
-              </a:rPr>
-              <a:t>LOCK IN SHARE MODE klauzula: Zajednički </a:t>
-            </a:r>
-            <a:r>
-              <a:rPr lang="sr-Latn-RS" dirty="0" err="1">
-                <a:ea typeface="+mj-lt"/>
-                <a:cs typeface="+mj-lt"/>
-              </a:rPr>
-              <a:t>lock</a:t>
-            </a:r>
-            <a:r>
-              <a:rPr lang="sr-Latn-RS" dirty="0">
-                <a:ea typeface="+mj-lt"/>
-                <a:cs typeface="+mj-lt"/>
-              </a:rPr>
-              <a:t>, što znači da nijedna druga transakcija ne može uzeti ekskluzivni </a:t>
-            </a:r>
-            <a:r>
-              <a:rPr lang="sr-Latn-RS" dirty="0" err="1">
-                <a:ea typeface="+mj-lt"/>
-                <a:cs typeface="+mj-lt"/>
-              </a:rPr>
-              <a:t>lock</a:t>
-            </a:r>
-            <a:r>
-              <a:rPr lang="sr-Latn-RS" dirty="0">
-                <a:ea typeface="+mj-lt"/>
-                <a:cs typeface="+mj-lt"/>
-              </a:rPr>
-              <a:t>, ali druge transakcije takođe mogu koristiti zajednički </a:t>
-            </a:r>
-            <a:r>
-              <a:rPr lang="sr-Latn-RS" dirty="0" err="1">
-                <a:ea typeface="+mj-lt"/>
-                <a:cs typeface="+mj-lt"/>
-              </a:rPr>
-              <a:t>lock</a:t>
-            </a:r>
-            <a:r>
-              <a:rPr lang="sr-Latn-RS" dirty="0">
-                <a:ea typeface="+mj-lt"/>
-                <a:cs typeface="+mj-lt"/>
-              </a:rPr>
-              <a:t>. Sprečava druge transakcije da ažuriraju podatke koji se čitaju.</a:t>
-            </a:r>
-          </a:p>
-          <a:p>
-            <a:r>
-              <a:rPr lang="sr-Latn-RS" dirty="0">
-                <a:ea typeface="+mj-lt"/>
-                <a:cs typeface="+mj-lt"/>
-              </a:rPr>
-              <a:t>FOR UPDATE klauzula: Zaključava svaki izabrani red ekskluzivnim </a:t>
-            </a:r>
-            <a:r>
-              <a:rPr lang="sr-Latn-RS" dirty="0" err="1">
-                <a:ea typeface="+mj-lt"/>
-                <a:cs typeface="+mj-lt"/>
-              </a:rPr>
-              <a:t>lock</a:t>
-            </a:r>
-            <a:r>
-              <a:rPr lang="sr-Latn-RS" dirty="0">
-                <a:ea typeface="+mj-lt"/>
-                <a:cs typeface="+mj-lt"/>
-              </a:rPr>
-              <a:t>-om, </a:t>
-            </a:r>
-            <a:r>
-              <a:rPr lang="sr-Latn-RS" dirty="0" err="1">
-                <a:ea typeface="+mj-lt"/>
-                <a:cs typeface="+mj-lt"/>
-              </a:rPr>
-              <a:t>sprečavajući</a:t>
-            </a:r>
-            <a:r>
-              <a:rPr lang="sr-Latn-RS" dirty="0">
-                <a:ea typeface="+mj-lt"/>
-                <a:cs typeface="+mj-lt"/>
-              </a:rPr>
-              <a:t> druge transakcije da dobiju </a:t>
-            </a:r>
-            <a:r>
-              <a:rPr lang="sr-Latn-RS" dirty="0" err="1">
-                <a:ea typeface="+mj-lt"/>
-                <a:cs typeface="+mj-lt"/>
-              </a:rPr>
-              <a:t>lock</a:t>
-            </a:r>
-            <a:r>
-              <a:rPr lang="sr-Latn-RS" dirty="0">
-                <a:ea typeface="+mj-lt"/>
-                <a:cs typeface="+mj-lt"/>
-              </a:rPr>
-              <a:t> nad tim redovima, ali </a:t>
-            </a:r>
-            <a:r>
-              <a:rPr lang="sr-Latn-RS" dirty="0" err="1">
-                <a:ea typeface="+mj-lt"/>
-                <a:cs typeface="+mj-lt"/>
-              </a:rPr>
-              <a:t>omogućava</a:t>
-            </a:r>
-            <a:r>
-              <a:rPr lang="sr-Latn-RS" dirty="0">
-                <a:ea typeface="+mj-lt"/>
-                <a:cs typeface="+mj-lt"/>
-              </a:rPr>
-              <a:t> čitanje redova.</a:t>
-            </a:r>
-          </a:p>
-          <a:p>
-            <a:pPr>
-              <a:buClr>
-                <a:srgbClr val="8AD0D6"/>
-              </a:buClr>
-            </a:pPr>
-            <a:endParaRPr lang="sr-Latn-RS" dirty="0"/>
-          </a:p>
-        </p:txBody>
-      </p:sp>
-    </p:spTree>
-    <p:extLst>
-      <p:ext uri="{BB962C8B-B14F-4D97-AF65-F5344CB8AC3E}">
-        <p14:creationId xmlns:p14="http://schemas.microsoft.com/office/powerpoint/2010/main" val="844035680"/>
-      </p:ext>
-    </p:extLst>
-  </p:cSld>
-  <p:clrMapOvr>
-    <a:masterClrMapping/>
-  </p:clrMapOvr>
-</p:sld>
-</file>
-
-<file path=ppt/slides/slide17.xml><?xml version="1.0" encoding="utf-8"?>
-<p:sld xmlns:a="http://schemas.openxmlformats.org/drawingml/2006/main" xmlns:r="http://schemas.openxmlformats.org/officeDocument/2006/relationships" xmlns:p="http://schemas.openxmlformats.org/presentationml/2006/main">
-  <p:cSld>
-    <p:spTree>
-      <p:nvGrpSpPr>
-        <p:cNvPr id="1" name=""/>
-        <p:cNvGrpSpPr/>
-        <p:nvPr/>
-      </p:nvGrpSpPr>
-      <p:grpSpPr>
-        <a:xfrm>
-          <a:off x="0" y="0"/>
-          <a:ext cx="0" cy="0"/>
-          <a:chOff x="0" y="0"/>
-          <a:chExt cx="0" cy="0"/>
-        </a:xfrm>
-      </p:grpSpPr>
-      <p:sp>
-        <p:nvSpPr>
-          <p:cNvPr id="2" name="Naslov 1">
-            <a:extLst>
-              <a:ext uri="{FF2B5EF4-FFF2-40B4-BE49-F238E27FC236}">
-                <a16:creationId xmlns:a16="http://schemas.microsoft.com/office/drawing/2014/main" id="{3C12A172-A309-4A71-8EF0-39A132FF6F6C}"/>
-              </a:ext>
-            </a:extLst>
-          </p:cNvPr>
-          <p:cNvSpPr>
-            <a:spLocks noGrp="1"/>
-          </p:cNvSpPr>
-          <p:nvPr>
-            <p:ph type="title"/>
-          </p:nvPr>
-        </p:nvSpPr>
-        <p:spPr/>
-        <p:txBody>
-          <a:bodyPr/>
-          <a:lstStyle/>
-          <a:p>
-            <a:r>
-              <a:rPr lang="sr-Latn-RS" dirty="0"/>
-              <a:t>Zaključavanje</a:t>
-            </a:r>
-            <a:endParaRPr lang="sr-Latn-RS" dirty="0">
-              <a:ea typeface="+mj-lt"/>
-              <a:cs typeface="+mj-lt"/>
-            </a:endParaRPr>
-          </a:p>
-          <a:p>
-            <a:endParaRPr lang="sr-Latn-RS" dirty="0"/>
-          </a:p>
-        </p:txBody>
-      </p:sp>
-      <p:pic>
-        <p:nvPicPr>
-          <p:cNvPr id="4" name="Slika 4">
-            <a:extLst>
-              <a:ext uri="{FF2B5EF4-FFF2-40B4-BE49-F238E27FC236}">
-                <a16:creationId xmlns:a16="http://schemas.microsoft.com/office/drawing/2014/main" id="{16361A94-F743-4654-8089-4FF31CFE7FBD}"/>
-              </a:ext>
-            </a:extLst>
-          </p:cNvPr>
-          <p:cNvPicPr>
-            <a:picLocks noGrp="1" noChangeAspect="1"/>
-          </p:cNvPicPr>
-          <p:nvPr>
-            <p:ph idx="1"/>
-          </p:nvPr>
-        </p:nvPicPr>
-        <p:blipFill>
-          <a:blip r:embed="rId2"/>
-          <a:stretch>
-            <a:fillRect/>
-          </a:stretch>
-        </p:blipFill>
-        <p:spPr>
-          <a:xfrm>
-            <a:off x="3481199" y="1377489"/>
-            <a:ext cx="5389524" cy="574753"/>
-          </a:xfrm>
-        </p:spPr>
-      </p:pic>
-      <p:pic>
-        <p:nvPicPr>
-          <p:cNvPr id="5" name="Slika 5" descr="Slika na kojoj se nalazi tekst&#10;&#10;Opis je automatski generisan">
-            <a:extLst>
-              <a:ext uri="{FF2B5EF4-FFF2-40B4-BE49-F238E27FC236}">
-                <a16:creationId xmlns:a16="http://schemas.microsoft.com/office/drawing/2014/main" id="{61F338C6-6F8B-4D0A-BA5E-D8F4F25C58A9}"/>
-              </a:ext>
-            </a:extLst>
-          </p:cNvPr>
-          <p:cNvPicPr>
-            <a:picLocks noChangeAspect="1"/>
-          </p:cNvPicPr>
-          <p:nvPr/>
-        </p:nvPicPr>
-        <p:blipFill>
-          <a:blip r:embed="rId3"/>
-          <a:stretch>
-            <a:fillRect/>
-          </a:stretch>
-        </p:blipFill>
-        <p:spPr>
-          <a:xfrm>
-            <a:off x="1518424" y="2541121"/>
-            <a:ext cx="9145858" cy="1589906"/>
-          </a:xfrm>
-          <a:prstGeom prst="rect">
-            <a:avLst/>
-          </a:prstGeom>
-        </p:spPr>
-      </p:pic>
-      <p:sp>
-        <p:nvSpPr>
-          <p:cNvPr id="6" name="Okvir za tekst 5">
-            <a:extLst>
-              <a:ext uri="{FF2B5EF4-FFF2-40B4-BE49-F238E27FC236}">
-                <a16:creationId xmlns:a16="http://schemas.microsoft.com/office/drawing/2014/main" id="{D5191BF0-20A0-4B7F-844C-71334EA8ECED}"/>
-              </a:ext>
-            </a:extLst>
-          </p:cNvPr>
-          <p:cNvSpPr txBox="1"/>
-          <p:nvPr/>
-        </p:nvSpPr>
-        <p:spPr>
-          <a:xfrm>
-            <a:off x="5737303" y="2085278"/>
-            <a:ext cx="2743200" cy="369332"/>
-          </a:xfrm>
-          <a:prstGeom prst="rect">
-            <a:avLst/>
-          </a:prstGeom>
-          <a:noFill/>
-        </p:spPr>
-        <p:txBody>
-          <a:bodyPr rot="0" spcFirstLastPara="0" vertOverflow="overflow" horzOverflow="overflow" vert="horz" wrap="square" lIns="91440" tIns="45720" rIns="91440" bIns="45720" numCol="1" spcCol="0" rtlCol="0" fromWordArt="0" anchor="t" anchorCtr="0" forceAA="0" compatLnSpc="1">
-            <a:prstTxWarp prst="textNoShape">
-              <a:avLst/>
-            </a:prstTxWarp>
-            <a:spAutoFit/>
-          </a:bodyPr>
-          <a:lstStyle/>
-          <a:p>
-            <a:r>
-              <a:rPr lang="sr-Latn-RS" dirty="0"/>
-              <a:t>Sesija 1</a:t>
-            </a:r>
-          </a:p>
-        </p:txBody>
-      </p:sp>
-      <p:sp>
-        <p:nvSpPr>
-          <p:cNvPr id="7" name="Okvir za tekst 6">
-            <a:extLst>
-              <a:ext uri="{FF2B5EF4-FFF2-40B4-BE49-F238E27FC236}">
-                <a16:creationId xmlns:a16="http://schemas.microsoft.com/office/drawing/2014/main" id="{6CE961EE-95C0-4B92-8D56-4E5DF6024E69}"/>
-              </a:ext>
-            </a:extLst>
-          </p:cNvPr>
-          <p:cNvSpPr txBox="1"/>
-          <p:nvPr/>
-        </p:nvSpPr>
-        <p:spPr>
-          <a:xfrm>
-            <a:off x="5495692" y="4269058"/>
-            <a:ext cx="2743200" cy="369332"/>
-          </a:xfrm>
-          <a:prstGeom prst="rect">
-            <a:avLst/>
-          </a:prstGeom>
-          <a:noFill/>
-        </p:spPr>
-        <p:txBody>
-          <a:bodyPr rot="0" spcFirstLastPara="0" vertOverflow="overflow" horzOverflow="overflow" vert="horz" wrap="square" lIns="91440" tIns="45720" rIns="91440" bIns="45720" numCol="1" spcCol="0" rtlCol="0" fromWordArt="0" anchor="t" anchorCtr="0" forceAA="0" compatLnSpc="1">
-            <a:prstTxWarp prst="textNoShape">
-              <a:avLst/>
-            </a:prstTxWarp>
-            <a:spAutoFit/>
-          </a:bodyPr>
-          <a:lstStyle/>
-          <a:p>
-            <a:r>
-              <a:rPr lang="sr-Latn-RS" dirty="0"/>
-              <a:t>Sesija 2</a:t>
-            </a:r>
-          </a:p>
-        </p:txBody>
-      </p:sp>
-      <p:pic>
-        <p:nvPicPr>
-          <p:cNvPr id="8" name="Slika 8" descr="Slika na kojoj se nalazi tekst&#10;&#10;Opis je automatski generisan">
-            <a:extLst>
-              <a:ext uri="{FF2B5EF4-FFF2-40B4-BE49-F238E27FC236}">
-                <a16:creationId xmlns:a16="http://schemas.microsoft.com/office/drawing/2014/main" id="{88C591D6-BE36-47F7-B261-0E7EF3FE7355}"/>
-              </a:ext>
-            </a:extLst>
-          </p:cNvPr>
-          <p:cNvPicPr>
-            <a:picLocks noChangeAspect="1"/>
-          </p:cNvPicPr>
-          <p:nvPr/>
-        </p:nvPicPr>
-        <p:blipFill>
-          <a:blip r:embed="rId4"/>
-          <a:stretch>
-            <a:fillRect/>
-          </a:stretch>
-        </p:blipFill>
-        <p:spPr>
-          <a:xfrm>
-            <a:off x="2745060" y="5338016"/>
-            <a:ext cx="6432394" cy="1339409"/>
-          </a:xfrm>
-          <a:prstGeom prst="rect">
-            <a:avLst/>
-          </a:prstGeom>
-        </p:spPr>
-      </p:pic>
-      <p:sp>
-        <p:nvSpPr>
-          <p:cNvPr id="9" name="Okvir za tekst 8">
-            <a:extLst>
-              <a:ext uri="{FF2B5EF4-FFF2-40B4-BE49-F238E27FC236}">
-                <a16:creationId xmlns:a16="http://schemas.microsoft.com/office/drawing/2014/main" id="{378EA592-A531-4176-8030-3D72A89C7222}"/>
-              </a:ext>
-            </a:extLst>
-          </p:cNvPr>
-          <p:cNvSpPr txBox="1"/>
-          <p:nvPr/>
-        </p:nvSpPr>
-        <p:spPr>
-          <a:xfrm>
-            <a:off x="4867275" y="3343275"/>
-            <a:ext cx="2743200" cy="369332"/>
-          </a:xfrm>
-          <a:prstGeom prst="rect">
-            <a:avLst/>
-          </a:prstGeom>
-          <a:noFill/>
-        </p:spPr>
-        <p:txBody>
-          <a:bodyPr rot="0" spcFirstLastPara="0" vertOverflow="overflow" horzOverflow="overflow" vert="horz" wrap="square" lIns="91440" tIns="45720" rIns="91440" bIns="45720" numCol="1" spcCol="0" rtlCol="0" fromWordArt="0" anchor="t" anchorCtr="0" forceAA="0" compatLnSpc="1">
-            <a:prstTxWarp prst="textNoShape">
-              <a:avLst/>
-            </a:prstTxWarp>
-            <a:spAutoFit/>
-          </a:bodyPr>
-          <a:lstStyle/>
-          <a:p>
-            <a:pPr algn="l"/>
-            <a:r>
-              <a:rPr lang="sr-Latn-RS"/>
-              <a:t>Kliknite i dodajte tekst</a:t>
-            </a:r>
-          </a:p>
-        </p:txBody>
-      </p:sp>
-      <p:sp>
-        <p:nvSpPr>
-          <p:cNvPr id="10" name="Okvir za tekst 9">
-            <a:extLst>
-              <a:ext uri="{FF2B5EF4-FFF2-40B4-BE49-F238E27FC236}">
-                <a16:creationId xmlns:a16="http://schemas.microsoft.com/office/drawing/2014/main" id="{E575FA39-8053-43A2-9828-9C890F8B7FA2}"/>
-              </a:ext>
-            </a:extLst>
-          </p:cNvPr>
-          <p:cNvSpPr txBox="1"/>
-          <p:nvPr/>
-        </p:nvSpPr>
-        <p:spPr>
-          <a:xfrm>
-            <a:off x="2649809" y="4852175"/>
-            <a:ext cx="6897029" cy="369332"/>
-          </a:xfrm>
-          <a:prstGeom prst="rect">
-            <a:avLst/>
-          </a:prstGeom>
-          <a:noFill/>
-        </p:spPr>
-        <p:txBody>
-          <a:bodyPr rot="0" spcFirstLastPara="0" vertOverflow="overflow" horzOverflow="overflow" vert="horz" wrap="square" lIns="91440" tIns="45720" rIns="91440" bIns="45720" numCol="1" spcCol="0" rtlCol="0" fromWordArt="0" anchor="t" anchorCtr="0" forceAA="0" compatLnSpc="1">
-            <a:prstTxWarp prst="textNoShape">
-              <a:avLst/>
-            </a:prstTxWarp>
-            <a:spAutoFit/>
-          </a:bodyPr>
-          <a:lstStyle/>
-          <a:p>
-            <a:r>
-              <a:rPr lang="sr-Latn-RS" dirty="0">
-                <a:ea typeface="+mn-lt"/>
-                <a:cs typeface="+mn-lt"/>
-              </a:rPr>
-              <a:t>Tabela </a:t>
-            </a:r>
-            <a:r>
-              <a:rPr lang="sr-Latn-RS" dirty="0" err="1">
-                <a:ea typeface="+mn-lt"/>
-                <a:cs typeface="+mn-lt"/>
-              </a:rPr>
-              <a:t>payment</a:t>
-            </a:r>
-            <a:r>
-              <a:rPr lang="sr-Latn-RS" dirty="0">
-                <a:ea typeface="+mn-lt"/>
-                <a:cs typeface="+mn-lt"/>
-              </a:rPr>
-              <a:t> je slobodna nakon </a:t>
-            </a:r>
-            <a:r>
-              <a:rPr lang="sr-Latn-RS" dirty="0" err="1">
-                <a:ea typeface="+mn-lt"/>
-                <a:cs typeface="+mn-lt"/>
-              </a:rPr>
-              <a:t>commit</a:t>
-            </a:r>
-            <a:r>
-              <a:rPr lang="sr-Latn-RS" dirty="0">
-                <a:ea typeface="+mn-lt"/>
-                <a:cs typeface="+mn-lt"/>
-              </a:rPr>
-              <a:t>-a u prvoj sesiji. </a:t>
-            </a:r>
-            <a:endParaRPr lang="sr-Latn-RS" dirty="0"/>
-          </a:p>
-        </p:txBody>
-      </p:sp>
-    </p:spTree>
-    <p:extLst>
-      <p:ext uri="{BB962C8B-B14F-4D97-AF65-F5344CB8AC3E}">
-        <p14:creationId xmlns:p14="http://schemas.microsoft.com/office/powerpoint/2010/main" val="12067355"/>
-      </p:ext>
-    </p:extLst>
-  </p:cSld>
-  <p:clrMapOvr>
-    <a:masterClrMapping/>
-  </p:clrMapOvr>
-</p:sld>
-</file>
-
-<file path=ppt/slides/slide18.xml><?xml version="1.0" encoding="utf-8"?>
-<p:sld xmlns:a="http://schemas.openxmlformats.org/drawingml/2006/main" xmlns:r="http://schemas.openxmlformats.org/officeDocument/2006/relationships" xmlns:p="http://schemas.openxmlformats.org/presentationml/2006/main">
-  <p:cSld>
-    <p:spTree>
-      <p:nvGrpSpPr>
-        <p:cNvPr id="1" name=""/>
-        <p:cNvGrpSpPr/>
-        <p:nvPr/>
-      </p:nvGrpSpPr>
-      <p:grpSpPr>
-        <a:xfrm>
-          <a:off x="0" y="0"/>
-          <a:ext cx="0" cy="0"/>
-          <a:chOff x="0" y="0"/>
-          <a:chExt cx="0" cy="0"/>
-        </a:xfrm>
-      </p:grpSpPr>
-      <p:sp>
-        <p:nvSpPr>
-          <p:cNvPr id="2" name="Naslov 1">
-            <a:extLst>
-              <a:ext uri="{FF2B5EF4-FFF2-40B4-BE49-F238E27FC236}">
-                <a16:creationId xmlns:a16="http://schemas.microsoft.com/office/drawing/2014/main" id="{F0CB1461-7612-4A44-AB1D-01E0C8321493}"/>
-              </a:ext>
-            </a:extLst>
-          </p:cNvPr>
-          <p:cNvSpPr>
-            <a:spLocks noGrp="1"/>
-          </p:cNvSpPr>
-          <p:nvPr>
-            <p:ph type="title"/>
-          </p:nvPr>
-        </p:nvSpPr>
-        <p:spPr/>
-        <p:txBody>
-          <a:bodyPr/>
-          <a:lstStyle/>
-          <a:p>
-            <a:r>
-              <a:rPr lang="sr-Latn-RS" dirty="0">
-                <a:ea typeface="+mj-lt"/>
-                <a:cs typeface="+mj-lt"/>
-              </a:rPr>
-              <a:t>Zaključavanje - </a:t>
-            </a:r>
-            <a:r>
-              <a:rPr lang="sr-Latn-RS" dirty="0" err="1">
-                <a:ea typeface="+mj-lt"/>
-                <a:cs typeface="+mj-lt"/>
-              </a:rPr>
-              <a:t>deadlock</a:t>
-            </a:r>
-            <a:r>
-              <a:rPr lang="sr-Latn-RS" dirty="0">
-                <a:ea typeface="+mj-lt"/>
-                <a:cs typeface="+mj-lt"/>
-              </a:rPr>
-              <a:t>-ovi </a:t>
-            </a:r>
-          </a:p>
-          <a:p>
-            <a:endParaRPr lang="sr-Latn-RS" dirty="0">
-              <a:ea typeface="+mj-lt"/>
-              <a:cs typeface="+mj-lt"/>
-            </a:endParaRPr>
-          </a:p>
-          <a:p>
-            <a:endParaRPr lang="sr-Latn-RS" dirty="0"/>
-          </a:p>
-        </p:txBody>
-      </p:sp>
-      <p:sp>
-        <p:nvSpPr>
-          <p:cNvPr id="3" name="Čuvar mesta za sadržaj 2">
-            <a:extLst>
-              <a:ext uri="{FF2B5EF4-FFF2-40B4-BE49-F238E27FC236}">
-                <a16:creationId xmlns:a16="http://schemas.microsoft.com/office/drawing/2014/main" id="{69F7FE41-97D4-49E2-88FC-7938840A80E7}"/>
-              </a:ext>
-            </a:extLst>
-          </p:cNvPr>
-          <p:cNvSpPr>
-            <a:spLocks noGrp="1"/>
-          </p:cNvSpPr>
-          <p:nvPr>
-            <p:ph idx="1"/>
-          </p:nvPr>
-        </p:nvSpPr>
-        <p:spPr>
-          <a:xfrm>
-            <a:off x="880288" y="1495357"/>
-            <a:ext cx="10582053" cy="4195481"/>
-          </a:xfrm>
-        </p:spPr>
-        <p:txBody>
-          <a:bodyPr vert="horz" lIns="91440" tIns="45720" rIns="91440" bIns="45720" rtlCol="0" anchor="t">
-            <a:normAutofit/>
-          </a:bodyPr>
-          <a:lstStyle/>
-          <a:p>
-            <a:endParaRPr lang="sr-Latn-RS"/>
-          </a:p>
-          <a:p>
-            <a:pPr>
-              <a:buClr>
-                <a:srgbClr val="8AD0D6"/>
-              </a:buClr>
-            </a:pPr>
-            <a:r>
-              <a:rPr lang="sr-Latn-RS" dirty="0" err="1"/>
-              <a:t>Deadlock</a:t>
-            </a:r>
-            <a:r>
-              <a:rPr lang="sr-Latn-RS" dirty="0"/>
-              <a:t> je situacija u kojoj različite transakcije nisu u </a:t>
-            </a:r>
-            <a:r>
-              <a:rPr lang="sr-Latn-RS" dirty="0" err="1"/>
-              <a:t>mogućnosti</a:t>
-            </a:r>
-            <a:r>
-              <a:rPr lang="sr-Latn-RS" dirty="0"/>
-              <a:t> da se nastave jer svaka ima </a:t>
-            </a:r>
-            <a:r>
-              <a:rPr lang="sr-Latn-RS" dirty="0" err="1"/>
-              <a:t>lock</a:t>
-            </a:r>
-            <a:r>
-              <a:rPr lang="sr-Latn-RS" dirty="0"/>
-              <a:t> koji je potreban drugoj. </a:t>
-            </a:r>
-            <a:r>
-              <a:rPr lang="sr-Latn-RS" dirty="0" err="1"/>
-              <a:t>Budući</a:t>
-            </a:r>
-            <a:r>
-              <a:rPr lang="sr-Latn-RS" dirty="0"/>
-              <a:t> da obe transakcije čekaju da resurs postane dostupan, nijedna nikada ne oslobađa brave(</a:t>
-            </a:r>
-            <a:r>
-              <a:rPr lang="sr-Latn-RS" dirty="0" err="1"/>
-              <a:t>lock</a:t>
-            </a:r>
-            <a:r>
-              <a:rPr lang="sr-Latn-RS" dirty="0"/>
-              <a:t>-ove) koje drži. </a:t>
-            </a:r>
-          </a:p>
-          <a:p>
-            <a:pPr>
-              <a:buClr>
-                <a:srgbClr val="8AD0D6"/>
-              </a:buClr>
-            </a:pPr>
-            <a:r>
-              <a:rPr lang="sr-Latn-RS" dirty="0">
-                <a:ea typeface="+mj-lt"/>
-                <a:cs typeface="+mj-lt"/>
-              </a:rPr>
-              <a:t>Kada je </a:t>
-            </a:r>
-            <a:r>
-              <a:rPr lang="sr-Latn-RS" dirty="0" err="1">
-                <a:ea typeface="+mj-lt"/>
-                <a:cs typeface="+mj-lt"/>
-              </a:rPr>
-              <a:t>omogućeno</a:t>
-            </a:r>
-            <a:r>
-              <a:rPr lang="sr-Latn-RS" dirty="0">
-                <a:ea typeface="+mj-lt"/>
-                <a:cs typeface="+mj-lt"/>
-              </a:rPr>
-              <a:t> otkrivanje </a:t>
-            </a:r>
-            <a:r>
-              <a:rPr lang="sr-Latn-RS" dirty="0" err="1">
-                <a:ea typeface="+mj-lt"/>
-                <a:cs typeface="+mj-lt"/>
-              </a:rPr>
-              <a:t>deadlock</a:t>
-            </a:r>
-            <a:r>
-              <a:rPr lang="sr-Latn-RS" dirty="0">
-                <a:ea typeface="+mj-lt"/>
-                <a:cs typeface="+mj-lt"/>
-              </a:rPr>
-              <a:t>-a (podrazumevano podešavanje) i dogodi se </a:t>
-            </a:r>
-            <a:r>
-              <a:rPr lang="sr-Latn-RS" dirty="0" err="1">
-                <a:ea typeface="+mj-lt"/>
-                <a:cs typeface="+mj-lt"/>
-              </a:rPr>
-              <a:t>deadlock</a:t>
-            </a:r>
-            <a:r>
-              <a:rPr lang="sr-Latn-RS" dirty="0">
-                <a:ea typeface="+mj-lt"/>
-                <a:cs typeface="+mj-lt"/>
-              </a:rPr>
-              <a:t>, </a:t>
-            </a:r>
-            <a:r>
-              <a:rPr lang="sr-Latn-RS" dirty="0" err="1">
-                <a:ea typeface="+mj-lt"/>
-                <a:cs typeface="+mj-lt"/>
-              </a:rPr>
-              <a:t>InnoDB</a:t>
-            </a:r>
-            <a:r>
-              <a:rPr lang="sr-Latn-RS" dirty="0">
-                <a:ea typeface="+mj-lt"/>
-                <a:cs typeface="+mj-lt"/>
-              </a:rPr>
-              <a:t> detektuje ovo stanje i </a:t>
-            </a:r>
-            <a:r>
-              <a:rPr lang="sr-Latn-RS" dirty="0" err="1">
-                <a:ea typeface="+mj-lt"/>
-                <a:cs typeface="+mj-lt"/>
-              </a:rPr>
-              <a:t>vraća</a:t>
-            </a:r>
-            <a:r>
-              <a:rPr lang="sr-Latn-RS" dirty="0">
-                <a:ea typeface="+mj-lt"/>
-                <a:cs typeface="+mj-lt"/>
-              </a:rPr>
-              <a:t> unazad jednu od transakcija (žrtva). Do </a:t>
-            </a:r>
-            <a:r>
-              <a:rPr lang="sr-Latn-RS" dirty="0" err="1">
-                <a:ea typeface="+mj-lt"/>
-                <a:cs typeface="+mj-lt"/>
-              </a:rPr>
-              <a:t>deadlock</a:t>
-            </a:r>
-            <a:r>
-              <a:rPr lang="sr-Latn-RS" dirty="0">
-                <a:ea typeface="+mj-lt"/>
-                <a:cs typeface="+mj-lt"/>
-              </a:rPr>
-              <a:t>-a dolazi kada:</a:t>
-            </a:r>
-          </a:p>
-          <a:p>
-            <a:pPr lvl="1">
-              <a:buClr>
-                <a:srgbClr val="8AD0D6"/>
-              </a:buClr>
-            </a:pPr>
-            <a:r>
-              <a:rPr lang="sr-Latn-RS" dirty="0">
-                <a:ea typeface="+mj-lt"/>
-                <a:cs typeface="+mj-lt"/>
-              </a:rPr>
-              <a:t>Transakcije dobijaju </a:t>
-            </a:r>
-            <a:r>
-              <a:rPr lang="sr-Latn-RS" dirty="0" err="1">
-                <a:ea typeface="+mj-lt"/>
-                <a:cs typeface="+mj-lt"/>
-              </a:rPr>
-              <a:t>lock</a:t>
-            </a:r>
-            <a:r>
-              <a:rPr lang="sr-Latn-RS" dirty="0">
-                <a:ea typeface="+mj-lt"/>
-                <a:cs typeface="+mj-lt"/>
-              </a:rPr>
-              <a:t>-ove na više tabela, ali u suprotnom redosledu</a:t>
-            </a:r>
-          </a:p>
-          <a:p>
-            <a:pPr lvl="1">
-              <a:buClr>
-                <a:srgbClr val="8AD0D6"/>
-              </a:buClr>
-            </a:pPr>
-            <a:r>
-              <a:rPr lang="sr-Latn-RS" dirty="0">
-                <a:ea typeface="+mj-lt"/>
-                <a:cs typeface="+mj-lt"/>
-              </a:rPr>
-              <a:t>Postoji više transakcija, jedna čeka da se druga završi. Na primer, T1 čeka T2, T2 čeka T3, a T3 čeka T1.</a:t>
-            </a:r>
-            <a:endParaRPr lang="sr-Latn-RS" dirty="0"/>
-          </a:p>
-          <a:p>
-            <a:pPr>
-              <a:buClr>
-                <a:srgbClr val="8AD0D6"/>
-              </a:buClr>
-            </a:pPr>
-            <a:endParaRPr lang="sr-Latn-RS" dirty="0">
-              <a:ea typeface="+mj-lt"/>
-              <a:cs typeface="+mj-lt"/>
-            </a:endParaRPr>
-          </a:p>
-        </p:txBody>
-      </p:sp>
-    </p:spTree>
-    <p:extLst>
-      <p:ext uri="{BB962C8B-B14F-4D97-AF65-F5344CB8AC3E}">
-        <p14:creationId xmlns:p14="http://schemas.microsoft.com/office/powerpoint/2010/main" val="3837348617"/>
-      </p:ext>
-    </p:extLst>
-  </p:cSld>
-  <p:clrMapOvr>
-    <a:masterClrMapping/>
-  </p:clrMapOvr>
-</p:sld>
-</file>
-
-<file path=ppt/slides/slide19.xml><?xml version="1.0" encoding="utf-8"?>
-<p:sld xmlns:a="http://schemas.openxmlformats.org/drawingml/2006/main" xmlns:r="http://schemas.openxmlformats.org/officeDocument/2006/relationships" xmlns:p="http://schemas.openxmlformats.org/presentationml/2006/main">
-  <p:cSld>
-    <p:spTree>
-      <p:nvGrpSpPr>
-        <p:cNvPr id="1" name=""/>
-        <p:cNvGrpSpPr/>
-        <p:nvPr/>
-      </p:nvGrpSpPr>
-      <p:grpSpPr>
-        <a:xfrm>
-          <a:off x="0" y="0"/>
-          <a:ext cx="0" cy="0"/>
-          <a:chOff x="0" y="0"/>
-          <a:chExt cx="0" cy="0"/>
-        </a:xfrm>
-      </p:grpSpPr>
-      <p:sp>
-        <p:nvSpPr>
-          <p:cNvPr id="2" name="Naslov 1">
-            <a:extLst>
-              <a:ext uri="{FF2B5EF4-FFF2-40B4-BE49-F238E27FC236}">
-                <a16:creationId xmlns:a16="http://schemas.microsoft.com/office/drawing/2014/main" id="{580D196B-9045-44E8-9084-623CE062F74D}"/>
-              </a:ext>
-            </a:extLst>
-          </p:cNvPr>
-          <p:cNvSpPr>
-            <a:spLocks noGrp="1"/>
-          </p:cNvSpPr>
-          <p:nvPr>
-            <p:ph type="title"/>
-          </p:nvPr>
-        </p:nvSpPr>
-        <p:spPr/>
-        <p:txBody>
-          <a:bodyPr/>
-          <a:lstStyle/>
-          <a:p>
-            <a:r>
-              <a:rPr lang="sr-Latn-RS" dirty="0"/>
-              <a:t>Implicitni </a:t>
-            </a:r>
-            <a:r>
-              <a:rPr lang="sr-Latn-RS" dirty="0" err="1"/>
-              <a:t>lock</a:t>
-            </a:r>
-            <a:r>
-              <a:rPr lang="sr-Latn-RS" dirty="0"/>
-              <a:t>-ovi </a:t>
-            </a:r>
-            <a:endParaRPr lang="sr-Latn-RS"/>
-          </a:p>
-        </p:txBody>
-      </p:sp>
-      <p:sp>
-        <p:nvSpPr>
-          <p:cNvPr id="3" name="Čuvar mesta za sadržaj 2">
-            <a:extLst>
-              <a:ext uri="{FF2B5EF4-FFF2-40B4-BE49-F238E27FC236}">
-                <a16:creationId xmlns:a16="http://schemas.microsoft.com/office/drawing/2014/main" id="{F48F2F97-B7DD-44F5-8D15-16E61A816720}"/>
-              </a:ext>
-            </a:extLst>
-          </p:cNvPr>
-          <p:cNvSpPr>
-            <a:spLocks noGrp="1"/>
-          </p:cNvSpPr>
-          <p:nvPr>
-            <p:ph idx="1"/>
-          </p:nvPr>
-        </p:nvSpPr>
-        <p:spPr/>
-        <p:txBody>
-          <a:bodyPr vert="horz" lIns="91440" tIns="45720" rIns="91440" bIns="45720" rtlCol="0" anchor="t">
-            <a:normAutofit/>
-          </a:bodyPr>
-          <a:lstStyle/>
-          <a:p>
-            <a:r>
-              <a:rPr lang="sr-Latn-RS" dirty="0" err="1">
-                <a:ea typeface="+mj-lt"/>
-                <a:cs typeface="+mj-lt"/>
-              </a:rPr>
-              <a:t>MySQL</a:t>
-            </a:r>
-            <a:r>
-              <a:rPr lang="sr-Latn-RS" dirty="0">
-                <a:ea typeface="+mj-lt"/>
-                <a:cs typeface="+mj-lt"/>
-              </a:rPr>
-              <a:t> server zaključava tabelu (ili red) na osnovu izdatih naredbi i mehanizama za skladištenje koji se koristi: </a:t>
-            </a:r>
-            <a:endParaRPr lang="sr-Latn-RS" dirty="0"/>
-          </a:p>
-        </p:txBody>
-      </p:sp>
-      <p:pic>
-        <p:nvPicPr>
-          <p:cNvPr id="4" name="Slika 4" descr="Slika na kojoj se nalazi sto&#10;&#10;Opis je automatski generisan">
-            <a:extLst>
-              <a:ext uri="{FF2B5EF4-FFF2-40B4-BE49-F238E27FC236}">
-                <a16:creationId xmlns:a16="http://schemas.microsoft.com/office/drawing/2014/main" id="{93AF4AD3-94FC-4AF8-A0A1-DB647BADC5C0}"/>
-              </a:ext>
-            </a:extLst>
-          </p:cNvPr>
-          <p:cNvPicPr>
-            <a:picLocks noChangeAspect="1"/>
-          </p:cNvPicPr>
-          <p:nvPr/>
-        </p:nvPicPr>
-        <p:blipFill>
-          <a:blip r:embed="rId2"/>
-          <a:stretch>
-            <a:fillRect/>
-          </a:stretch>
-        </p:blipFill>
-        <p:spPr>
-          <a:xfrm>
-            <a:off x="3079595" y="3146074"/>
-            <a:ext cx="6032809" cy="2535901"/>
-          </a:xfrm>
-          <a:prstGeom prst="rect">
-            <a:avLst/>
-          </a:prstGeom>
-        </p:spPr>
-      </p:pic>
-    </p:spTree>
-    <p:extLst>
-      <p:ext uri="{BB962C8B-B14F-4D97-AF65-F5344CB8AC3E}">
-        <p14:creationId xmlns:p14="http://schemas.microsoft.com/office/powerpoint/2010/main" val="1782620716"/>
-      </p:ext>
-    </p:extLst>
-  </p:cSld>
-  <p:clrMapOvr>
-    <a:masterClrMapping/>
-  </p:clrMapOvr>
-</p:sld>
-</file>
-
-<file path=ppt/slides/slide2.xml><?xml version="1.0" encoding="utf-8"?>
-<p:sld xmlns:a="http://schemas.openxmlformats.org/drawingml/2006/main" xmlns:r="http://schemas.openxmlformats.org/officeDocument/2006/relationships" xmlns:p="http://schemas.openxmlformats.org/presentationml/2006/main">
-  <p:cSld>
-    <p:spTree>
-      <p:nvGrpSpPr>
-        <p:cNvPr id="1" name=""/>
-        <p:cNvGrpSpPr/>
-        <p:nvPr/>
-      </p:nvGrpSpPr>
-      <p:grpSpPr>
-        <a:xfrm>
-          <a:off x="0" y="0"/>
-          <a:ext cx="0" cy="0"/>
-          <a:chOff x="0" y="0"/>
-          <a:chExt cx="0" cy="0"/>
-        </a:xfrm>
-      </p:grpSpPr>
-      <p:sp>
-        <p:nvSpPr>
-          <p:cNvPr id="2" name="Naslov 1">
-            <a:extLst>
-              <a:ext uri="{FF2B5EF4-FFF2-40B4-BE49-F238E27FC236}">
-                <a16:creationId xmlns:a16="http://schemas.microsoft.com/office/drawing/2014/main" id="{319F53C9-C387-4A92-AF33-640C13DD1799}"/>
-              </a:ext>
-            </a:extLst>
-          </p:cNvPr>
-          <p:cNvSpPr>
-            <a:spLocks noGrp="1"/>
-          </p:cNvSpPr>
-          <p:nvPr>
-            <p:ph type="title"/>
-          </p:nvPr>
-        </p:nvSpPr>
-        <p:spPr/>
-        <p:txBody>
-          <a:bodyPr/>
-          <a:lstStyle/>
-          <a:p>
-            <a:r>
-              <a:rPr lang="sr-Latn-RS" dirty="0"/>
-              <a:t>Šta je transakcija ?</a:t>
-            </a:r>
-          </a:p>
-        </p:txBody>
-      </p:sp>
-      <p:sp>
-        <p:nvSpPr>
-          <p:cNvPr id="3" name="Čuvar mesta za sadržaj 2">
-            <a:extLst>
-              <a:ext uri="{FF2B5EF4-FFF2-40B4-BE49-F238E27FC236}">
-                <a16:creationId xmlns:a16="http://schemas.microsoft.com/office/drawing/2014/main" id="{3C8092C0-882C-437A-8AA7-C55662287B48}"/>
-              </a:ext>
-            </a:extLst>
-          </p:cNvPr>
-          <p:cNvSpPr>
-            <a:spLocks noGrp="1"/>
-          </p:cNvSpPr>
-          <p:nvPr>
-            <p:ph idx="1"/>
-          </p:nvPr>
-        </p:nvSpPr>
-        <p:spPr>
-          <a:xfrm>
-            <a:off x="973215" y="1532528"/>
-            <a:ext cx="8946541" cy="4195481"/>
-          </a:xfrm>
-        </p:spPr>
-        <p:txBody>
-          <a:bodyPr vert="horz" lIns="91440" tIns="45720" rIns="91440" bIns="45720" rtlCol="0" anchor="t">
-            <a:normAutofit/>
-          </a:bodyPr>
-          <a:lstStyle/>
-          <a:p>
-            <a:r>
-              <a:rPr lang="sr-Latn-RS" dirty="0">
-                <a:ea typeface="+mj-lt"/>
-                <a:cs typeface="+mj-lt"/>
-              </a:rPr>
-              <a:t>Transakcija je način na koji možete izvršiti jedan ili više SQL izraza kao jednu </a:t>
-            </a:r>
-            <a:r>
-              <a:rPr lang="sr-Latn-RS" dirty="0" err="1">
-                <a:ea typeface="+mj-lt"/>
-                <a:cs typeface="+mj-lt"/>
-              </a:rPr>
-              <a:t>atomičnu</a:t>
-            </a:r>
-            <a:r>
-              <a:rPr lang="sr-Latn-RS" dirty="0">
-                <a:ea typeface="+mj-lt"/>
-                <a:cs typeface="+mj-lt"/>
-              </a:rPr>
-              <a:t> radnju, tako da uspeju ili sve naredbe ili nijedna.  </a:t>
-            </a:r>
-          </a:p>
-          <a:p>
-            <a:pPr>
-              <a:buClr>
-                <a:srgbClr val="8AD0D6"/>
-              </a:buClr>
-            </a:pPr>
-            <a:r>
-              <a:rPr lang="sr-Latn-RS" dirty="0">
-                <a:ea typeface="+mj-lt"/>
-                <a:cs typeface="+mj-lt"/>
-              </a:rPr>
-              <a:t>Ako se svi izrazi uspešno izvrše, transakcija se potvrđuje (</a:t>
-            </a:r>
-            <a:r>
-              <a:rPr lang="sr-Latn-RS" dirty="0" err="1">
-                <a:ea typeface="+mj-lt"/>
-                <a:cs typeface="+mj-lt"/>
-              </a:rPr>
-              <a:t>commit</a:t>
-            </a:r>
-            <a:r>
-              <a:rPr lang="sr-Latn-RS" dirty="0">
-                <a:ea typeface="+mj-lt"/>
-                <a:cs typeface="+mj-lt"/>
-              </a:rPr>
-              <a:t>) i izmene iz iste se pamte u bazi podataka. Ako se tokom transakcije dogodi greška, otkazujete celu transakciju (</a:t>
-            </a:r>
-            <a:r>
-              <a:rPr lang="sr-Latn-RS" dirty="0" err="1">
-                <a:ea typeface="+mj-lt"/>
-                <a:cs typeface="+mj-lt"/>
-              </a:rPr>
-              <a:t>rollback</a:t>
-            </a:r>
-            <a:r>
-              <a:rPr lang="sr-Latn-RS" dirty="0">
-                <a:ea typeface="+mj-lt"/>
-                <a:cs typeface="+mj-lt"/>
-              </a:rPr>
-              <a:t>). </a:t>
-            </a:r>
-            <a:endParaRPr lang="sr-Latn-RS" dirty="0"/>
-          </a:p>
-        </p:txBody>
-      </p:sp>
-    </p:spTree>
-    <p:extLst>
-      <p:ext uri="{BB962C8B-B14F-4D97-AF65-F5344CB8AC3E}">
-        <p14:creationId xmlns:p14="http://schemas.microsoft.com/office/powerpoint/2010/main" val="2225142345"/>
-      </p:ext>
-    </p:extLst>
-  </p:cSld>
-  <p:clrMapOvr>
-    <a:masterClrMapping/>
-  </p:clrMapOvr>
-</p:sld>
-</file>
-
-<file path=ppt/slides/slide20.xml><?xml version="1.0" encoding="utf-8"?>
-<p:sld xmlns:a="http://schemas.openxmlformats.org/drawingml/2006/main" xmlns:r="http://schemas.openxmlformats.org/officeDocument/2006/relationships" xmlns:p="http://schemas.openxmlformats.org/presentationml/2006/main">
-  <p:cSld>
-    <p:spTree>
-      <p:nvGrpSpPr>
-        <p:cNvPr id="1" name=""/>
-        <p:cNvGrpSpPr/>
-        <p:nvPr/>
-      </p:nvGrpSpPr>
-      <p:grpSpPr>
-        <a:xfrm>
-          <a:off x="0" y="0"/>
-          <a:ext cx="0" cy="0"/>
-          <a:chOff x="0" y="0"/>
-          <a:chExt cx="0" cy="0"/>
-        </a:xfrm>
-      </p:grpSpPr>
-      <p:sp>
-        <p:nvSpPr>
-          <p:cNvPr id="2" name="Naslov 1">
-            <a:extLst>
-              <a:ext uri="{FF2B5EF4-FFF2-40B4-BE49-F238E27FC236}">
-                <a16:creationId xmlns:a16="http://schemas.microsoft.com/office/drawing/2014/main" id="{6BD21BB6-EADB-4AE9-A59C-3EC5F1610B29}"/>
-              </a:ext>
-            </a:extLst>
-          </p:cNvPr>
-          <p:cNvSpPr>
-            <a:spLocks noGrp="1"/>
-          </p:cNvSpPr>
-          <p:nvPr>
-            <p:ph type="title"/>
-          </p:nvPr>
-        </p:nvSpPr>
-        <p:spPr/>
-        <p:txBody>
-          <a:bodyPr/>
-          <a:lstStyle/>
-          <a:p>
-            <a:r>
-              <a:rPr lang="sr-Latn-RS" dirty="0"/>
-              <a:t>Literatura</a:t>
-            </a:r>
-          </a:p>
-        </p:txBody>
-      </p:sp>
-      <p:sp>
-        <p:nvSpPr>
-          <p:cNvPr id="3" name="Čuvar mesta za sadržaj 2">
-            <a:extLst>
-              <a:ext uri="{FF2B5EF4-FFF2-40B4-BE49-F238E27FC236}">
-                <a16:creationId xmlns:a16="http://schemas.microsoft.com/office/drawing/2014/main" id="{729FA1F2-C716-4DE3-AEB5-B48527717A20}"/>
-              </a:ext>
-            </a:extLst>
-          </p:cNvPr>
-          <p:cNvSpPr>
-            <a:spLocks noGrp="1"/>
-          </p:cNvSpPr>
-          <p:nvPr>
-            <p:ph idx="1"/>
-          </p:nvPr>
-        </p:nvSpPr>
-        <p:spPr>
-          <a:xfrm>
-            <a:off x="982507" y="1588284"/>
-            <a:ext cx="8946541" cy="4195481"/>
-          </a:xfrm>
-        </p:spPr>
-        <p:txBody>
-          <a:bodyPr vert="horz" lIns="91440" tIns="45720" rIns="91440" bIns="45720" rtlCol="0" anchor="t">
-            <a:normAutofit/>
-          </a:bodyPr>
-          <a:lstStyle/>
-          <a:p>
-            <a:r>
-              <a:rPr lang="sr-Latn-RS" dirty="0">
-                <a:ea typeface="+mj-lt"/>
-                <a:cs typeface="+mj-lt"/>
-                <a:hlinkClick r:id="rId2"/>
-              </a:rPr>
-              <a:t>https://www.mysqltutorial.org/mysql-transaction.aspx</a:t>
-            </a:r>
-            <a:endParaRPr lang="sr-Latn-RS"/>
-          </a:p>
-          <a:p>
-            <a:pPr>
-              <a:buClr>
-                <a:srgbClr val="8AD0D6"/>
-              </a:buClr>
-            </a:pPr>
-            <a:r>
-              <a:rPr lang="sr-Latn-RS" dirty="0">
-                <a:ea typeface="+mj-lt"/>
-                <a:cs typeface="+mj-lt"/>
-                <a:hlinkClick r:id="rId3"/>
-              </a:rPr>
-              <a:t>https://dev.mysql.com/doc/refman/8.0/en/commit.html</a:t>
-            </a:r>
-            <a:endParaRPr lang="sr-Latn-RS"/>
-          </a:p>
-          <a:p>
-            <a:pPr>
-              <a:buClr>
-                <a:srgbClr val="8AD0D6"/>
-              </a:buClr>
-            </a:pPr>
-            <a:r>
-              <a:rPr lang="sr-Latn-RS" dirty="0">
-                <a:ea typeface="+mj-lt"/>
-                <a:cs typeface="+mj-lt"/>
-                <a:hlinkClick r:id="rId4"/>
-              </a:rPr>
-              <a:t>https://www.tutorialspoint.com/mysql/mysql-transactions.html</a:t>
-            </a:r>
-            <a:endParaRPr lang="sr-Latn-RS"/>
-          </a:p>
-          <a:p>
-            <a:pPr>
-              <a:buClr>
-                <a:srgbClr val="8AD0D6"/>
-              </a:buClr>
-            </a:pPr>
-            <a:endParaRPr lang="sr-Latn-RS" dirty="0"/>
-          </a:p>
-        </p:txBody>
-      </p:sp>
-    </p:spTree>
-    <p:extLst>
-      <p:ext uri="{BB962C8B-B14F-4D97-AF65-F5344CB8AC3E}">
-        <p14:creationId xmlns:p14="http://schemas.microsoft.com/office/powerpoint/2010/main" val="3023227050"/>
-      </p:ext>
-    </p:extLst>
-  </p:cSld>
-  <p:clrMapOvr>
-    <a:masterClrMapping/>
-  </p:clrMapOvr>
-</p:sld>
-</file>
-
-<file path=ppt/slides/slide21.xml><?xml version="1.0" encoding="utf-8"?>
-<p:sld xmlns:a="http://schemas.openxmlformats.org/drawingml/2006/main" xmlns:r="http://schemas.openxmlformats.org/officeDocument/2006/relationships" xmlns:p="http://schemas.openxmlformats.org/presentationml/2006/main">
-  <p:cSld>
-    <p:spTree>
-      <p:nvGrpSpPr>
-        <p:cNvPr id="1" name=""/>
-        <p:cNvGrpSpPr/>
-        <p:nvPr/>
-      </p:nvGrpSpPr>
-      <p:grpSpPr>
-        <a:xfrm>
-          <a:off x="0" y="0"/>
-          <a:ext cx="0" cy="0"/>
-          <a:chOff x="0" y="0"/>
-          <a:chExt cx="0" cy="0"/>
-        </a:xfrm>
-      </p:grpSpPr>
-      <p:sp>
-        <p:nvSpPr>
-          <p:cNvPr id="2" name="Naslov 1">
-            <a:extLst>
-              <a:ext uri="{FF2B5EF4-FFF2-40B4-BE49-F238E27FC236}">
-                <a16:creationId xmlns:a16="http://schemas.microsoft.com/office/drawing/2014/main" id="{0D1AAEF5-CEB7-4B14-95FF-2FC8FB925CEF}"/>
-              </a:ext>
-            </a:extLst>
-          </p:cNvPr>
-          <p:cNvSpPr>
-            <a:spLocks noGrp="1"/>
-          </p:cNvSpPr>
-          <p:nvPr>
-            <p:ph type="title"/>
-          </p:nvPr>
-        </p:nvSpPr>
-        <p:spPr>
-          <a:xfrm>
-            <a:off x="701867" y="573523"/>
-            <a:ext cx="9404723" cy="1400530"/>
-          </a:xfrm>
-        </p:spPr>
-        <p:txBody>
-          <a:bodyPr/>
-          <a:lstStyle/>
-          <a:p>
-            <a:r>
-              <a:rPr lang="sr-Latn-RS" dirty="0"/>
-              <a:t>Hvala na pažnji</a:t>
-            </a:r>
-          </a:p>
-        </p:txBody>
-      </p:sp>
-      <p:sp>
-        <p:nvSpPr>
-          <p:cNvPr id="3" name="Čuvar mesta za sadržaj 2">
-            <a:extLst>
-              <a:ext uri="{FF2B5EF4-FFF2-40B4-BE49-F238E27FC236}">
-                <a16:creationId xmlns:a16="http://schemas.microsoft.com/office/drawing/2014/main" id="{182D2AB9-51AF-45AD-AB2E-DDF5DDA1448A}"/>
-              </a:ext>
-            </a:extLst>
-          </p:cNvPr>
-          <p:cNvSpPr>
-            <a:spLocks noGrp="1"/>
-          </p:cNvSpPr>
-          <p:nvPr>
-            <p:ph idx="1"/>
-          </p:nvPr>
-        </p:nvSpPr>
-        <p:spPr/>
-        <p:txBody>
-          <a:bodyPr/>
-          <a:lstStyle/>
-          <a:p>
-            <a:endParaRPr lang="sr-Latn-RS"/>
-          </a:p>
-        </p:txBody>
-      </p:sp>
-    </p:spTree>
-    <p:extLst>
-      <p:ext uri="{BB962C8B-B14F-4D97-AF65-F5344CB8AC3E}">
-        <p14:creationId xmlns:p14="http://schemas.microsoft.com/office/powerpoint/2010/main" val="3783128769"/>
-      </p:ext>
-    </p:extLst>
-  </p:cSld>
-  <p:clrMapOvr>
-    <a:masterClrMapping/>
-  </p:clrMapOvr>
-</p:sld>
-</file>
-
-<file path=ppt/slides/slide3.xml><?xml version="1.0" encoding="utf-8"?>
-<p:sld xmlns:a="http://schemas.openxmlformats.org/drawingml/2006/main" xmlns:r="http://schemas.openxmlformats.org/officeDocument/2006/relationships" xmlns:p="http://schemas.openxmlformats.org/presentationml/2006/main">
-  <p:cSld>
-    <p:spTree>
-      <p:nvGrpSpPr>
-        <p:cNvPr id="1" name=""/>
-        <p:cNvGrpSpPr/>
-        <p:nvPr/>
-      </p:nvGrpSpPr>
-      <p:grpSpPr>
-        <a:xfrm>
-          <a:off x="0" y="0"/>
-          <a:ext cx="0" cy="0"/>
-          <a:chOff x="0" y="0"/>
-          <a:chExt cx="0" cy="0"/>
-        </a:xfrm>
-      </p:grpSpPr>
-      <p:sp>
-        <p:nvSpPr>
-          <p:cNvPr id="2" name="Naslov 1">
-            <a:extLst>
-              <a:ext uri="{FF2B5EF4-FFF2-40B4-BE49-F238E27FC236}">
-                <a16:creationId xmlns:a16="http://schemas.microsoft.com/office/drawing/2014/main" id="{8237DAC8-F626-4770-96DD-C9850423AFD5}"/>
-              </a:ext>
-            </a:extLst>
-          </p:cNvPr>
-          <p:cNvSpPr>
-            <a:spLocks noGrp="1"/>
-          </p:cNvSpPr>
-          <p:nvPr>
-            <p:ph type="title"/>
-          </p:nvPr>
-        </p:nvSpPr>
-        <p:spPr/>
-        <p:txBody>
-          <a:bodyPr/>
-          <a:lstStyle/>
-          <a:p>
-            <a:endParaRPr lang="sr-Latn-RS"/>
-          </a:p>
-        </p:txBody>
-      </p:sp>
-      <p:pic>
-        <p:nvPicPr>
-          <p:cNvPr id="4" name="Slika 4">
-            <a:extLst>
-              <a:ext uri="{FF2B5EF4-FFF2-40B4-BE49-F238E27FC236}">
-                <a16:creationId xmlns:a16="http://schemas.microsoft.com/office/drawing/2014/main" id="{385907F4-71CB-4B4D-9905-7949D407092B}"/>
-              </a:ext>
-            </a:extLst>
-          </p:cNvPr>
-          <p:cNvPicPr>
-            <a:picLocks noGrp="1" noChangeAspect="1"/>
-          </p:cNvPicPr>
-          <p:nvPr>
-            <p:ph idx="1"/>
-          </p:nvPr>
-        </p:nvPicPr>
-        <p:blipFill>
-          <a:blip r:embed="rId2"/>
-          <a:stretch>
-            <a:fillRect/>
-          </a:stretch>
-        </p:blipFill>
-        <p:spPr>
-          <a:xfrm>
-            <a:off x="3358860" y="1393138"/>
-            <a:ext cx="5736420" cy="4483554"/>
-          </a:xfrm>
-          <a:prstGeom prst="rect">
-            <a:avLst/>
-          </a:prstGeom>
-          <a:ln>
-            <a:noFill/>
-          </a:ln>
-          <a:effectLst>
-            <a:softEdge rad="112500"/>
-          </a:effectLst>
-        </p:spPr>
-      </p:pic>
-    </p:spTree>
-    <p:extLst>
-      <p:ext uri="{BB962C8B-B14F-4D97-AF65-F5344CB8AC3E}">
-        <p14:creationId xmlns:p14="http://schemas.microsoft.com/office/powerpoint/2010/main" val="2895739715"/>
-      </p:ext>
-    </p:extLst>
-  </p:cSld>
-  <p:clrMapOvr>
-    <a:masterClrMapping/>
-  </p:clrMapOvr>
-</p:sld>
-</file>
-
-<file path=ppt/slides/slide4.xml><?xml version="1.0" encoding="utf-8"?>
-<p:sld xmlns:a="http://schemas.openxmlformats.org/drawingml/2006/main" xmlns:r="http://schemas.openxmlformats.org/officeDocument/2006/relationships" xmlns:p="http://schemas.openxmlformats.org/presentationml/2006/main">
-  <p:cSld>
-    <p:spTree>
-      <p:nvGrpSpPr>
-        <p:cNvPr id="1" name=""/>
-        <p:cNvGrpSpPr/>
-        <p:nvPr/>
-      </p:nvGrpSpPr>
-      <p:grpSpPr>
-        <a:xfrm>
-          <a:off x="0" y="0"/>
-          <a:ext cx="0" cy="0"/>
-          <a:chOff x="0" y="0"/>
-          <a:chExt cx="0" cy="0"/>
-        </a:xfrm>
-      </p:grpSpPr>
-      <p:sp>
-        <p:nvSpPr>
-          <p:cNvPr id="2" name="Naslov 1">
-            <a:extLst>
-              <a:ext uri="{FF2B5EF4-FFF2-40B4-BE49-F238E27FC236}">
-                <a16:creationId xmlns:a16="http://schemas.microsoft.com/office/drawing/2014/main" id="{675A7006-D3E3-4504-A32B-8803CFCC2CEB}"/>
-              </a:ext>
-            </a:extLst>
-          </p:cNvPr>
-          <p:cNvSpPr>
-            <a:spLocks noGrp="1"/>
-          </p:cNvSpPr>
-          <p:nvPr>
-            <p:ph type="title"/>
-          </p:nvPr>
-        </p:nvSpPr>
-        <p:spPr/>
-        <p:txBody>
-          <a:bodyPr/>
-          <a:lstStyle/>
-          <a:p>
-            <a:r>
-              <a:rPr lang="sr-Latn-RS" dirty="0"/>
-              <a:t>ACID </a:t>
-            </a:r>
-          </a:p>
-        </p:txBody>
-      </p:sp>
-      <p:sp>
-        <p:nvSpPr>
-          <p:cNvPr id="3" name="Čuvar mesta za sadržaj 2">
-            <a:extLst>
-              <a:ext uri="{FF2B5EF4-FFF2-40B4-BE49-F238E27FC236}">
-                <a16:creationId xmlns:a16="http://schemas.microsoft.com/office/drawing/2014/main" id="{966D133C-584D-40E6-9B28-E573DE4FE7E4}"/>
-              </a:ext>
-            </a:extLst>
-          </p:cNvPr>
-          <p:cNvSpPr>
-            <a:spLocks noGrp="1"/>
-          </p:cNvSpPr>
-          <p:nvPr>
-            <p:ph idx="1"/>
-          </p:nvPr>
-        </p:nvSpPr>
-        <p:spPr>
-          <a:xfrm>
-            <a:off x="1112605" y="1578991"/>
-            <a:ext cx="8946541" cy="4195481"/>
-          </a:xfrm>
-        </p:spPr>
-        <p:txBody>
-          <a:bodyPr vert="horz" lIns="91440" tIns="45720" rIns="91440" bIns="45720" rtlCol="0" anchor="t">
-            <a:normAutofit/>
-          </a:bodyPr>
-          <a:lstStyle/>
-          <a:p>
-            <a:r>
-              <a:rPr lang="sr-Latn-RS" dirty="0">
-                <a:ea typeface="+mj-lt"/>
-                <a:cs typeface="+mj-lt"/>
-              </a:rPr>
-              <a:t>Transakcija sadrži četiri svojstva, koja se nazivaju ACID svojstva.</a:t>
-            </a:r>
-          </a:p>
-          <a:p>
-            <a:pPr lvl="1">
-              <a:buClr>
-                <a:srgbClr val="8AD0D6"/>
-              </a:buClr>
-            </a:pPr>
-            <a:r>
-              <a:rPr lang="sr-Latn-RS" dirty="0" err="1">
-                <a:ea typeface="+mj-lt"/>
-                <a:cs typeface="+mj-lt"/>
-              </a:rPr>
-              <a:t>Atomičnost</a:t>
-            </a:r>
-            <a:r>
-              <a:rPr lang="sr-Latn-RS" dirty="0">
-                <a:ea typeface="+mj-lt"/>
-                <a:cs typeface="+mj-lt"/>
-              </a:rPr>
-              <a:t> - Sve naredbe unutar transakcije se izvršavaju uspešno ili se sve poništavaju.</a:t>
-            </a:r>
-            <a:endParaRPr lang="sr-Latn-RS" dirty="0"/>
-          </a:p>
-          <a:p>
-            <a:pPr lvl="1">
-              <a:buClr>
-                <a:srgbClr val="8AD0D6"/>
-              </a:buClr>
-            </a:pPr>
-            <a:r>
-              <a:rPr lang="sr-Latn-RS" dirty="0">
-                <a:ea typeface="+mj-lt"/>
-                <a:cs typeface="+mj-lt"/>
-              </a:rPr>
-              <a:t>Konzistentnost – Transakcija prebacuje bazu podataka iz jednog u drugo konzistentno stanje.</a:t>
-            </a:r>
-            <a:endParaRPr lang="sr-Latn-RS" dirty="0"/>
-          </a:p>
-          <a:p>
-            <a:pPr lvl="1">
-              <a:buClr>
-                <a:srgbClr val="8AD0D6"/>
-              </a:buClr>
-            </a:pPr>
-            <a:r>
-              <a:rPr lang="sr-Latn-RS" dirty="0">
-                <a:ea typeface="+mj-lt"/>
-                <a:cs typeface="+mj-lt"/>
-              </a:rPr>
-              <a:t>Izolacija – Transakcije su međusobne izolovane </a:t>
-            </a:r>
-            <a:r>
-              <a:rPr lang="sr-Latn-RS" dirty="0" err="1">
-                <a:ea typeface="+mj-lt"/>
-                <a:cs typeface="+mj-lt"/>
-              </a:rPr>
-              <a:t>tj</a:t>
-            </a:r>
-            <a:r>
-              <a:rPr lang="sr-Latn-RS" dirty="0">
-                <a:ea typeface="+mj-lt"/>
-                <a:cs typeface="+mj-lt"/>
-              </a:rPr>
-              <a:t> promene u jednoj transakciji nisu vidljive u drugoj dok se iste ne </a:t>
-            </a:r>
-            <a:r>
-              <a:rPr lang="sr-Latn-RS" dirty="0" err="1">
-                <a:ea typeface="+mj-lt"/>
-                <a:cs typeface="+mj-lt"/>
-              </a:rPr>
-              <a:t>commit</a:t>
-            </a:r>
-            <a:r>
-              <a:rPr lang="sr-Latn-RS" dirty="0">
-                <a:ea typeface="+mj-lt"/>
-                <a:cs typeface="+mj-lt"/>
-              </a:rPr>
-              <a:t>-uju.</a:t>
-            </a:r>
-            <a:endParaRPr lang="sr-Latn-RS" dirty="0"/>
-          </a:p>
-          <a:p>
-            <a:pPr lvl="1">
-              <a:buClr>
-                <a:srgbClr val="8AD0D6"/>
-              </a:buClr>
-            </a:pPr>
-            <a:r>
-              <a:rPr lang="sr-Latn-RS" dirty="0">
-                <a:ea typeface="+mj-lt"/>
-                <a:cs typeface="+mj-lt"/>
-              </a:rPr>
-              <a:t>Trajnost - Sve promene izvršene u transakciji koja se uspešno završila se pamte u bazi podataka. Promene se ne gube usled otkaza sistema.</a:t>
-            </a:r>
-            <a:endParaRPr lang="sr-Latn-RS" dirty="0"/>
-          </a:p>
-          <a:p>
-            <a:pPr lvl="1">
-              <a:buClr>
-                <a:srgbClr val="8AD0D6"/>
-              </a:buClr>
-            </a:pPr>
-            <a:endParaRPr lang="sr-Latn-RS" dirty="0"/>
-          </a:p>
-        </p:txBody>
-      </p:sp>
-    </p:spTree>
-    <p:extLst>
-      <p:ext uri="{BB962C8B-B14F-4D97-AF65-F5344CB8AC3E}">
-        <p14:creationId xmlns:p14="http://schemas.microsoft.com/office/powerpoint/2010/main" val="3026639358"/>
-      </p:ext>
-    </p:extLst>
-  </p:cSld>
-  <p:clrMapOvr>
-    <a:masterClrMapping/>
-  </p:clrMapOvr>
-</p:sld>
-</file>
-
-<file path=ppt/slides/slide5.xml><?xml version="1.0" encoding="utf-8"?>
-<p:sld xmlns:a="http://schemas.openxmlformats.org/drawingml/2006/main" xmlns:r="http://schemas.openxmlformats.org/officeDocument/2006/relationships" xmlns:p="http://schemas.openxmlformats.org/presentationml/2006/main">
-  <p:cSld>
-    <p:spTree>
-      <p:nvGrpSpPr>
-        <p:cNvPr id="1" name=""/>
-        <p:cNvGrpSpPr/>
-        <p:nvPr/>
-      </p:nvGrpSpPr>
-      <p:grpSpPr>
-        <a:xfrm>
-          <a:off x="0" y="0"/>
-          <a:ext cx="0" cy="0"/>
-          <a:chOff x="0" y="0"/>
-          <a:chExt cx="0" cy="0"/>
-        </a:xfrm>
-      </p:grpSpPr>
-      <p:sp>
-        <p:nvSpPr>
-          <p:cNvPr id="2" name="Naslov 1">
-            <a:extLst>
-              <a:ext uri="{FF2B5EF4-FFF2-40B4-BE49-F238E27FC236}">
-                <a16:creationId xmlns:a16="http://schemas.microsoft.com/office/drawing/2014/main" id="{F09AF323-47A3-41A9-9184-C74A4C7B38E3}"/>
-              </a:ext>
-            </a:extLst>
-          </p:cNvPr>
-          <p:cNvSpPr>
-            <a:spLocks noGrp="1"/>
-          </p:cNvSpPr>
-          <p:nvPr>
-            <p:ph type="title"/>
-          </p:nvPr>
-        </p:nvSpPr>
-        <p:spPr/>
-        <p:txBody>
-          <a:bodyPr/>
-          <a:lstStyle/>
-          <a:p>
-            <a:r>
-              <a:rPr lang="sr-Latn-RS" dirty="0" err="1"/>
-              <a:t>MySQL</a:t>
-            </a:r>
-            <a:r>
-              <a:rPr lang="sr-Latn-RS" dirty="0"/>
-              <a:t> transakcione naredbe </a:t>
-            </a:r>
-          </a:p>
-        </p:txBody>
-      </p:sp>
-      <p:sp>
-        <p:nvSpPr>
-          <p:cNvPr id="3" name="Čuvar mesta za sadržaj 2">
-            <a:extLst>
-              <a:ext uri="{FF2B5EF4-FFF2-40B4-BE49-F238E27FC236}">
-                <a16:creationId xmlns:a16="http://schemas.microsoft.com/office/drawing/2014/main" id="{16F2D03A-2692-4816-8CCA-C322E49DC05A}"/>
-              </a:ext>
-            </a:extLst>
-          </p:cNvPr>
-          <p:cNvSpPr>
-            <a:spLocks noGrp="1"/>
-          </p:cNvSpPr>
-          <p:nvPr>
-            <p:ph idx="1"/>
-          </p:nvPr>
-        </p:nvSpPr>
-        <p:spPr/>
-        <p:txBody>
-          <a:bodyPr vert="horz" lIns="91440" tIns="45720" rIns="91440" bIns="45720" rtlCol="0" anchor="t">
-            <a:normAutofit/>
-          </a:bodyPr>
-          <a:lstStyle/>
-          <a:p>
-            <a:r>
-              <a:rPr lang="sr-Latn-RS" dirty="0">
-                <a:ea typeface="+mj-lt"/>
-                <a:cs typeface="+mj-lt"/>
-              </a:rPr>
-              <a:t>START TRANSACTION (</a:t>
-            </a:r>
-            <a:r>
-              <a:rPr lang="sr-Latn-RS" dirty="0" err="1">
-                <a:ea typeface="+mj-lt"/>
-                <a:cs typeface="+mj-lt"/>
-              </a:rPr>
-              <a:t>or</a:t>
-            </a:r>
-            <a:r>
-              <a:rPr lang="sr-Latn-RS" dirty="0">
-                <a:ea typeface="+mj-lt"/>
-                <a:cs typeface="+mj-lt"/>
-              </a:rPr>
-              <a:t> BEGIN): Započinje transakciju</a:t>
-            </a:r>
-            <a:endParaRPr lang="sr-Latn-RS" dirty="0"/>
-          </a:p>
-          <a:p>
-            <a:pPr>
-              <a:buClr>
-                <a:srgbClr val="8AD0D6"/>
-              </a:buClr>
-            </a:pPr>
-            <a:r>
-              <a:rPr lang="sr-Latn-RS" dirty="0">
-                <a:ea typeface="+mj-lt"/>
-                <a:cs typeface="+mj-lt"/>
-              </a:rPr>
-              <a:t>SAVEPOINT: Definiše lokaciju u transakciji </a:t>
-            </a:r>
-            <a:endParaRPr lang="sr-Latn-RS"/>
-          </a:p>
-          <a:p>
-            <a:pPr>
-              <a:buClr>
-                <a:srgbClr val="8AD0D6"/>
-              </a:buClr>
-            </a:pPr>
-            <a:r>
-              <a:rPr lang="sr-Latn-RS" dirty="0">
-                <a:ea typeface="+mj-lt"/>
-                <a:cs typeface="+mj-lt"/>
-              </a:rPr>
-              <a:t>COMMIT: Promene načinjene u transakciji se trajno pamte</a:t>
-            </a:r>
-            <a:endParaRPr lang="sr-Latn-RS" dirty="0"/>
-          </a:p>
-          <a:p>
-            <a:pPr>
-              <a:buClr>
-                <a:srgbClr val="8AD0D6"/>
-              </a:buClr>
-            </a:pPr>
-            <a:r>
-              <a:rPr lang="sr-Latn-RS" dirty="0">
-                <a:ea typeface="+mj-lt"/>
-                <a:cs typeface="+mj-lt"/>
-              </a:rPr>
-              <a:t>ROLLBACK: Poništava efekte tekuće transakcije</a:t>
-            </a:r>
-            <a:endParaRPr lang="sr-Latn-RS" dirty="0"/>
-          </a:p>
-          <a:p>
-            <a:pPr>
-              <a:buClr>
-                <a:srgbClr val="8AD0D6"/>
-              </a:buClr>
-            </a:pPr>
-            <a:r>
-              <a:rPr lang="sr-Latn-RS" dirty="0">
-                <a:ea typeface="+mj-lt"/>
-                <a:cs typeface="+mj-lt"/>
-              </a:rPr>
-              <a:t>ROLLBACK TO SAVEPOINT: Poništava efekte transakcije od zadatog </a:t>
-            </a:r>
-            <a:r>
-              <a:rPr lang="sr-Latn-RS" dirty="0" err="1">
-                <a:ea typeface="+mj-lt"/>
-                <a:cs typeface="+mj-lt"/>
-              </a:rPr>
-              <a:t>savepoint</a:t>
-            </a:r>
-            <a:r>
-              <a:rPr lang="sr-Latn-RS" dirty="0">
-                <a:ea typeface="+mj-lt"/>
-                <a:cs typeface="+mj-lt"/>
-              </a:rPr>
-              <a:t>-a</a:t>
-            </a:r>
-            <a:endParaRPr lang="sr-Latn-RS" dirty="0"/>
-          </a:p>
-          <a:p>
-            <a:pPr>
-              <a:buClr>
-                <a:srgbClr val="8AD0D6"/>
-              </a:buClr>
-            </a:pPr>
-            <a:r>
-              <a:rPr lang="sr-Latn-RS" dirty="0">
-                <a:ea typeface="+mj-lt"/>
-                <a:cs typeface="+mj-lt"/>
-              </a:rPr>
-              <a:t>RELEASE SAVEPOINT: Uklanja </a:t>
-            </a:r>
-            <a:r>
-              <a:rPr lang="sr-Latn-RS" dirty="0" err="1">
-                <a:ea typeface="+mj-lt"/>
-                <a:cs typeface="+mj-lt"/>
-              </a:rPr>
-              <a:t>savepoint</a:t>
-            </a:r>
-            <a:endParaRPr lang="sr-Latn-RS" dirty="0" err="1"/>
-          </a:p>
-          <a:p>
-            <a:pPr>
-              <a:buClr>
-                <a:srgbClr val="8AD0D6"/>
-              </a:buClr>
-            </a:pPr>
-            <a:r>
-              <a:rPr lang="sr-Latn-RS" dirty="0">
-                <a:ea typeface="+mj-lt"/>
-                <a:cs typeface="+mj-lt"/>
-              </a:rPr>
-              <a:t>SET AUTOCOMMIT: Ažurira </a:t>
-            </a:r>
-            <a:r>
-              <a:rPr lang="sr-Latn-RS" dirty="0" err="1">
-                <a:ea typeface="+mj-lt"/>
-                <a:cs typeface="+mj-lt"/>
-              </a:rPr>
-              <a:t>autocommit</a:t>
-            </a:r>
-            <a:r>
-              <a:rPr lang="sr-Latn-RS" dirty="0">
-                <a:ea typeface="+mj-lt"/>
-                <a:cs typeface="+mj-lt"/>
-              </a:rPr>
-              <a:t> </a:t>
-            </a:r>
-            <a:r>
-              <a:rPr lang="sr-Latn-RS" dirty="0" err="1">
-                <a:ea typeface="+mj-lt"/>
-                <a:cs typeface="+mj-lt"/>
-              </a:rPr>
-              <a:t>mod</a:t>
-            </a:r>
-            <a:r>
-              <a:rPr lang="sr-Latn-RS" dirty="0">
-                <a:ea typeface="+mj-lt"/>
-                <a:cs typeface="+mj-lt"/>
-              </a:rPr>
-              <a:t> za tekuću konekciju. </a:t>
-            </a:r>
-            <a:endParaRPr lang="sr-Latn-RS" dirty="0"/>
-          </a:p>
-          <a:p>
-            <a:pPr>
-              <a:buClr>
-                <a:srgbClr val="8AD0D6"/>
-              </a:buClr>
-            </a:pPr>
-            <a:endParaRPr lang="sr-Latn-RS" dirty="0"/>
-          </a:p>
-        </p:txBody>
-      </p:sp>
-    </p:spTree>
-    <p:extLst>
-      <p:ext uri="{BB962C8B-B14F-4D97-AF65-F5344CB8AC3E}">
-        <p14:creationId xmlns:p14="http://schemas.microsoft.com/office/powerpoint/2010/main" val="1564501893"/>
-      </p:ext>
-    </p:extLst>
-  </p:cSld>
-  <p:clrMapOvr>
-    <a:masterClrMapping/>
-  </p:clrMapOvr>
-</p:sld>
-</file>
-
-<file path=ppt/slides/slide6.xml><?xml version="1.0" encoding="utf-8"?>
-<p:sld xmlns:a="http://schemas.openxmlformats.org/drawingml/2006/main" xmlns:r="http://schemas.openxmlformats.org/officeDocument/2006/relationships" xmlns:p="http://schemas.openxmlformats.org/presentationml/2006/main">
-  <p:cSld>
-    <p:spTree>
-      <p:nvGrpSpPr>
-        <p:cNvPr id="1" name=""/>
-        <p:cNvGrpSpPr/>
-        <p:nvPr/>
-      </p:nvGrpSpPr>
-      <p:grpSpPr>
-        <a:xfrm>
-          <a:off x="0" y="0"/>
-          <a:ext cx="0" cy="0"/>
-          <a:chOff x="0" y="0"/>
-          <a:chExt cx="0" cy="0"/>
-        </a:xfrm>
-      </p:grpSpPr>
-      <p:sp>
-        <p:nvSpPr>
-          <p:cNvPr id="2" name="Naslov 1">
-            <a:extLst>
-              <a:ext uri="{FF2B5EF4-FFF2-40B4-BE49-F238E27FC236}">
-                <a16:creationId xmlns:a16="http://schemas.microsoft.com/office/drawing/2014/main" id="{D9FE77BB-B1AB-4C0E-B461-D0451364BAAD}"/>
-              </a:ext>
-            </a:extLst>
-          </p:cNvPr>
-          <p:cNvSpPr>
-            <a:spLocks noGrp="1"/>
-          </p:cNvSpPr>
-          <p:nvPr>
-            <p:ph type="title"/>
-          </p:nvPr>
-        </p:nvSpPr>
-        <p:spPr/>
-        <p:txBody>
-          <a:bodyPr/>
-          <a:lstStyle/>
-          <a:p>
-            <a:endParaRPr lang="sr-Latn-RS"/>
-          </a:p>
-        </p:txBody>
-      </p:sp>
-      <p:pic>
-        <p:nvPicPr>
-          <p:cNvPr id="4" name="Slika 4">
-            <a:extLst>
-              <a:ext uri="{FF2B5EF4-FFF2-40B4-BE49-F238E27FC236}">
-                <a16:creationId xmlns:a16="http://schemas.microsoft.com/office/drawing/2014/main" id="{1F6825D2-5703-4A8D-9C5D-C04DF883A8B7}"/>
-              </a:ext>
-            </a:extLst>
-          </p:cNvPr>
-          <p:cNvPicPr>
-            <a:picLocks noGrp="1" noChangeAspect="1"/>
-          </p:cNvPicPr>
-          <p:nvPr>
-            <p:ph idx="1"/>
-          </p:nvPr>
-        </p:nvPicPr>
-        <p:blipFill>
-          <a:blip r:embed="rId2"/>
-          <a:stretch>
-            <a:fillRect/>
-          </a:stretch>
-        </p:blipFill>
-        <p:spPr>
-          <a:xfrm>
-            <a:off x="3754328" y="1588284"/>
-            <a:ext cx="4675997" cy="4734456"/>
-          </a:xfrm>
-          <a:prstGeom prst="rect">
-            <a:avLst/>
-          </a:prstGeom>
-          <a:ln>
-            <a:noFill/>
-          </a:ln>
-          <a:effectLst>
-            <a:softEdge rad="112500"/>
-          </a:effectLst>
-        </p:spPr>
-      </p:pic>
-    </p:spTree>
-    <p:extLst>
-      <p:ext uri="{BB962C8B-B14F-4D97-AF65-F5344CB8AC3E}">
-        <p14:creationId xmlns:p14="http://schemas.microsoft.com/office/powerpoint/2010/main" val="1697470990"/>
-      </p:ext>
-    </p:extLst>
-  </p:cSld>
-  <p:clrMapOvr>
-    <a:masterClrMapping/>
-  </p:clrMapOvr>
-</p:sld>
-</file>
-
-<file path=ppt/slides/slide7.xml><?xml version="1.0" encoding="utf-8"?>
 <p:sld xmlns:a="http://schemas.openxmlformats.org/drawingml/2006/main" xmlns:r="http://schemas.openxmlformats.org/officeDocument/2006/relationships" xmlns:p="http://schemas.openxmlformats.org/presentationml/2006/main">
   <p:cSld>
     <p:spTree>
@@ -9538,6 +7222,2871 @@
   <p:clrMapOvr>
     <a:masterClrMapping/>
   </p:clrMapOvr>
+  <p:timing>
+    <p:tnLst>
+      <p:par>
+        <p:cTn id="1" dur="indefinite" restart="never" nodeType="tmRoot"/>
+      </p:par>
+    </p:tnLst>
+  </p:timing>
+</p:sld>
+</file>
+
+<file path=ppt/slides/slide15.xml><?xml version="1.0" encoding="utf-8"?>
+<p:sld xmlns:a="http://schemas.openxmlformats.org/drawingml/2006/main" xmlns:r="http://schemas.openxmlformats.org/officeDocument/2006/relationships" xmlns:p="http://schemas.openxmlformats.org/presentationml/2006/main">
+  <p:cSld>
+    <p:spTree>
+      <p:nvGrpSpPr>
+        <p:cNvPr id="1" name=""/>
+        <p:cNvGrpSpPr/>
+        <p:nvPr/>
+      </p:nvGrpSpPr>
+      <p:grpSpPr>
+        <a:xfrm>
+          <a:off x="0" y="0"/>
+          <a:ext cx="0" cy="0"/>
+          <a:chOff x="0" y="0"/>
+          <a:chExt cx="0" cy="0"/>
+        </a:xfrm>
+      </p:grpSpPr>
+      <p:sp>
+        <p:nvSpPr>
+          <p:cNvPr id="2" name="Naslov 1">
+            <a:extLst>
+              <a:ext uri="{FF2B5EF4-FFF2-40B4-BE49-F238E27FC236}">
+                <a16:creationId xmlns:a16="http://schemas.microsoft.com/office/drawing/2014/main" id="{E8F216E2-29C6-4E23-9F3C-D50D28D870DF}"/>
+              </a:ext>
+            </a:extLst>
+          </p:cNvPr>
+          <p:cNvSpPr>
+            <a:spLocks noGrp="1"/>
+          </p:cNvSpPr>
+          <p:nvPr>
+            <p:ph type="title"/>
+          </p:nvPr>
+        </p:nvSpPr>
+        <p:spPr/>
+        <p:txBody>
+          <a:bodyPr/>
+          <a:lstStyle/>
+          <a:p>
+            <a:r>
+              <a:rPr lang="sr-Latn-RS" dirty="0">
+                <a:ea typeface="+mj-lt"/>
+                <a:cs typeface="+mj-lt"/>
+              </a:rPr>
+              <a:t>Nivoi izolacije </a:t>
+            </a:r>
+          </a:p>
+          <a:p>
+            <a:endParaRPr lang="sr-Latn-RS" dirty="0">
+              <a:ea typeface="+mj-lt"/>
+              <a:cs typeface="+mj-lt"/>
+            </a:endParaRPr>
+          </a:p>
+          <a:p>
+            <a:endParaRPr lang="sr-Latn-RS" dirty="0">
+              <a:ea typeface="+mj-lt"/>
+              <a:cs typeface="+mj-lt"/>
+            </a:endParaRPr>
+          </a:p>
+          <a:p>
+            <a:endParaRPr lang="sr-Latn-RS" dirty="0"/>
+          </a:p>
+        </p:txBody>
+      </p:sp>
+      <p:sp>
+        <p:nvSpPr>
+          <p:cNvPr id="3" name="Čuvar mesta za sadržaj 2">
+            <a:extLst>
+              <a:ext uri="{FF2B5EF4-FFF2-40B4-BE49-F238E27FC236}">
+                <a16:creationId xmlns:a16="http://schemas.microsoft.com/office/drawing/2014/main" id="{BCF9FA9A-F6C5-4714-88B0-23780A340FF8}"/>
+              </a:ext>
+            </a:extLst>
+          </p:cNvPr>
+          <p:cNvSpPr>
+            <a:spLocks noGrp="1"/>
+          </p:cNvSpPr>
+          <p:nvPr>
+            <p:ph idx="1"/>
+          </p:nvPr>
+        </p:nvSpPr>
+        <p:spPr/>
+        <p:txBody>
+          <a:bodyPr vert="horz" lIns="91440" tIns="45720" rIns="91440" bIns="45720" rtlCol="0" anchor="t">
+            <a:normAutofit/>
+          </a:bodyPr>
+          <a:lstStyle/>
+          <a:p>
+            <a:pPr algn="just"/>
+            <a:r>
+              <a:rPr lang="sr-Latn-RS" dirty="0">
+                <a:ea typeface="+mj-lt"/>
+                <a:cs typeface="+mj-lt"/>
+              </a:rPr>
+              <a:t>Sintaksa za podešavanje nivoa izolacije: </a:t>
+            </a:r>
+          </a:p>
+          <a:p>
+            <a:pPr lvl="1" algn="just">
+              <a:buClr>
+                <a:srgbClr val="8AD0D6"/>
+              </a:buClr>
+            </a:pPr>
+            <a:r>
+              <a:rPr lang="sr-Latn-RS" dirty="0">
+                <a:ea typeface="+mj-lt"/>
+                <a:cs typeface="+mj-lt"/>
+              </a:rPr>
+              <a:t>SET GLOBAL TRANSACTION ISOLATION LEVEL [</a:t>
+            </a:r>
+            <a:r>
+              <a:rPr lang="sr-Latn-RS" dirty="0" err="1">
+                <a:ea typeface="+mj-lt"/>
+                <a:cs typeface="+mj-lt"/>
+              </a:rPr>
+              <a:t>isolation_level</a:t>
+            </a:r>
+            <a:r>
+              <a:rPr lang="sr-Latn-RS" dirty="0">
+                <a:ea typeface="+mj-lt"/>
+                <a:cs typeface="+mj-lt"/>
+              </a:rPr>
+              <a:t>]; </a:t>
+            </a:r>
+          </a:p>
+          <a:p>
+            <a:pPr lvl="1" algn="just">
+              <a:buClr>
+                <a:srgbClr val="8AD0D6"/>
+              </a:buClr>
+            </a:pPr>
+            <a:r>
+              <a:rPr lang="sr-Latn-RS" dirty="0">
+                <a:ea typeface="+mj-lt"/>
+                <a:cs typeface="+mj-lt"/>
+              </a:rPr>
+              <a:t>SET SESSION TRANSACTION ISOLATION LEVEL [isolation_level]; </a:t>
+            </a:r>
+          </a:p>
+          <a:p>
+            <a:pPr lvl="1">
+              <a:buClr>
+                <a:srgbClr val="8AD0D6"/>
+              </a:buClr>
+            </a:pPr>
+            <a:r>
+              <a:rPr lang="sr-Latn-RS" dirty="0">
+                <a:ea typeface="+mj-lt"/>
+                <a:cs typeface="+mj-lt"/>
+              </a:rPr>
+              <a:t>SET TRANSACTION ISOLATION LEVEL [</a:t>
+            </a:r>
+            <a:r>
+              <a:rPr lang="sr-Latn-RS" dirty="0" err="1">
+                <a:ea typeface="+mj-lt"/>
+                <a:cs typeface="+mj-lt"/>
+              </a:rPr>
+              <a:t>isolation_level</a:t>
+            </a:r>
+            <a:r>
+              <a:rPr lang="sr-Latn-RS" dirty="0">
+                <a:ea typeface="+mj-lt"/>
+                <a:cs typeface="+mj-lt"/>
+              </a:rPr>
+              <a:t>]; </a:t>
+            </a:r>
+          </a:p>
+          <a:p>
+            <a:pPr marL="914400" lvl="2" indent="0">
+              <a:buClr>
+                <a:srgbClr val="8AD0D6"/>
+              </a:buClr>
+              <a:buNone/>
+            </a:pPr>
+            <a:r>
+              <a:rPr lang="sr-Latn-RS" i="1" dirty="0">
+                <a:ea typeface="+mj-lt"/>
+                <a:cs typeface="+mj-lt"/>
+              </a:rPr>
+              <a:t>           </a:t>
+            </a:r>
+            <a:endParaRPr lang="sr-Latn-RS">
+              <a:ea typeface="+mj-lt"/>
+              <a:cs typeface="+mj-lt"/>
+            </a:endParaRPr>
+          </a:p>
+          <a:p>
+            <a:pPr marL="914400" lvl="2" indent="0">
+              <a:buNone/>
+            </a:pPr>
+            <a:r>
+              <a:rPr lang="sr-Latn-RS" i="1" dirty="0">
+                <a:ea typeface="+mj-lt"/>
+                <a:cs typeface="+mj-lt"/>
+              </a:rPr>
+              <a:t>            SET TRANSACTION ISOLATION LEVEL READ COMMITTED;</a:t>
+            </a:r>
+            <a:r>
+              <a:rPr lang="sr-Latn-RS" dirty="0">
+                <a:ea typeface="+mj-lt"/>
+                <a:cs typeface="+mj-lt"/>
+              </a:rPr>
+              <a:t> </a:t>
+            </a:r>
+            <a:endParaRPr lang="sr-Latn-RS"/>
+          </a:p>
+        </p:txBody>
+      </p:sp>
+    </p:spTree>
+    <p:extLst>
+      <p:ext uri="{BB962C8B-B14F-4D97-AF65-F5344CB8AC3E}">
+        <p14:creationId xmlns:p14="http://schemas.microsoft.com/office/powerpoint/2010/main" val="355292789"/>
+      </p:ext>
+    </p:extLst>
+  </p:cSld>
+  <p:clrMapOvr>
+    <a:masterClrMapping/>
+  </p:clrMapOvr>
+  <p:timing>
+    <p:tnLst>
+      <p:par>
+        <p:cTn id="1" dur="indefinite" restart="never" nodeType="tmRoot"/>
+      </p:par>
+    </p:tnLst>
+  </p:timing>
+</p:sld>
+</file>
+
+<file path=ppt/slides/slide16.xml><?xml version="1.0" encoding="utf-8"?>
+<p:sld xmlns:a="http://schemas.openxmlformats.org/drawingml/2006/main" xmlns:r="http://schemas.openxmlformats.org/officeDocument/2006/relationships" xmlns:p="http://schemas.openxmlformats.org/presentationml/2006/main">
+  <p:cSld>
+    <p:spTree>
+      <p:nvGrpSpPr>
+        <p:cNvPr id="1" name=""/>
+        <p:cNvGrpSpPr/>
+        <p:nvPr/>
+      </p:nvGrpSpPr>
+      <p:grpSpPr>
+        <a:xfrm>
+          <a:off x="0" y="0"/>
+          <a:ext cx="0" cy="0"/>
+          <a:chOff x="0" y="0"/>
+          <a:chExt cx="0" cy="0"/>
+        </a:xfrm>
+      </p:grpSpPr>
+      <p:sp>
+        <p:nvSpPr>
+          <p:cNvPr id="2" name="Naslov 1">
+            <a:extLst>
+              <a:ext uri="{FF2B5EF4-FFF2-40B4-BE49-F238E27FC236}">
+                <a16:creationId xmlns:a16="http://schemas.microsoft.com/office/drawing/2014/main" id="{A3210883-1D31-49C3-B756-5942D50AF8DD}"/>
+              </a:ext>
+            </a:extLst>
+          </p:cNvPr>
+          <p:cNvSpPr>
+            <a:spLocks noGrp="1"/>
+          </p:cNvSpPr>
+          <p:nvPr>
+            <p:ph type="title"/>
+          </p:nvPr>
+        </p:nvSpPr>
+        <p:spPr/>
+        <p:txBody>
+          <a:bodyPr/>
+          <a:lstStyle/>
+          <a:p>
+            <a:r>
+              <a:rPr lang="sr-Latn-RS" dirty="0">
+                <a:ea typeface="+mj-lt"/>
+                <a:cs typeface="+mj-lt"/>
+              </a:rPr>
+              <a:t>Zaključavanje</a:t>
+            </a:r>
+            <a:endParaRPr lang="sr-Latn-RS" dirty="0"/>
+          </a:p>
+        </p:txBody>
+      </p:sp>
+      <p:sp>
+        <p:nvSpPr>
+          <p:cNvPr id="3" name="Čuvar mesta za sadržaj 2">
+            <a:extLst>
+              <a:ext uri="{FF2B5EF4-FFF2-40B4-BE49-F238E27FC236}">
+                <a16:creationId xmlns:a16="http://schemas.microsoft.com/office/drawing/2014/main" id="{342AC3DA-57B6-42D4-A692-D16DC846870D}"/>
+              </a:ext>
+            </a:extLst>
+          </p:cNvPr>
+          <p:cNvSpPr>
+            <a:spLocks noGrp="1"/>
+          </p:cNvSpPr>
+          <p:nvPr>
+            <p:ph idx="1"/>
+          </p:nvPr>
+        </p:nvSpPr>
+        <p:spPr>
+          <a:xfrm>
+            <a:off x="852410" y="1681211"/>
+            <a:ext cx="10386905" cy="4567188"/>
+          </a:xfrm>
+        </p:spPr>
+        <p:txBody>
+          <a:bodyPr vert="horz" lIns="91440" tIns="45720" rIns="91440" bIns="45720" rtlCol="0" anchor="t">
+            <a:normAutofit/>
+          </a:bodyPr>
+          <a:lstStyle/>
+          <a:p>
+            <a:r>
+              <a:rPr lang="sr-Latn-RS" dirty="0">
+                <a:ea typeface="+mj-lt"/>
+                <a:cs typeface="+mj-lt"/>
+              </a:rPr>
+              <a:t>Zaključavanje je mehanizam koji sprečava pojavu problema istovremenog pristupa podacima od strane više klijenata. </a:t>
+            </a:r>
+            <a:endParaRPr lang="sr-Latn-RS">
+              <a:ea typeface="+mj-lt"/>
+              <a:cs typeface="+mj-lt"/>
+            </a:endParaRPr>
+          </a:p>
+          <a:p>
+            <a:pPr algn="just">
+              <a:buClr>
+                <a:srgbClr val="8AD0D6"/>
+              </a:buClr>
+            </a:pPr>
+            <a:r>
+              <a:rPr lang="sr-Latn-RS" dirty="0">
+                <a:ea typeface="+mj-lt"/>
+                <a:cs typeface="+mj-lt"/>
+              </a:rPr>
+              <a:t>Ne uzrokuju sve vrste istovremenih pristupa konflikte, tako da vrsta zaključavanja koja je neophodna da bi se klijentu </a:t>
+            </a:r>
+            <a:r>
+              <a:rPr lang="sr-Latn-RS" dirty="0" err="1">
+                <a:ea typeface="+mj-lt"/>
+                <a:cs typeface="+mj-lt"/>
+              </a:rPr>
+              <a:t>omogućio</a:t>
+            </a:r>
+            <a:r>
+              <a:rPr lang="sr-Latn-RS" dirty="0">
+                <a:ea typeface="+mj-lt"/>
+                <a:cs typeface="+mj-lt"/>
+              </a:rPr>
+              <a:t> pristup podacima zavisi od toga da li klijent želi da čita ili piše: </a:t>
+            </a:r>
+            <a:endParaRPr lang="sr-Latn-RS" dirty="0"/>
+          </a:p>
+          <a:p>
+            <a:pPr lvl="1" algn="just">
+              <a:buClr>
+                <a:srgbClr val="8AD0D6"/>
+              </a:buClr>
+            </a:pPr>
+            <a:r>
+              <a:rPr lang="sr-Latn-RS" dirty="0">
+                <a:ea typeface="+mj-lt"/>
+                <a:cs typeface="+mj-lt"/>
+              </a:rPr>
+              <a:t>Ako klijent želi da čita podatke, drugi klijenti koji žele da čitaju iste podatke ne proizvode konflikt i svi mogu da čitaju istovremeno. Međutim, drugi klijent koji želi da modifikuje podatke mora da sačeka dok se čitanje ne završi.</a:t>
+            </a:r>
+            <a:endParaRPr lang="sr-Latn-RS" dirty="0"/>
+          </a:p>
+          <a:p>
+            <a:pPr lvl="1" algn="just">
+              <a:buClr>
+                <a:srgbClr val="8AD0D6"/>
+              </a:buClr>
+            </a:pPr>
+            <a:r>
+              <a:rPr lang="sr-Latn-RS" dirty="0">
+                <a:ea typeface="+mj-lt"/>
+                <a:cs typeface="+mj-lt"/>
+              </a:rPr>
+              <a:t>Ako klijent želi da upiše podatke, svi ostali klijenti moraju da sačekaju dok se pisanje ne završi, bez obzira da li ti klijenti žele da čitaju ili pišu.</a:t>
+            </a:r>
+            <a:endParaRPr lang="sr-Latn-RS" dirty="0"/>
+          </a:p>
+          <a:p>
+            <a:pPr marL="457200" lvl="1" indent="0" algn="ctr">
+              <a:buClr>
+                <a:srgbClr val="8AD0D6"/>
+              </a:buClr>
+              <a:buNone/>
+            </a:pPr>
+            <a:r>
+              <a:rPr lang="sr-Latn-RS" dirty="0">
+                <a:ea typeface="+mj-lt"/>
+                <a:cs typeface="+mj-lt"/>
+              </a:rPr>
+              <a:t> </a:t>
+            </a:r>
+            <a:r>
+              <a:rPr lang="sr-Latn-RS" sz="2000" dirty="0">
+                <a:ea typeface="+mj-lt"/>
+                <a:cs typeface="+mj-lt"/>
+              </a:rPr>
+              <a:t> Čitač mora blokirati pisce, ali ne sme blokirati druge čitaoce. Pisac mora blokirati i čitaoce i pisce. </a:t>
+            </a:r>
+            <a:endParaRPr lang="sr-Latn-RS" sz="2000" dirty="0"/>
+          </a:p>
+          <a:p>
+            <a:pPr>
+              <a:buClr>
+                <a:srgbClr val="8AD0D6"/>
+              </a:buClr>
+            </a:pPr>
+            <a:endParaRPr lang="sr-Latn-RS" dirty="0"/>
+          </a:p>
+        </p:txBody>
+      </p:sp>
+    </p:spTree>
+    <p:extLst>
+      <p:ext uri="{BB962C8B-B14F-4D97-AF65-F5344CB8AC3E}">
+        <p14:creationId xmlns:p14="http://schemas.microsoft.com/office/powerpoint/2010/main" val="3137126868"/>
+      </p:ext>
+    </p:extLst>
+  </p:cSld>
+  <p:clrMapOvr>
+    <a:masterClrMapping/>
+  </p:clrMapOvr>
+  <p:timing>
+    <p:tnLst>
+      <p:par>
+        <p:cTn id="1" dur="indefinite" restart="never" nodeType="tmRoot"/>
+      </p:par>
+    </p:tnLst>
+  </p:timing>
+</p:sld>
+</file>
+
+<file path=ppt/slides/slide17.xml><?xml version="1.0" encoding="utf-8"?>
+<p:sld xmlns:a="http://schemas.openxmlformats.org/drawingml/2006/main" xmlns:r="http://schemas.openxmlformats.org/officeDocument/2006/relationships" xmlns:p="http://schemas.openxmlformats.org/presentationml/2006/main">
+  <p:cSld>
+    <p:spTree>
+      <p:nvGrpSpPr>
+        <p:cNvPr id="1" name=""/>
+        <p:cNvGrpSpPr/>
+        <p:nvPr/>
+      </p:nvGrpSpPr>
+      <p:grpSpPr>
+        <a:xfrm>
+          <a:off x="0" y="0"/>
+          <a:ext cx="0" cy="0"/>
+          <a:chOff x="0" y="0"/>
+          <a:chExt cx="0" cy="0"/>
+        </a:xfrm>
+      </p:grpSpPr>
+      <p:sp>
+        <p:nvSpPr>
+          <p:cNvPr id="2" name="Naslov 1">
+            <a:extLst>
+              <a:ext uri="{FF2B5EF4-FFF2-40B4-BE49-F238E27FC236}">
+                <a16:creationId xmlns:a16="http://schemas.microsoft.com/office/drawing/2014/main" id="{3FD1A1C1-C4C8-40A3-8A0F-A9E06EFB45F5}"/>
+              </a:ext>
+            </a:extLst>
+          </p:cNvPr>
+          <p:cNvSpPr>
+            <a:spLocks noGrp="1"/>
+          </p:cNvSpPr>
+          <p:nvPr>
+            <p:ph type="title"/>
+          </p:nvPr>
+        </p:nvSpPr>
+        <p:spPr/>
+        <p:txBody>
+          <a:bodyPr/>
+          <a:lstStyle/>
+          <a:p>
+            <a:r>
+              <a:rPr lang="sr-Latn-RS" dirty="0"/>
+              <a:t>Zaključavanje</a:t>
+            </a:r>
+            <a:endParaRPr lang="sr-Latn-RS" dirty="0">
+              <a:ea typeface="+mj-lt"/>
+              <a:cs typeface="+mj-lt"/>
+            </a:endParaRPr>
+          </a:p>
+          <a:p>
+            <a:endParaRPr lang="sr-Latn-RS" dirty="0"/>
+          </a:p>
+        </p:txBody>
+      </p:sp>
+      <p:sp>
+        <p:nvSpPr>
+          <p:cNvPr id="3" name="Čuvar mesta za sadržaj 2">
+            <a:extLst>
+              <a:ext uri="{FF2B5EF4-FFF2-40B4-BE49-F238E27FC236}">
+                <a16:creationId xmlns:a16="http://schemas.microsoft.com/office/drawing/2014/main" id="{635F7E8A-9CA0-4D54-BA79-20A0FDC7C040}"/>
+              </a:ext>
+            </a:extLst>
+          </p:cNvPr>
+          <p:cNvSpPr>
+            <a:spLocks noGrp="1"/>
+          </p:cNvSpPr>
+          <p:nvPr>
+            <p:ph idx="1"/>
+          </p:nvPr>
+        </p:nvSpPr>
+        <p:spPr>
+          <a:xfrm>
+            <a:off x="1103312" y="2052918"/>
+            <a:ext cx="10832955" cy="4195481"/>
+          </a:xfrm>
+        </p:spPr>
+        <p:txBody>
+          <a:bodyPr vert="horz" lIns="91440" tIns="45720" rIns="91440" bIns="45720" rtlCol="0" anchor="t">
+            <a:normAutofit/>
+          </a:bodyPr>
+          <a:lstStyle/>
+          <a:p>
+            <a:r>
+              <a:rPr lang="sr-Latn-RS" dirty="0">
+                <a:ea typeface="+mj-lt"/>
+                <a:cs typeface="+mj-lt"/>
+              </a:rPr>
+              <a:t>LOCK IN SHARE MODE klauzula: Zajednički </a:t>
+            </a:r>
+            <a:r>
+              <a:rPr lang="sr-Latn-RS" dirty="0" err="1">
+                <a:ea typeface="+mj-lt"/>
+                <a:cs typeface="+mj-lt"/>
+              </a:rPr>
+              <a:t>lock</a:t>
+            </a:r>
+            <a:r>
+              <a:rPr lang="sr-Latn-RS" dirty="0">
+                <a:ea typeface="+mj-lt"/>
+                <a:cs typeface="+mj-lt"/>
+              </a:rPr>
+              <a:t>, što znači da nijedna druga transakcija ne može uzeti ekskluzivni </a:t>
+            </a:r>
+            <a:r>
+              <a:rPr lang="sr-Latn-RS" dirty="0" err="1">
+                <a:ea typeface="+mj-lt"/>
+                <a:cs typeface="+mj-lt"/>
+              </a:rPr>
+              <a:t>lock</a:t>
+            </a:r>
+            <a:r>
+              <a:rPr lang="sr-Latn-RS" dirty="0">
+                <a:ea typeface="+mj-lt"/>
+                <a:cs typeface="+mj-lt"/>
+              </a:rPr>
+              <a:t>, ali druge transakcije takođe mogu koristiti zajednički </a:t>
+            </a:r>
+            <a:r>
+              <a:rPr lang="sr-Latn-RS" dirty="0" err="1">
+                <a:ea typeface="+mj-lt"/>
+                <a:cs typeface="+mj-lt"/>
+              </a:rPr>
+              <a:t>lock</a:t>
+            </a:r>
+            <a:r>
+              <a:rPr lang="sr-Latn-RS" dirty="0">
+                <a:ea typeface="+mj-lt"/>
+                <a:cs typeface="+mj-lt"/>
+              </a:rPr>
+              <a:t>. Sprečava druge transakcije da ažuriraju podatke koji se čitaju.</a:t>
+            </a:r>
+          </a:p>
+          <a:p>
+            <a:r>
+              <a:rPr lang="sr-Latn-RS" dirty="0">
+                <a:ea typeface="+mj-lt"/>
+                <a:cs typeface="+mj-lt"/>
+              </a:rPr>
+              <a:t>FOR UPDATE klauzula: Zaključava svaki izabrani red ekskluzivnim </a:t>
+            </a:r>
+            <a:r>
+              <a:rPr lang="sr-Latn-RS" dirty="0" err="1">
+                <a:ea typeface="+mj-lt"/>
+                <a:cs typeface="+mj-lt"/>
+              </a:rPr>
+              <a:t>lock</a:t>
+            </a:r>
+            <a:r>
+              <a:rPr lang="sr-Latn-RS" dirty="0">
+                <a:ea typeface="+mj-lt"/>
+                <a:cs typeface="+mj-lt"/>
+              </a:rPr>
+              <a:t>-om, </a:t>
+            </a:r>
+            <a:r>
+              <a:rPr lang="sr-Latn-RS" dirty="0" err="1">
+                <a:ea typeface="+mj-lt"/>
+                <a:cs typeface="+mj-lt"/>
+              </a:rPr>
+              <a:t>sprečavajući</a:t>
+            </a:r>
+            <a:r>
+              <a:rPr lang="sr-Latn-RS" dirty="0">
+                <a:ea typeface="+mj-lt"/>
+                <a:cs typeface="+mj-lt"/>
+              </a:rPr>
+              <a:t> druge transakcije da dobiju </a:t>
+            </a:r>
+            <a:r>
+              <a:rPr lang="sr-Latn-RS" dirty="0" err="1">
+                <a:ea typeface="+mj-lt"/>
+                <a:cs typeface="+mj-lt"/>
+              </a:rPr>
+              <a:t>lock</a:t>
+            </a:r>
+            <a:r>
+              <a:rPr lang="sr-Latn-RS" dirty="0">
+                <a:ea typeface="+mj-lt"/>
+                <a:cs typeface="+mj-lt"/>
+              </a:rPr>
+              <a:t> nad tim redovima, ali </a:t>
+            </a:r>
+            <a:r>
+              <a:rPr lang="sr-Latn-RS" dirty="0" err="1">
+                <a:ea typeface="+mj-lt"/>
+                <a:cs typeface="+mj-lt"/>
+              </a:rPr>
+              <a:t>omogućava</a:t>
+            </a:r>
+            <a:r>
+              <a:rPr lang="sr-Latn-RS" dirty="0">
+                <a:ea typeface="+mj-lt"/>
+                <a:cs typeface="+mj-lt"/>
+              </a:rPr>
+              <a:t> čitanje redova.</a:t>
+            </a:r>
+          </a:p>
+          <a:p>
+            <a:pPr>
+              <a:buClr>
+                <a:srgbClr val="8AD0D6"/>
+              </a:buClr>
+            </a:pPr>
+            <a:endParaRPr lang="sr-Latn-RS" dirty="0"/>
+          </a:p>
+        </p:txBody>
+      </p:sp>
+    </p:spTree>
+    <p:extLst>
+      <p:ext uri="{BB962C8B-B14F-4D97-AF65-F5344CB8AC3E}">
+        <p14:creationId xmlns:p14="http://schemas.microsoft.com/office/powerpoint/2010/main" val="844035680"/>
+      </p:ext>
+    </p:extLst>
+  </p:cSld>
+  <p:clrMapOvr>
+    <a:masterClrMapping/>
+  </p:clrMapOvr>
+  <p:timing>
+    <p:tnLst>
+      <p:par>
+        <p:cTn id="1" dur="indefinite" restart="never" nodeType="tmRoot"/>
+      </p:par>
+    </p:tnLst>
+  </p:timing>
+</p:sld>
+</file>
+
+<file path=ppt/slides/slide18.xml><?xml version="1.0" encoding="utf-8"?>
+<p:sld xmlns:a="http://schemas.openxmlformats.org/drawingml/2006/main" xmlns:r="http://schemas.openxmlformats.org/officeDocument/2006/relationships" xmlns:p="http://schemas.openxmlformats.org/presentationml/2006/main">
+  <p:cSld>
+    <p:spTree>
+      <p:nvGrpSpPr>
+        <p:cNvPr id="1" name=""/>
+        <p:cNvGrpSpPr/>
+        <p:nvPr/>
+      </p:nvGrpSpPr>
+      <p:grpSpPr>
+        <a:xfrm>
+          <a:off x="0" y="0"/>
+          <a:ext cx="0" cy="0"/>
+          <a:chOff x="0" y="0"/>
+          <a:chExt cx="0" cy="0"/>
+        </a:xfrm>
+      </p:grpSpPr>
+      <p:sp>
+        <p:nvSpPr>
+          <p:cNvPr id="2" name="Naslov 1">
+            <a:extLst>
+              <a:ext uri="{FF2B5EF4-FFF2-40B4-BE49-F238E27FC236}">
+                <a16:creationId xmlns:a16="http://schemas.microsoft.com/office/drawing/2014/main" id="{3C12A172-A309-4A71-8EF0-39A132FF6F6C}"/>
+              </a:ext>
+            </a:extLst>
+          </p:cNvPr>
+          <p:cNvSpPr>
+            <a:spLocks noGrp="1"/>
+          </p:cNvSpPr>
+          <p:nvPr>
+            <p:ph type="title"/>
+          </p:nvPr>
+        </p:nvSpPr>
+        <p:spPr/>
+        <p:txBody>
+          <a:bodyPr/>
+          <a:lstStyle/>
+          <a:p>
+            <a:r>
+              <a:rPr lang="sr-Latn-RS" dirty="0"/>
+              <a:t>Zaključavanje</a:t>
+            </a:r>
+            <a:endParaRPr lang="sr-Latn-RS" dirty="0">
+              <a:ea typeface="+mj-lt"/>
+              <a:cs typeface="+mj-lt"/>
+            </a:endParaRPr>
+          </a:p>
+          <a:p>
+            <a:endParaRPr lang="sr-Latn-RS" dirty="0"/>
+          </a:p>
+        </p:txBody>
+      </p:sp>
+      <p:pic>
+        <p:nvPicPr>
+          <p:cNvPr id="4" name="Slika 4">
+            <a:extLst>
+              <a:ext uri="{FF2B5EF4-FFF2-40B4-BE49-F238E27FC236}">
+                <a16:creationId xmlns:a16="http://schemas.microsoft.com/office/drawing/2014/main" id="{16361A94-F743-4654-8089-4FF31CFE7FBD}"/>
+              </a:ext>
+            </a:extLst>
+          </p:cNvPr>
+          <p:cNvPicPr>
+            <a:picLocks noGrp="1" noChangeAspect="1"/>
+          </p:cNvPicPr>
+          <p:nvPr>
+            <p:ph idx="1"/>
+          </p:nvPr>
+        </p:nvPicPr>
+        <p:blipFill>
+          <a:blip r:embed="rId2"/>
+          <a:stretch>
+            <a:fillRect/>
+          </a:stretch>
+        </p:blipFill>
+        <p:spPr>
+          <a:xfrm>
+            <a:off x="3481199" y="1377489"/>
+            <a:ext cx="5389524" cy="574753"/>
+          </a:xfrm>
+        </p:spPr>
+      </p:pic>
+      <p:pic>
+        <p:nvPicPr>
+          <p:cNvPr id="5" name="Slika 5" descr="Slika na kojoj se nalazi tekst&#10;&#10;Opis je automatski generisan">
+            <a:extLst>
+              <a:ext uri="{FF2B5EF4-FFF2-40B4-BE49-F238E27FC236}">
+                <a16:creationId xmlns:a16="http://schemas.microsoft.com/office/drawing/2014/main" id="{61F338C6-6F8B-4D0A-BA5E-D8F4F25C58A9}"/>
+              </a:ext>
+            </a:extLst>
+          </p:cNvPr>
+          <p:cNvPicPr>
+            <a:picLocks noChangeAspect="1"/>
+          </p:cNvPicPr>
+          <p:nvPr/>
+        </p:nvPicPr>
+        <p:blipFill>
+          <a:blip r:embed="rId3"/>
+          <a:stretch>
+            <a:fillRect/>
+          </a:stretch>
+        </p:blipFill>
+        <p:spPr>
+          <a:xfrm>
+            <a:off x="1518424" y="2541121"/>
+            <a:ext cx="9145858" cy="1589906"/>
+          </a:xfrm>
+          <a:prstGeom prst="rect">
+            <a:avLst/>
+          </a:prstGeom>
+        </p:spPr>
+      </p:pic>
+      <p:sp>
+        <p:nvSpPr>
+          <p:cNvPr id="6" name="Okvir za tekst 5">
+            <a:extLst>
+              <a:ext uri="{FF2B5EF4-FFF2-40B4-BE49-F238E27FC236}">
+                <a16:creationId xmlns:a16="http://schemas.microsoft.com/office/drawing/2014/main" id="{D5191BF0-20A0-4B7F-844C-71334EA8ECED}"/>
+              </a:ext>
+            </a:extLst>
+          </p:cNvPr>
+          <p:cNvSpPr txBox="1"/>
+          <p:nvPr/>
+        </p:nvSpPr>
+        <p:spPr>
+          <a:xfrm>
+            <a:off x="5737303" y="2085278"/>
+            <a:ext cx="2743200" cy="369332"/>
+          </a:xfrm>
+          <a:prstGeom prst="rect">
+            <a:avLst/>
+          </a:prstGeom>
+          <a:noFill/>
+        </p:spPr>
+        <p:txBody>
+          <a:bodyPr rot="0" spcFirstLastPara="0" vertOverflow="overflow" horzOverflow="overflow" vert="horz" wrap="square" lIns="91440" tIns="45720" rIns="91440" bIns="45720" numCol="1" spcCol="0" rtlCol="0" fromWordArt="0" anchor="t" anchorCtr="0" forceAA="0" compatLnSpc="1">
+            <a:prstTxWarp prst="textNoShape">
+              <a:avLst/>
+            </a:prstTxWarp>
+            <a:spAutoFit/>
+          </a:bodyPr>
+          <a:lstStyle/>
+          <a:p>
+            <a:r>
+              <a:rPr lang="sr-Latn-RS" dirty="0"/>
+              <a:t>Sesija 1</a:t>
+            </a:r>
+          </a:p>
+        </p:txBody>
+      </p:sp>
+      <p:sp>
+        <p:nvSpPr>
+          <p:cNvPr id="7" name="Okvir za tekst 6">
+            <a:extLst>
+              <a:ext uri="{FF2B5EF4-FFF2-40B4-BE49-F238E27FC236}">
+                <a16:creationId xmlns:a16="http://schemas.microsoft.com/office/drawing/2014/main" id="{6CE961EE-95C0-4B92-8D56-4E5DF6024E69}"/>
+              </a:ext>
+            </a:extLst>
+          </p:cNvPr>
+          <p:cNvSpPr txBox="1"/>
+          <p:nvPr/>
+        </p:nvSpPr>
+        <p:spPr>
+          <a:xfrm>
+            <a:off x="5495692" y="4269058"/>
+            <a:ext cx="2743200" cy="369332"/>
+          </a:xfrm>
+          <a:prstGeom prst="rect">
+            <a:avLst/>
+          </a:prstGeom>
+          <a:noFill/>
+        </p:spPr>
+        <p:txBody>
+          <a:bodyPr rot="0" spcFirstLastPara="0" vertOverflow="overflow" horzOverflow="overflow" vert="horz" wrap="square" lIns="91440" tIns="45720" rIns="91440" bIns="45720" numCol="1" spcCol="0" rtlCol="0" fromWordArt="0" anchor="t" anchorCtr="0" forceAA="0" compatLnSpc="1">
+            <a:prstTxWarp prst="textNoShape">
+              <a:avLst/>
+            </a:prstTxWarp>
+            <a:spAutoFit/>
+          </a:bodyPr>
+          <a:lstStyle/>
+          <a:p>
+            <a:r>
+              <a:rPr lang="sr-Latn-RS" dirty="0"/>
+              <a:t>Sesija 2</a:t>
+            </a:r>
+          </a:p>
+        </p:txBody>
+      </p:sp>
+      <p:pic>
+        <p:nvPicPr>
+          <p:cNvPr id="8" name="Slika 8" descr="Slika na kojoj se nalazi tekst&#10;&#10;Opis je automatski generisan">
+            <a:extLst>
+              <a:ext uri="{FF2B5EF4-FFF2-40B4-BE49-F238E27FC236}">
+                <a16:creationId xmlns:a16="http://schemas.microsoft.com/office/drawing/2014/main" id="{88C591D6-BE36-47F7-B261-0E7EF3FE7355}"/>
+              </a:ext>
+            </a:extLst>
+          </p:cNvPr>
+          <p:cNvPicPr>
+            <a:picLocks noChangeAspect="1"/>
+          </p:cNvPicPr>
+          <p:nvPr/>
+        </p:nvPicPr>
+        <p:blipFill>
+          <a:blip r:embed="rId4"/>
+          <a:stretch>
+            <a:fillRect/>
+          </a:stretch>
+        </p:blipFill>
+        <p:spPr>
+          <a:xfrm>
+            <a:off x="2745060" y="5338016"/>
+            <a:ext cx="6432394" cy="1339409"/>
+          </a:xfrm>
+          <a:prstGeom prst="rect">
+            <a:avLst/>
+          </a:prstGeom>
+        </p:spPr>
+      </p:pic>
+      <p:sp>
+        <p:nvSpPr>
+          <p:cNvPr id="9" name="Okvir za tekst 8">
+            <a:extLst>
+              <a:ext uri="{FF2B5EF4-FFF2-40B4-BE49-F238E27FC236}">
+                <a16:creationId xmlns:a16="http://schemas.microsoft.com/office/drawing/2014/main" id="{378EA592-A531-4176-8030-3D72A89C7222}"/>
+              </a:ext>
+            </a:extLst>
+          </p:cNvPr>
+          <p:cNvSpPr txBox="1"/>
+          <p:nvPr/>
+        </p:nvSpPr>
+        <p:spPr>
+          <a:xfrm>
+            <a:off x="4867275" y="3343275"/>
+            <a:ext cx="2743200" cy="369332"/>
+          </a:xfrm>
+          <a:prstGeom prst="rect">
+            <a:avLst/>
+          </a:prstGeom>
+          <a:noFill/>
+        </p:spPr>
+        <p:txBody>
+          <a:bodyPr rot="0" spcFirstLastPara="0" vertOverflow="overflow" horzOverflow="overflow" vert="horz" wrap="square" lIns="91440" tIns="45720" rIns="91440" bIns="45720" numCol="1" spcCol="0" rtlCol="0" fromWordArt="0" anchor="t" anchorCtr="0" forceAA="0" compatLnSpc="1">
+            <a:prstTxWarp prst="textNoShape">
+              <a:avLst/>
+            </a:prstTxWarp>
+            <a:spAutoFit/>
+          </a:bodyPr>
+          <a:lstStyle/>
+          <a:p>
+            <a:pPr algn="l"/>
+            <a:r>
+              <a:rPr lang="sr-Latn-RS"/>
+              <a:t>Kliknite i dodajte tekst</a:t>
+            </a:r>
+          </a:p>
+        </p:txBody>
+      </p:sp>
+      <p:sp>
+        <p:nvSpPr>
+          <p:cNvPr id="10" name="Okvir za tekst 9">
+            <a:extLst>
+              <a:ext uri="{FF2B5EF4-FFF2-40B4-BE49-F238E27FC236}">
+                <a16:creationId xmlns:a16="http://schemas.microsoft.com/office/drawing/2014/main" id="{E575FA39-8053-43A2-9828-9C890F8B7FA2}"/>
+              </a:ext>
+            </a:extLst>
+          </p:cNvPr>
+          <p:cNvSpPr txBox="1"/>
+          <p:nvPr/>
+        </p:nvSpPr>
+        <p:spPr>
+          <a:xfrm>
+            <a:off x="2649809" y="4852175"/>
+            <a:ext cx="6897029" cy="369332"/>
+          </a:xfrm>
+          <a:prstGeom prst="rect">
+            <a:avLst/>
+          </a:prstGeom>
+          <a:noFill/>
+        </p:spPr>
+        <p:txBody>
+          <a:bodyPr rot="0" spcFirstLastPara="0" vertOverflow="overflow" horzOverflow="overflow" vert="horz" wrap="square" lIns="91440" tIns="45720" rIns="91440" bIns="45720" numCol="1" spcCol="0" rtlCol="0" fromWordArt="0" anchor="t" anchorCtr="0" forceAA="0" compatLnSpc="1">
+            <a:prstTxWarp prst="textNoShape">
+              <a:avLst/>
+            </a:prstTxWarp>
+            <a:spAutoFit/>
+          </a:bodyPr>
+          <a:lstStyle/>
+          <a:p>
+            <a:r>
+              <a:rPr lang="sr-Latn-RS" dirty="0">
+                <a:ea typeface="+mn-lt"/>
+                <a:cs typeface="+mn-lt"/>
+              </a:rPr>
+              <a:t>Tabela </a:t>
+            </a:r>
+            <a:r>
+              <a:rPr lang="sr-Latn-RS" dirty="0" err="1">
+                <a:ea typeface="+mn-lt"/>
+                <a:cs typeface="+mn-lt"/>
+              </a:rPr>
+              <a:t>payment</a:t>
+            </a:r>
+            <a:r>
+              <a:rPr lang="sr-Latn-RS" dirty="0">
+                <a:ea typeface="+mn-lt"/>
+                <a:cs typeface="+mn-lt"/>
+              </a:rPr>
+              <a:t> je slobodna nakon </a:t>
+            </a:r>
+            <a:r>
+              <a:rPr lang="sr-Latn-RS" dirty="0" err="1">
+                <a:ea typeface="+mn-lt"/>
+                <a:cs typeface="+mn-lt"/>
+              </a:rPr>
+              <a:t>commit</a:t>
+            </a:r>
+            <a:r>
+              <a:rPr lang="sr-Latn-RS" dirty="0">
+                <a:ea typeface="+mn-lt"/>
+                <a:cs typeface="+mn-lt"/>
+              </a:rPr>
+              <a:t>-a u prvoj sesiji. </a:t>
+            </a:r>
+            <a:endParaRPr lang="sr-Latn-RS" dirty="0"/>
+          </a:p>
+        </p:txBody>
+      </p:sp>
+    </p:spTree>
+    <p:extLst>
+      <p:ext uri="{BB962C8B-B14F-4D97-AF65-F5344CB8AC3E}">
+        <p14:creationId xmlns:p14="http://schemas.microsoft.com/office/powerpoint/2010/main" val="12067355"/>
+      </p:ext>
+    </p:extLst>
+  </p:cSld>
+  <p:clrMapOvr>
+    <a:masterClrMapping/>
+  </p:clrMapOvr>
+  <p:timing>
+    <p:tnLst>
+      <p:par>
+        <p:cTn id="1" dur="indefinite" restart="never" nodeType="tmRoot"/>
+      </p:par>
+    </p:tnLst>
+  </p:timing>
+</p:sld>
+</file>
+
+<file path=ppt/slides/slide19.xml><?xml version="1.0" encoding="utf-8"?>
+<p:sld xmlns:a="http://schemas.openxmlformats.org/drawingml/2006/main" xmlns:r="http://schemas.openxmlformats.org/officeDocument/2006/relationships" xmlns:p="http://schemas.openxmlformats.org/presentationml/2006/main">
+  <p:cSld>
+    <p:spTree>
+      <p:nvGrpSpPr>
+        <p:cNvPr id="1" name=""/>
+        <p:cNvGrpSpPr/>
+        <p:nvPr/>
+      </p:nvGrpSpPr>
+      <p:grpSpPr>
+        <a:xfrm>
+          <a:off x="0" y="0"/>
+          <a:ext cx="0" cy="0"/>
+          <a:chOff x="0" y="0"/>
+          <a:chExt cx="0" cy="0"/>
+        </a:xfrm>
+      </p:grpSpPr>
+      <p:sp>
+        <p:nvSpPr>
+          <p:cNvPr id="2" name="Naslov 1">
+            <a:extLst>
+              <a:ext uri="{FF2B5EF4-FFF2-40B4-BE49-F238E27FC236}">
+                <a16:creationId xmlns:a16="http://schemas.microsoft.com/office/drawing/2014/main" id="{F0CB1461-7612-4A44-AB1D-01E0C8321493}"/>
+              </a:ext>
+            </a:extLst>
+          </p:cNvPr>
+          <p:cNvSpPr>
+            <a:spLocks noGrp="1"/>
+          </p:cNvSpPr>
+          <p:nvPr>
+            <p:ph type="title"/>
+          </p:nvPr>
+        </p:nvSpPr>
+        <p:spPr/>
+        <p:txBody>
+          <a:bodyPr/>
+          <a:lstStyle/>
+          <a:p>
+            <a:r>
+              <a:rPr lang="sr-Latn-RS" dirty="0">
+                <a:ea typeface="+mj-lt"/>
+                <a:cs typeface="+mj-lt"/>
+              </a:rPr>
+              <a:t>Zaključavanje - </a:t>
+            </a:r>
+            <a:r>
+              <a:rPr lang="sr-Latn-RS" dirty="0" err="1">
+                <a:ea typeface="+mj-lt"/>
+                <a:cs typeface="+mj-lt"/>
+              </a:rPr>
+              <a:t>deadlock</a:t>
+            </a:r>
+            <a:r>
+              <a:rPr lang="sr-Latn-RS" dirty="0">
+                <a:ea typeface="+mj-lt"/>
+                <a:cs typeface="+mj-lt"/>
+              </a:rPr>
+              <a:t>-ovi </a:t>
+            </a:r>
+          </a:p>
+          <a:p>
+            <a:endParaRPr lang="sr-Latn-RS" dirty="0">
+              <a:ea typeface="+mj-lt"/>
+              <a:cs typeface="+mj-lt"/>
+            </a:endParaRPr>
+          </a:p>
+          <a:p>
+            <a:endParaRPr lang="sr-Latn-RS" dirty="0"/>
+          </a:p>
+        </p:txBody>
+      </p:sp>
+      <p:sp>
+        <p:nvSpPr>
+          <p:cNvPr id="3" name="Čuvar mesta za sadržaj 2">
+            <a:extLst>
+              <a:ext uri="{FF2B5EF4-FFF2-40B4-BE49-F238E27FC236}">
+                <a16:creationId xmlns:a16="http://schemas.microsoft.com/office/drawing/2014/main" id="{69F7FE41-97D4-49E2-88FC-7938840A80E7}"/>
+              </a:ext>
+            </a:extLst>
+          </p:cNvPr>
+          <p:cNvSpPr>
+            <a:spLocks noGrp="1"/>
+          </p:cNvSpPr>
+          <p:nvPr>
+            <p:ph idx="1"/>
+          </p:nvPr>
+        </p:nvSpPr>
+        <p:spPr>
+          <a:xfrm>
+            <a:off x="880288" y="1495357"/>
+            <a:ext cx="10582053" cy="4195481"/>
+          </a:xfrm>
+        </p:spPr>
+        <p:txBody>
+          <a:bodyPr vert="horz" lIns="91440" tIns="45720" rIns="91440" bIns="45720" rtlCol="0" anchor="t">
+            <a:normAutofit/>
+          </a:bodyPr>
+          <a:lstStyle/>
+          <a:p>
+            <a:endParaRPr lang="sr-Latn-RS"/>
+          </a:p>
+          <a:p>
+            <a:pPr>
+              <a:buClr>
+                <a:srgbClr val="8AD0D6"/>
+              </a:buClr>
+            </a:pPr>
+            <a:r>
+              <a:rPr lang="sr-Latn-RS" dirty="0" err="1"/>
+              <a:t>Deadlock</a:t>
+            </a:r>
+            <a:r>
+              <a:rPr lang="sr-Latn-RS" dirty="0"/>
+              <a:t> je situacija u kojoj različite transakcije nisu u </a:t>
+            </a:r>
+            <a:r>
+              <a:rPr lang="sr-Latn-RS" dirty="0" err="1"/>
+              <a:t>mogućnosti</a:t>
+            </a:r>
+            <a:r>
+              <a:rPr lang="sr-Latn-RS" dirty="0"/>
+              <a:t> da se nastave jer svaka ima </a:t>
+            </a:r>
+            <a:r>
+              <a:rPr lang="sr-Latn-RS" dirty="0" err="1"/>
+              <a:t>lock</a:t>
+            </a:r>
+            <a:r>
+              <a:rPr lang="sr-Latn-RS" dirty="0"/>
+              <a:t> koji je potreban drugoj. </a:t>
+            </a:r>
+            <a:r>
+              <a:rPr lang="sr-Latn-RS" dirty="0" err="1"/>
+              <a:t>Budući</a:t>
+            </a:r>
+            <a:r>
+              <a:rPr lang="sr-Latn-RS" dirty="0"/>
+              <a:t> da obe transakcije čekaju da resurs postane dostupan, nijedna nikada ne oslobađa brave(</a:t>
+            </a:r>
+            <a:r>
+              <a:rPr lang="sr-Latn-RS" dirty="0" err="1"/>
+              <a:t>lock</a:t>
+            </a:r>
+            <a:r>
+              <a:rPr lang="sr-Latn-RS" dirty="0"/>
+              <a:t>-ove) koje drži. </a:t>
+            </a:r>
+          </a:p>
+          <a:p>
+            <a:pPr>
+              <a:buClr>
+                <a:srgbClr val="8AD0D6"/>
+              </a:buClr>
+            </a:pPr>
+            <a:r>
+              <a:rPr lang="sr-Latn-RS" dirty="0">
+                <a:ea typeface="+mj-lt"/>
+                <a:cs typeface="+mj-lt"/>
+              </a:rPr>
+              <a:t>Kada je </a:t>
+            </a:r>
+            <a:r>
+              <a:rPr lang="sr-Latn-RS" dirty="0" err="1">
+                <a:ea typeface="+mj-lt"/>
+                <a:cs typeface="+mj-lt"/>
+              </a:rPr>
+              <a:t>omogućeno</a:t>
+            </a:r>
+            <a:r>
+              <a:rPr lang="sr-Latn-RS" dirty="0">
+                <a:ea typeface="+mj-lt"/>
+                <a:cs typeface="+mj-lt"/>
+              </a:rPr>
+              <a:t> otkrivanje </a:t>
+            </a:r>
+            <a:r>
+              <a:rPr lang="sr-Latn-RS" dirty="0" err="1">
+                <a:ea typeface="+mj-lt"/>
+                <a:cs typeface="+mj-lt"/>
+              </a:rPr>
+              <a:t>deadlock</a:t>
+            </a:r>
+            <a:r>
+              <a:rPr lang="sr-Latn-RS" dirty="0">
+                <a:ea typeface="+mj-lt"/>
+                <a:cs typeface="+mj-lt"/>
+              </a:rPr>
+              <a:t>-a (podrazumevano podešavanje) i dogodi se </a:t>
+            </a:r>
+            <a:r>
+              <a:rPr lang="sr-Latn-RS" dirty="0" err="1">
+                <a:ea typeface="+mj-lt"/>
+                <a:cs typeface="+mj-lt"/>
+              </a:rPr>
+              <a:t>deadlock</a:t>
+            </a:r>
+            <a:r>
+              <a:rPr lang="sr-Latn-RS" dirty="0">
+                <a:ea typeface="+mj-lt"/>
+                <a:cs typeface="+mj-lt"/>
+              </a:rPr>
+              <a:t>, </a:t>
+            </a:r>
+            <a:r>
+              <a:rPr lang="sr-Latn-RS" dirty="0" err="1">
+                <a:ea typeface="+mj-lt"/>
+                <a:cs typeface="+mj-lt"/>
+              </a:rPr>
+              <a:t>InnoDB</a:t>
+            </a:r>
+            <a:r>
+              <a:rPr lang="sr-Latn-RS" dirty="0">
+                <a:ea typeface="+mj-lt"/>
+                <a:cs typeface="+mj-lt"/>
+              </a:rPr>
+              <a:t> detektuje ovo stanje i </a:t>
+            </a:r>
+            <a:r>
+              <a:rPr lang="sr-Latn-RS" dirty="0" err="1">
+                <a:ea typeface="+mj-lt"/>
+                <a:cs typeface="+mj-lt"/>
+              </a:rPr>
+              <a:t>vraća</a:t>
+            </a:r>
+            <a:r>
+              <a:rPr lang="sr-Latn-RS" dirty="0">
+                <a:ea typeface="+mj-lt"/>
+                <a:cs typeface="+mj-lt"/>
+              </a:rPr>
+              <a:t> unazad jednu od transakcija (žrtva). Do </a:t>
+            </a:r>
+            <a:r>
+              <a:rPr lang="sr-Latn-RS" dirty="0" err="1">
+                <a:ea typeface="+mj-lt"/>
+                <a:cs typeface="+mj-lt"/>
+              </a:rPr>
+              <a:t>deadlock</a:t>
+            </a:r>
+            <a:r>
+              <a:rPr lang="sr-Latn-RS" dirty="0">
+                <a:ea typeface="+mj-lt"/>
+                <a:cs typeface="+mj-lt"/>
+              </a:rPr>
+              <a:t>-a dolazi kada:</a:t>
+            </a:r>
+          </a:p>
+          <a:p>
+            <a:pPr lvl="1">
+              <a:buClr>
+                <a:srgbClr val="8AD0D6"/>
+              </a:buClr>
+            </a:pPr>
+            <a:r>
+              <a:rPr lang="sr-Latn-RS" dirty="0">
+                <a:ea typeface="+mj-lt"/>
+                <a:cs typeface="+mj-lt"/>
+              </a:rPr>
+              <a:t>Transakcije dobijaju </a:t>
+            </a:r>
+            <a:r>
+              <a:rPr lang="sr-Latn-RS" dirty="0" err="1">
+                <a:ea typeface="+mj-lt"/>
+                <a:cs typeface="+mj-lt"/>
+              </a:rPr>
+              <a:t>lock</a:t>
+            </a:r>
+            <a:r>
+              <a:rPr lang="sr-Latn-RS" dirty="0">
+                <a:ea typeface="+mj-lt"/>
+                <a:cs typeface="+mj-lt"/>
+              </a:rPr>
+              <a:t>-ove na više tabela, ali u suprotnom redosledu</a:t>
+            </a:r>
+          </a:p>
+          <a:p>
+            <a:pPr lvl="1">
+              <a:buClr>
+                <a:srgbClr val="8AD0D6"/>
+              </a:buClr>
+            </a:pPr>
+            <a:r>
+              <a:rPr lang="sr-Latn-RS" dirty="0">
+                <a:ea typeface="+mj-lt"/>
+                <a:cs typeface="+mj-lt"/>
+              </a:rPr>
+              <a:t>Postoji više transakcija, jedna čeka da se druga završi. Na primer, T1 čeka T2, T2 čeka T3, a T3 čeka T1.</a:t>
+            </a:r>
+            <a:endParaRPr lang="sr-Latn-RS" dirty="0"/>
+          </a:p>
+          <a:p>
+            <a:pPr>
+              <a:buClr>
+                <a:srgbClr val="8AD0D6"/>
+              </a:buClr>
+            </a:pPr>
+            <a:endParaRPr lang="sr-Latn-RS" dirty="0">
+              <a:ea typeface="+mj-lt"/>
+              <a:cs typeface="+mj-lt"/>
+            </a:endParaRPr>
+          </a:p>
+        </p:txBody>
+      </p:sp>
+    </p:spTree>
+    <p:extLst>
+      <p:ext uri="{BB962C8B-B14F-4D97-AF65-F5344CB8AC3E}">
+        <p14:creationId xmlns:p14="http://schemas.microsoft.com/office/powerpoint/2010/main" val="3837348617"/>
+      </p:ext>
+    </p:extLst>
+  </p:cSld>
+  <p:clrMapOvr>
+    <a:masterClrMapping/>
+  </p:clrMapOvr>
+  <p:timing>
+    <p:tnLst>
+      <p:par>
+        <p:cTn id="1" dur="indefinite" restart="never" nodeType="tmRoot"/>
+      </p:par>
+    </p:tnLst>
+  </p:timing>
+</p:sld>
+</file>
+
+<file path=ppt/slides/slide2.xml><?xml version="1.0" encoding="utf-8"?>
+<p:sld xmlns:a="http://schemas.openxmlformats.org/drawingml/2006/main" xmlns:r="http://schemas.openxmlformats.org/officeDocument/2006/relationships" xmlns:p="http://schemas.openxmlformats.org/presentationml/2006/main">
+  <p:cSld>
+    <p:spTree>
+      <p:nvGrpSpPr>
+        <p:cNvPr id="1" name=""/>
+        <p:cNvGrpSpPr/>
+        <p:nvPr/>
+      </p:nvGrpSpPr>
+      <p:grpSpPr>
+        <a:xfrm>
+          <a:off x="0" y="0"/>
+          <a:ext cx="0" cy="0"/>
+          <a:chOff x="0" y="0"/>
+          <a:chExt cx="0" cy="0"/>
+        </a:xfrm>
+      </p:grpSpPr>
+      <p:sp>
+        <p:nvSpPr>
+          <p:cNvPr id="2" name="Naslov 1">
+            <a:extLst>
+              <a:ext uri="{FF2B5EF4-FFF2-40B4-BE49-F238E27FC236}">
+                <a16:creationId xmlns:a16="http://schemas.microsoft.com/office/drawing/2014/main" id="{319F53C9-C387-4A92-AF33-640C13DD1799}"/>
+              </a:ext>
+            </a:extLst>
+          </p:cNvPr>
+          <p:cNvSpPr>
+            <a:spLocks noGrp="1"/>
+          </p:cNvSpPr>
+          <p:nvPr>
+            <p:ph type="title"/>
+          </p:nvPr>
+        </p:nvSpPr>
+        <p:spPr/>
+        <p:txBody>
+          <a:bodyPr/>
+          <a:lstStyle/>
+          <a:p>
+            <a:r>
+              <a:rPr lang="sr-Latn-RS" dirty="0"/>
+              <a:t>Šta je transakcija ?</a:t>
+            </a:r>
+          </a:p>
+        </p:txBody>
+      </p:sp>
+      <p:sp>
+        <p:nvSpPr>
+          <p:cNvPr id="3" name="Čuvar mesta za sadržaj 2">
+            <a:extLst>
+              <a:ext uri="{FF2B5EF4-FFF2-40B4-BE49-F238E27FC236}">
+                <a16:creationId xmlns:a16="http://schemas.microsoft.com/office/drawing/2014/main" id="{3C8092C0-882C-437A-8AA7-C55662287B48}"/>
+              </a:ext>
+            </a:extLst>
+          </p:cNvPr>
+          <p:cNvSpPr>
+            <a:spLocks noGrp="1"/>
+          </p:cNvSpPr>
+          <p:nvPr>
+            <p:ph idx="1"/>
+          </p:nvPr>
+        </p:nvSpPr>
+        <p:spPr>
+          <a:xfrm>
+            <a:off x="973215" y="1532528"/>
+            <a:ext cx="8946541" cy="4195481"/>
+          </a:xfrm>
+        </p:spPr>
+        <p:txBody>
+          <a:bodyPr vert="horz" lIns="91440" tIns="45720" rIns="91440" bIns="45720" rtlCol="0" anchor="t">
+            <a:normAutofit/>
+          </a:bodyPr>
+          <a:lstStyle/>
+          <a:p>
+            <a:r>
+              <a:rPr lang="sr-Latn-RS" dirty="0">
+                <a:ea typeface="+mj-lt"/>
+                <a:cs typeface="+mj-lt"/>
+              </a:rPr>
+              <a:t>Transakcija je način na koji možete izvršiti jedan ili više SQL izraza kao jednu atomičnu </a:t>
+            </a:r>
+            <a:r>
+              <a:rPr lang="sr-Latn-RS" dirty="0" smtClean="0">
+                <a:ea typeface="+mj-lt"/>
+                <a:cs typeface="+mj-lt"/>
+              </a:rPr>
+              <a:t>radnju</a:t>
+            </a:r>
+            <a:r>
+              <a:rPr lang="en-US" dirty="0">
+                <a:ea typeface="+mj-lt"/>
+                <a:cs typeface="+mj-lt"/>
+              </a:rPr>
+              <a:t>.</a:t>
+            </a:r>
+            <a:r>
+              <a:rPr lang="sr-Latn-RS" dirty="0">
+                <a:ea typeface="+mj-lt"/>
+                <a:cs typeface="+mj-lt"/>
+              </a:rPr>
+              <a:t> </a:t>
+            </a:r>
+          </a:p>
+          <a:p>
+            <a:pPr>
+              <a:buClr>
+                <a:srgbClr val="8AD0D6"/>
+              </a:buClr>
+            </a:pPr>
+            <a:r>
+              <a:rPr lang="sr-Latn-RS" dirty="0">
+                <a:ea typeface="+mj-lt"/>
+                <a:cs typeface="+mj-lt"/>
+              </a:rPr>
+              <a:t>Ako se </a:t>
+            </a:r>
+            <a:r>
+              <a:rPr lang="sr-Latn-RS" dirty="0" smtClean="0">
+                <a:ea typeface="+mj-lt"/>
+                <a:cs typeface="+mj-lt"/>
+              </a:rPr>
+              <a:t>sv</a:t>
+            </a:r>
+            <a:r>
+              <a:rPr lang="en-US" dirty="0" smtClean="0">
+                <a:ea typeface="+mj-lt"/>
+                <a:cs typeface="+mj-lt"/>
+              </a:rPr>
+              <a:t>e</a:t>
+            </a:r>
+            <a:r>
+              <a:rPr lang="sr-Latn-RS" dirty="0" smtClean="0">
+                <a:ea typeface="+mj-lt"/>
+                <a:cs typeface="+mj-lt"/>
+              </a:rPr>
+              <a:t> </a:t>
+            </a:r>
+            <a:r>
+              <a:rPr lang="en-US" dirty="0" err="1" smtClean="0">
+                <a:ea typeface="+mj-lt"/>
+                <a:cs typeface="+mj-lt"/>
+              </a:rPr>
+              <a:t>naredbe</a:t>
+            </a:r>
+            <a:r>
+              <a:rPr lang="sr-Latn-RS" dirty="0" smtClean="0">
+                <a:ea typeface="+mj-lt"/>
+                <a:cs typeface="+mj-lt"/>
+              </a:rPr>
+              <a:t> </a:t>
+            </a:r>
+            <a:r>
+              <a:rPr lang="sr-Latn-RS" dirty="0">
+                <a:ea typeface="+mj-lt"/>
+                <a:cs typeface="+mj-lt"/>
+              </a:rPr>
+              <a:t>uspešno izvrše, transakcija se potvrđuje (commit) i izmene iz iste se pamte u bazi podataka. Ako se tokom transakcije dogodi greška, </a:t>
+            </a:r>
+            <a:r>
+              <a:rPr lang="sr-Latn-RS" dirty="0" smtClean="0">
+                <a:ea typeface="+mj-lt"/>
+                <a:cs typeface="+mj-lt"/>
+              </a:rPr>
+              <a:t>otkazuje</a:t>
+            </a:r>
+            <a:r>
+              <a:rPr lang="en-US" dirty="0" smtClean="0">
+                <a:ea typeface="+mj-lt"/>
+                <a:cs typeface="+mj-lt"/>
+              </a:rPr>
+              <a:t> se</a:t>
+            </a:r>
+            <a:r>
+              <a:rPr lang="sr-Latn-RS" dirty="0" smtClean="0">
+                <a:ea typeface="+mj-lt"/>
+                <a:cs typeface="+mj-lt"/>
+              </a:rPr>
+              <a:t> cel</a:t>
+            </a:r>
+            <a:r>
+              <a:rPr lang="en-US" dirty="0" smtClean="0">
+                <a:ea typeface="+mj-lt"/>
+                <a:cs typeface="+mj-lt"/>
+              </a:rPr>
+              <a:t>a</a:t>
+            </a:r>
+            <a:r>
+              <a:rPr lang="sr-Latn-RS" dirty="0" smtClean="0">
+                <a:ea typeface="+mj-lt"/>
+                <a:cs typeface="+mj-lt"/>
+              </a:rPr>
+              <a:t> transakcij</a:t>
+            </a:r>
+            <a:r>
+              <a:rPr lang="en-US" dirty="0" smtClean="0">
+                <a:ea typeface="+mj-lt"/>
+                <a:cs typeface="+mj-lt"/>
+              </a:rPr>
+              <a:t>a</a:t>
+            </a:r>
+            <a:r>
+              <a:rPr lang="sr-Latn-RS" dirty="0" smtClean="0">
+                <a:ea typeface="+mj-lt"/>
+                <a:cs typeface="+mj-lt"/>
+              </a:rPr>
+              <a:t> </a:t>
+            </a:r>
+            <a:r>
+              <a:rPr lang="sr-Latn-RS" dirty="0">
+                <a:ea typeface="+mj-lt"/>
+                <a:cs typeface="+mj-lt"/>
+              </a:rPr>
+              <a:t>(rollback). </a:t>
+            </a:r>
+            <a:endParaRPr lang="sr-Latn-RS" dirty="0"/>
+          </a:p>
+        </p:txBody>
+      </p:sp>
+    </p:spTree>
+    <p:extLst>
+      <p:ext uri="{BB962C8B-B14F-4D97-AF65-F5344CB8AC3E}">
+        <p14:creationId xmlns:p14="http://schemas.microsoft.com/office/powerpoint/2010/main" val="2225142345"/>
+      </p:ext>
+    </p:extLst>
+  </p:cSld>
+  <p:clrMapOvr>
+    <a:masterClrMapping/>
+  </p:clrMapOvr>
+  <p:timing>
+    <p:tnLst>
+      <p:par>
+        <p:cTn id="1" dur="indefinite" restart="never" nodeType="tmRoot"/>
+      </p:par>
+    </p:tnLst>
+  </p:timing>
+</p:sld>
+</file>
+
+<file path=ppt/slides/slide20.xml><?xml version="1.0" encoding="utf-8"?>
+<p:sld xmlns:a="http://schemas.openxmlformats.org/drawingml/2006/main" xmlns:r="http://schemas.openxmlformats.org/officeDocument/2006/relationships" xmlns:p="http://schemas.openxmlformats.org/presentationml/2006/main">
+  <p:cSld>
+    <p:spTree>
+      <p:nvGrpSpPr>
+        <p:cNvPr id="1" name=""/>
+        <p:cNvGrpSpPr/>
+        <p:nvPr/>
+      </p:nvGrpSpPr>
+      <p:grpSpPr>
+        <a:xfrm>
+          <a:off x="0" y="0"/>
+          <a:ext cx="0" cy="0"/>
+          <a:chOff x="0" y="0"/>
+          <a:chExt cx="0" cy="0"/>
+        </a:xfrm>
+      </p:grpSpPr>
+      <p:sp>
+        <p:nvSpPr>
+          <p:cNvPr id="2" name="Naslov 1">
+            <a:extLst>
+              <a:ext uri="{FF2B5EF4-FFF2-40B4-BE49-F238E27FC236}">
+                <a16:creationId xmlns:a16="http://schemas.microsoft.com/office/drawing/2014/main" id="{580D196B-9045-44E8-9084-623CE062F74D}"/>
+              </a:ext>
+            </a:extLst>
+          </p:cNvPr>
+          <p:cNvSpPr>
+            <a:spLocks noGrp="1"/>
+          </p:cNvSpPr>
+          <p:nvPr>
+            <p:ph type="title"/>
+          </p:nvPr>
+        </p:nvSpPr>
+        <p:spPr/>
+        <p:txBody>
+          <a:bodyPr/>
+          <a:lstStyle/>
+          <a:p>
+            <a:r>
+              <a:rPr lang="sr-Latn-RS" dirty="0"/>
+              <a:t>Implicitni </a:t>
+            </a:r>
+            <a:r>
+              <a:rPr lang="sr-Latn-RS" dirty="0" err="1"/>
+              <a:t>lock</a:t>
+            </a:r>
+            <a:r>
+              <a:rPr lang="sr-Latn-RS" dirty="0"/>
+              <a:t>-ovi </a:t>
+            </a:r>
+            <a:endParaRPr lang="sr-Latn-RS"/>
+          </a:p>
+        </p:txBody>
+      </p:sp>
+      <p:sp>
+        <p:nvSpPr>
+          <p:cNvPr id="3" name="Čuvar mesta za sadržaj 2">
+            <a:extLst>
+              <a:ext uri="{FF2B5EF4-FFF2-40B4-BE49-F238E27FC236}">
+                <a16:creationId xmlns:a16="http://schemas.microsoft.com/office/drawing/2014/main" id="{F48F2F97-B7DD-44F5-8D15-16E61A816720}"/>
+              </a:ext>
+            </a:extLst>
+          </p:cNvPr>
+          <p:cNvSpPr>
+            <a:spLocks noGrp="1"/>
+          </p:cNvSpPr>
+          <p:nvPr>
+            <p:ph idx="1"/>
+          </p:nvPr>
+        </p:nvSpPr>
+        <p:spPr/>
+        <p:txBody>
+          <a:bodyPr vert="horz" lIns="91440" tIns="45720" rIns="91440" bIns="45720" rtlCol="0" anchor="t">
+            <a:normAutofit/>
+          </a:bodyPr>
+          <a:lstStyle/>
+          <a:p>
+            <a:r>
+              <a:rPr lang="sr-Latn-RS" dirty="0" err="1">
+                <a:ea typeface="+mj-lt"/>
+                <a:cs typeface="+mj-lt"/>
+              </a:rPr>
+              <a:t>MySQL</a:t>
+            </a:r>
+            <a:r>
+              <a:rPr lang="sr-Latn-RS" dirty="0">
+                <a:ea typeface="+mj-lt"/>
+                <a:cs typeface="+mj-lt"/>
+              </a:rPr>
+              <a:t> server zaključava tabelu (ili red) na osnovu izdatih naredbi i mehanizama za skladištenje koji se koristi: </a:t>
+            </a:r>
+            <a:endParaRPr lang="sr-Latn-RS" dirty="0"/>
+          </a:p>
+        </p:txBody>
+      </p:sp>
+      <p:pic>
+        <p:nvPicPr>
+          <p:cNvPr id="4" name="Slika 4" descr="Slika na kojoj se nalazi sto&#10;&#10;Opis je automatski generisan">
+            <a:extLst>
+              <a:ext uri="{FF2B5EF4-FFF2-40B4-BE49-F238E27FC236}">
+                <a16:creationId xmlns:a16="http://schemas.microsoft.com/office/drawing/2014/main" id="{93AF4AD3-94FC-4AF8-A0A1-DB647BADC5C0}"/>
+              </a:ext>
+            </a:extLst>
+          </p:cNvPr>
+          <p:cNvPicPr>
+            <a:picLocks noChangeAspect="1"/>
+          </p:cNvPicPr>
+          <p:nvPr/>
+        </p:nvPicPr>
+        <p:blipFill>
+          <a:blip r:embed="rId2"/>
+          <a:stretch>
+            <a:fillRect/>
+          </a:stretch>
+        </p:blipFill>
+        <p:spPr>
+          <a:xfrm>
+            <a:off x="3079595" y="3146074"/>
+            <a:ext cx="6032809" cy="2535901"/>
+          </a:xfrm>
+          <a:prstGeom prst="rect">
+            <a:avLst/>
+          </a:prstGeom>
+        </p:spPr>
+      </p:pic>
+    </p:spTree>
+    <p:extLst>
+      <p:ext uri="{BB962C8B-B14F-4D97-AF65-F5344CB8AC3E}">
+        <p14:creationId xmlns:p14="http://schemas.microsoft.com/office/powerpoint/2010/main" val="1782620716"/>
+      </p:ext>
+    </p:extLst>
+  </p:cSld>
+  <p:clrMapOvr>
+    <a:masterClrMapping/>
+  </p:clrMapOvr>
+  <p:timing>
+    <p:tnLst>
+      <p:par>
+        <p:cTn id="1" dur="indefinite" restart="never" nodeType="tmRoot"/>
+      </p:par>
+    </p:tnLst>
+  </p:timing>
+</p:sld>
+</file>
+
+<file path=ppt/slides/slide21.xml><?xml version="1.0" encoding="utf-8"?>
+<p:sld xmlns:a="http://schemas.openxmlformats.org/drawingml/2006/main" xmlns:r="http://schemas.openxmlformats.org/officeDocument/2006/relationships" xmlns:p="http://schemas.openxmlformats.org/presentationml/2006/main">
+  <p:cSld>
+    <p:spTree>
+      <p:nvGrpSpPr>
+        <p:cNvPr id="1" name=""/>
+        <p:cNvGrpSpPr/>
+        <p:nvPr/>
+      </p:nvGrpSpPr>
+      <p:grpSpPr>
+        <a:xfrm>
+          <a:off x="0" y="0"/>
+          <a:ext cx="0" cy="0"/>
+          <a:chOff x="0" y="0"/>
+          <a:chExt cx="0" cy="0"/>
+        </a:xfrm>
+      </p:grpSpPr>
+      <p:sp>
+        <p:nvSpPr>
+          <p:cNvPr id="2" name="Naslov 1">
+            <a:extLst>
+              <a:ext uri="{FF2B5EF4-FFF2-40B4-BE49-F238E27FC236}">
+                <a16:creationId xmlns:a16="http://schemas.microsoft.com/office/drawing/2014/main" id="{6BD21BB6-EADB-4AE9-A59C-3EC5F1610B29}"/>
+              </a:ext>
+            </a:extLst>
+          </p:cNvPr>
+          <p:cNvSpPr>
+            <a:spLocks noGrp="1"/>
+          </p:cNvSpPr>
+          <p:nvPr>
+            <p:ph type="title"/>
+          </p:nvPr>
+        </p:nvSpPr>
+        <p:spPr/>
+        <p:txBody>
+          <a:bodyPr/>
+          <a:lstStyle/>
+          <a:p>
+            <a:r>
+              <a:rPr lang="sr-Latn-RS" dirty="0"/>
+              <a:t>Literatura</a:t>
+            </a:r>
+          </a:p>
+        </p:txBody>
+      </p:sp>
+      <p:sp>
+        <p:nvSpPr>
+          <p:cNvPr id="3" name="Čuvar mesta za sadržaj 2">
+            <a:extLst>
+              <a:ext uri="{FF2B5EF4-FFF2-40B4-BE49-F238E27FC236}">
+                <a16:creationId xmlns:a16="http://schemas.microsoft.com/office/drawing/2014/main" id="{729FA1F2-C716-4DE3-AEB5-B48527717A20}"/>
+              </a:ext>
+            </a:extLst>
+          </p:cNvPr>
+          <p:cNvSpPr>
+            <a:spLocks noGrp="1"/>
+          </p:cNvSpPr>
+          <p:nvPr>
+            <p:ph idx="1"/>
+          </p:nvPr>
+        </p:nvSpPr>
+        <p:spPr>
+          <a:xfrm>
+            <a:off x="982507" y="1588284"/>
+            <a:ext cx="8946541" cy="4195481"/>
+          </a:xfrm>
+        </p:spPr>
+        <p:txBody>
+          <a:bodyPr vert="horz" lIns="91440" tIns="45720" rIns="91440" bIns="45720" rtlCol="0" anchor="t">
+            <a:normAutofit/>
+          </a:bodyPr>
+          <a:lstStyle/>
+          <a:p>
+            <a:r>
+              <a:rPr lang="sr-Latn-RS" dirty="0">
+                <a:ea typeface="+mj-lt"/>
+                <a:cs typeface="+mj-lt"/>
+                <a:hlinkClick r:id="rId2"/>
+              </a:rPr>
+              <a:t>https://www.mysqltutorial.org/mysql-transaction.aspx</a:t>
+            </a:r>
+            <a:endParaRPr lang="sr-Latn-RS"/>
+          </a:p>
+          <a:p>
+            <a:pPr>
+              <a:buClr>
+                <a:srgbClr val="8AD0D6"/>
+              </a:buClr>
+            </a:pPr>
+            <a:r>
+              <a:rPr lang="sr-Latn-RS" dirty="0">
+                <a:ea typeface="+mj-lt"/>
+                <a:cs typeface="+mj-lt"/>
+                <a:hlinkClick r:id="rId3"/>
+              </a:rPr>
+              <a:t>https://dev.mysql.com/doc/refman/8.0/en/commit.html</a:t>
+            </a:r>
+            <a:endParaRPr lang="sr-Latn-RS"/>
+          </a:p>
+          <a:p>
+            <a:pPr>
+              <a:buClr>
+                <a:srgbClr val="8AD0D6"/>
+              </a:buClr>
+            </a:pPr>
+            <a:r>
+              <a:rPr lang="sr-Latn-RS" dirty="0">
+                <a:ea typeface="+mj-lt"/>
+                <a:cs typeface="+mj-lt"/>
+                <a:hlinkClick r:id="rId4"/>
+              </a:rPr>
+              <a:t>https://www.tutorialspoint.com/mysql/mysql-transactions.html</a:t>
+            </a:r>
+            <a:endParaRPr lang="sr-Latn-RS"/>
+          </a:p>
+          <a:p>
+            <a:pPr>
+              <a:buClr>
+                <a:srgbClr val="8AD0D6"/>
+              </a:buClr>
+            </a:pPr>
+            <a:endParaRPr lang="sr-Latn-RS" dirty="0"/>
+          </a:p>
+        </p:txBody>
+      </p:sp>
+    </p:spTree>
+    <p:extLst>
+      <p:ext uri="{BB962C8B-B14F-4D97-AF65-F5344CB8AC3E}">
+        <p14:creationId xmlns:p14="http://schemas.microsoft.com/office/powerpoint/2010/main" val="3023227050"/>
+      </p:ext>
+    </p:extLst>
+  </p:cSld>
+  <p:clrMapOvr>
+    <a:masterClrMapping/>
+  </p:clrMapOvr>
+  <p:timing>
+    <p:tnLst>
+      <p:par>
+        <p:cTn id="1" dur="indefinite" restart="never" nodeType="tmRoot"/>
+      </p:par>
+    </p:tnLst>
+  </p:timing>
+</p:sld>
+</file>
+
+<file path=ppt/slides/slide22.xml><?xml version="1.0" encoding="utf-8"?>
+<p:sld xmlns:a="http://schemas.openxmlformats.org/drawingml/2006/main" xmlns:r="http://schemas.openxmlformats.org/officeDocument/2006/relationships" xmlns:p="http://schemas.openxmlformats.org/presentationml/2006/main">
+  <p:cSld>
+    <p:spTree>
+      <p:nvGrpSpPr>
+        <p:cNvPr id="1" name=""/>
+        <p:cNvGrpSpPr/>
+        <p:nvPr/>
+      </p:nvGrpSpPr>
+      <p:grpSpPr>
+        <a:xfrm>
+          <a:off x="0" y="0"/>
+          <a:ext cx="0" cy="0"/>
+          <a:chOff x="0" y="0"/>
+          <a:chExt cx="0" cy="0"/>
+        </a:xfrm>
+      </p:grpSpPr>
+      <p:sp>
+        <p:nvSpPr>
+          <p:cNvPr id="2" name="Naslov 1">
+            <a:extLst>
+              <a:ext uri="{FF2B5EF4-FFF2-40B4-BE49-F238E27FC236}">
+                <a16:creationId xmlns:a16="http://schemas.microsoft.com/office/drawing/2014/main" id="{0D1AAEF5-CEB7-4B14-95FF-2FC8FB925CEF}"/>
+              </a:ext>
+            </a:extLst>
+          </p:cNvPr>
+          <p:cNvSpPr>
+            <a:spLocks noGrp="1"/>
+          </p:cNvSpPr>
+          <p:nvPr>
+            <p:ph type="title"/>
+          </p:nvPr>
+        </p:nvSpPr>
+        <p:spPr>
+          <a:xfrm>
+            <a:off x="701867" y="573523"/>
+            <a:ext cx="9404723" cy="1400530"/>
+          </a:xfrm>
+        </p:spPr>
+        <p:txBody>
+          <a:bodyPr/>
+          <a:lstStyle/>
+          <a:p>
+            <a:r>
+              <a:rPr lang="sr-Latn-RS" dirty="0"/>
+              <a:t>Hvala na pažnji</a:t>
+            </a:r>
+          </a:p>
+        </p:txBody>
+      </p:sp>
+      <p:sp>
+        <p:nvSpPr>
+          <p:cNvPr id="3" name="Čuvar mesta za sadržaj 2">
+            <a:extLst>
+              <a:ext uri="{FF2B5EF4-FFF2-40B4-BE49-F238E27FC236}">
+                <a16:creationId xmlns:a16="http://schemas.microsoft.com/office/drawing/2014/main" id="{182D2AB9-51AF-45AD-AB2E-DDF5DDA1448A}"/>
+              </a:ext>
+            </a:extLst>
+          </p:cNvPr>
+          <p:cNvSpPr>
+            <a:spLocks noGrp="1"/>
+          </p:cNvSpPr>
+          <p:nvPr>
+            <p:ph idx="1"/>
+          </p:nvPr>
+        </p:nvSpPr>
+        <p:spPr/>
+        <p:txBody>
+          <a:bodyPr/>
+          <a:lstStyle/>
+          <a:p>
+            <a:endParaRPr lang="sr-Latn-RS"/>
+          </a:p>
+        </p:txBody>
+      </p:sp>
+    </p:spTree>
+    <p:extLst>
+      <p:ext uri="{BB962C8B-B14F-4D97-AF65-F5344CB8AC3E}">
+        <p14:creationId xmlns:p14="http://schemas.microsoft.com/office/powerpoint/2010/main" val="3783128769"/>
+      </p:ext>
+    </p:extLst>
+  </p:cSld>
+  <p:clrMapOvr>
+    <a:masterClrMapping/>
+  </p:clrMapOvr>
+  <p:timing>
+    <p:tnLst>
+      <p:par>
+        <p:cTn id="1" dur="indefinite" restart="never" nodeType="tmRoot"/>
+      </p:par>
+    </p:tnLst>
+  </p:timing>
+</p:sld>
+</file>
+
+<file path=ppt/slides/slide3.xml><?xml version="1.0" encoding="utf-8"?>
+<p:sld xmlns:a="http://schemas.openxmlformats.org/drawingml/2006/main" xmlns:r="http://schemas.openxmlformats.org/officeDocument/2006/relationships" xmlns:p="http://schemas.openxmlformats.org/presentationml/2006/main">
+  <p:cSld>
+    <p:spTree>
+      <p:nvGrpSpPr>
+        <p:cNvPr id="1" name=""/>
+        <p:cNvGrpSpPr/>
+        <p:nvPr/>
+      </p:nvGrpSpPr>
+      <p:grpSpPr>
+        <a:xfrm>
+          <a:off x="0" y="0"/>
+          <a:ext cx="0" cy="0"/>
+          <a:chOff x="0" y="0"/>
+          <a:chExt cx="0" cy="0"/>
+        </a:xfrm>
+      </p:grpSpPr>
+      <p:sp>
+        <p:nvSpPr>
+          <p:cNvPr id="2" name="Naslov 1">
+            <a:extLst>
+              <a:ext uri="{FF2B5EF4-FFF2-40B4-BE49-F238E27FC236}">
+                <a16:creationId xmlns:a16="http://schemas.microsoft.com/office/drawing/2014/main" id="{8237DAC8-F626-4770-96DD-C9850423AFD5}"/>
+              </a:ext>
+            </a:extLst>
+          </p:cNvPr>
+          <p:cNvSpPr>
+            <a:spLocks noGrp="1"/>
+          </p:cNvSpPr>
+          <p:nvPr>
+            <p:ph type="title"/>
+          </p:nvPr>
+        </p:nvSpPr>
+        <p:spPr/>
+        <p:txBody>
+          <a:bodyPr/>
+          <a:lstStyle/>
+          <a:p>
+            <a:endParaRPr lang="sr-Latn-RS"/>
+          </a:p>
+        </p:txBody>
+      </p:sp>
+      <p:pic>
+        <p:nvPicPr>
+          <p:cNvPr id="4" name="Slika 4">
+            <a:extLst>
+              <a:ext uri="{FF2B5EF4-FFF2-40B4-BE49-F238E27FC236}">
+                <a16:creationId xmlns:a16="http://schemas.microsoft.com/office/drawing/2014/main" id="{385907F4-71CB-4B4D-9905-7949D407092B}"/>
+              </a:ext>
+            </a:extLst>
+          </p:cNvPr>
+          <p:cNvPicPr>
+            <a:picLocks noGrp="1" noChangeAspect="1"/>
+          </p:cNvPicPr>
+          <p:nvPr>
+            <p:ph idx="1"/>
+          </p:nvPr>
+        </p:nvPicPr>
+        <p:blipFill>
+          <a:blip r:embed="rId2"/>
+          <a:stretch>
+            <a:fillRect/>
+          </a:stretch>
+        </p:blipFill>
+        <p:spPr>
+          <a:xfrm>
+            <a:off x="3358860" y="1393138"/>
+            <a:ext cx="5736420" cy="4483554"/>
+          </a:xfrm>
+          <a:prstGeom prst="rect">
+            <a:avLst/>
+          </a:prstGeom>
+          <a:ln>
+            <a:noFill/>
+          </a:ln>
+          <a:effectLst>
+            <a:softEdge rad="112500"/>
+          </a:effectLst>
+        </p:spPr>
+      </p:pic>
+    </p:spTree>
+    <p:extLst>
+      <p:ext uri="{BB962C8B-B14F-4D97-AF65-F5344CB8AC3E}">
+        <p14:creationId xmlns:p14="http://schemas.microsoft.com/office/powerpoint/2010/main" val="2895739715"/>
+      </p:ext>
+    </p:extLst>
+  </p:cSld>
+  <p:clrMapOvr>
+    <a:masterClrMapping/>
+  </p:clrMapOvr>
+  <p:timing>
+    <p:tnLst>
+      <p:par>
+        <p:cTn id="1" dur="indefinite" restart="never" nodeType="tmRoot"/>
+      </p:par>
+    </p:tnLst>
+  </p:timing>
+</p:sld>
+</file>
+
+<file path=ppt/slides/slide4.xml><?xml version="1.0" encoding="utf-8"?>
+<p:sld xmlns:a="http://schemas.openxmlformats.org/drawingml/2006/main" xmlns:r="http://schemas.openxmlformats.org/officeDocument/2006/relationships" xmlns:p="http://schemas.openxmlformats.org/presentationml/2006/main">
+  <p:cSld>
+    <p:spTree>
+      <p:nvGrpSpPr>
+        <p:cNvPr id="1" name=""/>
+        <p:cNvGrpSpPr/>
+        <p:nvPr/>
+      </p:nvGrpSpPr>
+      <p:grpSpPr>
+        <a:xfrm>
+          <a:off x="0" y="0"/>
+          <a:ext cx="0" cy="0"/>
+          <a:chOff x="0" y="0"/>
+          <a:chExt cx="0" cy="0"/>
+        </a:xfrm>
+      </p:grpSpPr>
+      <p:sp>
+        <p:nvSpPr>
+          <p:cNvPr id="2" name="Naslov 1">
+            <a:extLst>
+              <a:ext uri="{FF2B5EF4-FFF2-40B4-BE49-F238E27FC236}">
+                <a16:creationId xmlns:a16="http://schemas.microsoft.com/office/drawing/2014/main" id="{675A7006-D3E3-4504-A32B-8803CFCC2CEB}"/>
+              </a:ext>
+            </a:extLst>
+          </p:cNvPr>
+          <p:cNvSpPr>
+            <a:spLocks noGrp="1"/>
+          </p:cNvSpPr>
+          <p:nvPr>
+            <p:ph type="title"/>
+          </p:nvPr>
+        </p:nvSpPr>
+        <p:spPr/>
+        <p:txBody>
+          <a:bodyPr/>
+          <a:lstStyle/>
+          <a:p>
+            <a:r>
+              <a:rPr lang="sr-Latn-RS" dirty="0"/>
+              <a:t>ACID </a:t>
+            </a:r>
+          </a:p>
+        </p:txBody>
+      </p:sp>
+      <p:sp>
+        <p:nvSpPr>
+          <p:cNvPr id="3" name="Čuvar mesta za sadržaj 2">
+            <a:extLst>
+              <a:ext uri="{FF2B5EF4-FFF2-40B4-BE49-F238E27FC236}">
+                <a16:creationId xmlns:a16="http://schemas.microsoft.com/office/drawing/2014/main" id="{966D133C-584D-40E6-9B28-E573DE4FE7E4}"/>
+              </a:ext>
+            </a:extLst>
+          </p:cNvPr>
+          <p:cNvSpPr>
+            <a:spLocks noGrp="1"/>
+          </p:cNvSpPr>
+          <p:nvPr>
+            <p:ph idx="1"/>
+          </p:nvPr>
+        </p:nvSpPr>
+        <p:spPr>
+          <a:xfrm>
+            <a:off x="1112605" y="1578991"/>
+            <a:ext cx="8946541" cy="4195481"/>
+          </a:xfrm>
+        </p:spPr>
+        <p:txBody>
+          <a:bodyPr vert="horz" lIns="91440" tIns="45720" rIns="91440" bIns="45720" rtlCol="0" anchor="t">
+            <a:normAutofit/>
+          </a:bodyPr>
+          <a:lstStyle/>
+          <a:p>
+            <a:r>
+              <a:rPr lang="sr-Latn-RS" dirty="0">
+                <a:ea typeface="+mj-lt"/>
+                <a:cs typeface="+mj-lt"/>
+              </a:rPr>
+              <a:t>Transakcija sadrži četiri svojstva, koja se nazivaju ACID svojstva.</a:t>
+            </a:r>
+          </a:p>
+          <a:p>
+            <a:pPr lvl="1">
+              <a:buClr>
+                <a:srgbClr val="8AD0D6"/>
+              </a:buClr>
+            </a:pPr>
+            <a:r>
+              <a:rPr lang="sr-Latn-RS" dirty="0" err="1">
+                <a:ea typeface="+mj-lt"/>
+                <a:cs typeface="+mj-lt"/>
+              </a:rPr>
+              <a:t>Atomičnost</a:t>
+            </a:r>
+            <a:r>
+              <a:rPr lang="sr-Latn-RS" dirty="0">
+                <a:ea typeface="+mj-lt"/>
+                <a:cs typeface="+mj-lt"/>
+              </a:rPr>
+              <a:t> - Sve naredbe unutar transakcije se izvršavaju uspešno ili se sve poništavaju.</a:t>
+            </a:r>
+            <a:endParaRPr lang="sr-Latn-RS" dirty="0"/>
+          </a:p>
+          <a:p>
+            <a:pPr lvl="1">
+              <a:buClr>
+                <a:srgbClr val="8AD0D6"/>
+              </a:buClr>
+            </a:pPr>
+            <a:r>
+              <a:rPr lang="sr-Latn-RS" dirty="0">
+                <a:ea typeface="+mj-lt"/>
+                <a:cs typeface="+mj-lt"/>
+              </a:rPr>
+              <a:t>Konzistentnost – Transakcija prebacuje bazu podataka iz jednog u drugo konzistentno stanje.</a:t>
+            </a:r>
+            <a:endParaRPr lang="sr-Latn-RS" dirty="0"/>
+          </a:p>
+          <a:p>
+            <a:pPr lvl="1">
+              <a:buClr>
+                <a:srgbClr val="8AD0D6"/>
+              </a:buClr>
+            </a:pPr>
+            <a:r>
+              <a:rPr lang="sr-Latn-RS" dirty="0">
+                <a:ea typeface="+mj-lt"/>
+                <a:cs typeface="+mj-lt"/>
+              </a:rPr>
+              <a:t>Izolacija – Transakcije su međusobne izolovane </a:t>
+            </a:r>
+            <a:r>
+              <a:rPr lang="sr-Latn-RS" dirty="0" smtClean="0">
+                <a:ea typeface="+mj-lt"/>
+                <a:cs typeface="+mj-lt"/>
+              </a:rPr>
+              <a:t>tj</a:t>
+            </a:r>
+            <a:r>
+              <a:rPr lang="en-US" dirty="0" smtClean="0">
+                <a:ea typeface="+mj-lt"/>
+                <a:cs typeface="+mj-lt"/>
+              </a:rPr>
+              <a:t>.</a:t>
+            </a:r>
+            <a:r>
+              <a:rPr lang="sr-Latn-RS" dirty="0" smtClean="0">
+                <a:ea typeface="+mj-lt"/>
+                <a:cs typeface="+mj-lt"/>
+              </a:rPr>
+              <a:t> </a:t>
+            </a:r>
+            <a:r>
+              <a:rPr lang="sr-Latn-RS" dirty="0">
+                <a:ea typeface="+mj-lt"/>
+                <a:cs typeface="+mj-lt"/>
+              </a:rPr>
+              <a:t>promene u jednoj transakciji nisu vidljive u drugoj dok se iste ne commit-uju.</a:t>
+            </a:r>
+            <a:endParaRPr lang="sr-Latn-RS" dirty="0"/>
+          </a:p>
+          <a:p>
+            <a:pPr lvl="1">
+              <a:buClr>
+                <a:srgbClr val="8AD0D6"/>
+              </a:buClr>
+            </a:pPr>
+            <a:r>
+              <a:rPr lang="sr-Latn-RS" dirty="0">
+                <a:ea typeface="+mj-lt"/>
+                <a:cs typeface="+mj-lt"/>
+              </a:rPr>
+              <a:t>Trajnost - Sve promene izvršene u transakciji koja se uspešno završila se pamte u bazi podataka. Promene se ne gube usled otkaza sistema.</a:t>
+            </a:r>
+            <a:endParaRPr lang="sr-Latn-RS" dirty="0"/>
+          </a:p>
+          <a:p>
+            <a:pPr lvl="1">
+              <a:buClr>
+                <a:srgbClr val="8AD0D6"/>
+              </a:buClr>
+            </a:pPr>
+            <a:endParaRPr lang="sr-Latn-RS" dirty="0"/>
+          </a:p>
+        </p:txBody>
+      </p:sp>
+    </p:spTree>
+    <p:extLst>
+      <p:ext uri="{BB962C8B-B14F-4D97-AF65-F5344CB8AC3E}">
+        <p14:creationId xmlns:p14="http://schemas.microsoft.com/office/powerpoint/2010/main" val="3026639358"/>
+      </p:ext>
+    </p:extLst>
+  </p:cSld>
+  <p:clrMapOvr>
+    <a:masterClrMapping/>
+  </p:clrMapOvr>
+  <p:timing>
+    <p:tnLst>
+      <p:par>
+        <p:cTn id="1" dur="indefinite" restart="never" nodeType="tmRoot"/>
+      </p:par>
+    </p:tnLst>
+  </p:timing>
+</p:sld>
+</file>
+
+<file path=ppt/slides/slide5.xml><?xml version="1.0" encoding="utf-8"?>
+<p:sld xmlns:a="http://schemas.openxmlformats.org/drawingml/2006/main" xmlns:r="http://schemas.openxmlformats.org/officeDocument/2006/relationships" xmlns:p="http://schemas.openxmlformats.org/presentationml/2006/main">
+  <p:cSld>
+    <p:spTree>
+      <p:nvGrpSpPr>
+        <p:cNvPr id="1" name=""/>
+        <p:cNvGrpSpPr/>
+        <p:nvPr/>
+      </p:nvGrpSpPr>
+      <p:grpSpPr>
+        <a:xfrm>
+          <a:off x="0" y="0"/>
+          <a:ext cx="0" cy="0"/>
+          <a:chOff x="0" y="0"/>
+          <a:chExt cx="0" cy="0"/>
+        </a:xfrm>
+      </p:grpSpPr>
+      <p:sp>
+        <p:nvSpPr>
+          <p:cNvPr id="2" name="Naslov 1">
+            <a:extLst>
+              <a:ext uri="{FF2B5EF4-FFF2-40B4-BE49-F238E27FC236}">
+                <a16:creationId xmlns:a16="http://schemas.microsoft.com/office/drawing/2014/main" id="{F09AF323-47A3-41A9-9184-C74A4C7B38E3}"/>
+              </a:ext>
+            </a:extLst>
+          </p:cNvPr>
+          <p:cNvSpPr>
+            <a:spLocks noGrp="1"/>
+          </p:cNvSpPr>
+          <p:nvPr>
+            <p:ph type="title"/>
+          </p:nvPr>
+        </p:nvSpPr>
+        <p:spPr/>
+        <p:txBody>
+          <a:bodyPr/>
+          <a:lstStyle/>
+          <a:p>
+            <a:r>
+              <a:rPr lang="sr-Latn-RS" dirty="0" err="1"/>
+              <a:t>MySQL</a:t>
+            </a:r>
+            <a:r>
+              <a:rPr lang="sr-Latn-RS" dirty="0"/>
+              <a:t> transakcione naredbe </a:t>
+            </a:r>
+          </a:p>
+        </p:txBody>
+      </p:sp>
+      <p:sp>
+        <p:nvSpPr>
+          <p:cNvPr id="3" name="Čuvar mesta za sadržaj 2">
+            <a:extLst>
+              <a:ext uri="{FF2B5EF4-FFF2-40B4-BE49-F238E27FC236}">
+                <a16:creationId xmlns:a16="http://schemas.microsoft.com/office/drawing/2014/main" id="{16F2D03A-2692-4816-8CCA-C322E49DC05A}"/>
+              </a:ext>
+            </a:extLst>
+          </p:cNvPr>
+          <p:cNvSpPr>
+            <a:spLocks noGrp="1"/>
+          </p:cNvSpPr>
+          <p:nvPr>
+            <p:ph idx="1"/>
+          </p:nvPr>
+        </p:nvSpPr>
+        <p:spPr/>
+        <p:txBody>
+          <a:bodyPr vert="horz" lIns="91440" tIns="45720" rIns="91440" bIns="45720" rtlCol="0" anchor="t">
+            <a:normAutofit/>
+          </a:bodyPr>
+          <a:lstStyle/>
+          <a:p>
+            <a:r>
+              <a:rPr lang="sr-Latn-RS" dirty="0">
+                <a:ea typeface="+mj-lt"/>
+                <a:cs typeface="+mj-lt"/>
+              </a:rPr>
+              <a:t>START TRANSACTION (</a:t>
+            </a:r>
+            <a:r>
+              <a:rPr lang="sr-Latn-RS" dirty="0" err="1">
+                <a:ea typeface="+mj-lt"/>
+                <a:cs typeface="+mj-lt"/>
+              </a:rPr>
+              <a:t>or</a:t>
+            </a:r>
+            <a:r>
+              <a:rPr lang="sr-Latn-RS" dirty="0">
+                <a:ea typeface="+mj-lt"/>
+                <a:cs typeface="+mj-lt"/>
+              </a:rPr>
+              <a:t> BEGIN): Započinje transakciju</a:t>
+            </a:r>
+            <a:endParaRPr lang="sr-Latn-RS" dirty="0"/>
+          </a:p>
+          <a:p>
+            <a:pPr>
+              <a:buClr>
+                <a:srgbClr val="8AD0D6"/>
+              </a:buClr>
+            </a:pPr>
+            <a:r>
+              <a:rPr lang="sr-Latn-RS" dirty="0">
+                <a:ea typeface="+mj-lt"/>
+                <a:cs typeface="+mj-lt"/>
+              </a:rPr>
+              <a:t>SAVEPOINT: Definiše lokaciju u transakciji </a:t>
+            </a:r>
+            <a:endParaRPr lang="sr-Latn-RS"/>
+          </a:p>
+          <a:p>
+            <a:pPr>
+              <a:buClr>
+                <a:srgbClr val="8AD0D6"/>
+              </a:buClr>
+            </a:pPr>
+            <a:r>
+              <a:rPr lang="sr-Latn-RS" dirty="0">
+                <a:ea typeface="+mj-lt"/>
+                <a:cs typeface="+mj-lt"/>
+              </a:rPr>
+              <a:t>COMMIT: Promene načinjene u transakciji se trajno pamte</a:t>
+            </a:r>
+            <a:endParaRPr lang="sr-Latn-RS" dirty="0"/>
+          </a:p>
+          <a:p>
+            <a:pPr>
+              <a:buClr>
+                <a:srgbClr val="8AD0D6"/>
+              </a:buClr>
+            </a:pPr>
+            <a:r>
+              <a:rPr lang="sr-Latn-RS" dirty="0">
+                <a:ea typeface="+mj-lt"/>
+                <a:cs typeface="+mj-lt"/>
+              </a:rPr>
+              <a:t>ROLLBACK: Poništava efekte tekuće transakcije</a:t>
+            </a:r>
+            <a:endParaRPr lang="sr-Latn-RS" dirty="0"/>
+          </a:p>
+          <a:p>
+            <a:pPr>
+              <a:buClr>
+                <a:srgbClr val="8AD0D6"/>
+              </a:buClr>
+            </a:pPr>
+            <a:r>
+              <a:rPr lang="sr-Latn-RS" dirty="0">
+                <a:ea typeface="+mj-lt"/>
+                <a:cs typeface="+mj-lt"/>
+              </a:rPr>
+              <a:t>ROLLBACK TO SAVEPOINT: Poništava efekte transakcije od zadatog </a:t>
+            </a:r>
+            <a:r>
+              <a:rPr lang="sr-Latn-RS" dirty="0" err="1">
+                <a:ea typeface="+mj-lt"/>
+                <a:cs typeface="+mj-lt"/>
+              </a:rPr>
+              <a:t>savepoint</a:t>
+            </a:r>
+            <a:r>
+              <a:rPr lang="sr-Latn-RS" dirty="0">
+                <a:ea typeface="+mj-lt"/>
+                <a:cs typeface="+mj-lt"/>
+              </a:rPr>
+              <a:t>-a</a:t>
+            </a:r>
+            <a:endParaRPr lang="sr-Latn-RS" dirty="0"/>
+          </a:p>
+          <a:p>
+            <a:pPr>
+              <a:buClr>
+                <a:srgbClr val="8AD0D6"/>
+              </a:buClr>
+            </a:pPr>
+            <a:r>
+              <a:rPr lang="sr-Latn-RS" dirty="0">
+                <a:ea typeface="+mj-lt"/>
+                <a:cs typeface="+mj-lt"/>
+              </a:rPr>
+              <a:t>RELEASE SAVEPOINT: Uklanja </a:t>
+            </a:r>
+            <a:r>
+              <a:rPr lang="sr-Latn-RS" dirty="0" err="1">
+                <a:ea typeface="+mj-lt"/>
+                <a:cs typeface="+mj-lt"/>
+              </a:rPr>
+              <a:t>savepoint</a:t>
+            </a:r>
+            <a:endParaRPr lang="sr-Latn-RS" dirty="0" err="1"/>
+          </a:p>
+          <a:p>
+            <a:pPr>
+              <a:buClr>
+                <a:srgbClr val="8AD0D6"/>
+              </a:buClr>
+            </a:pPr>
+            <a:r>
+              <a:rPr lang="sr-Latn-RS" dirty="0">
+                <a:ea typeface="+mj-lt"/>
+                <a:cs typeface="+mj-lt"/>
+              </a:rPr>
+              <a:t>SET AUTOCOMMIT: Ažurira </a:t>
+            </a:r>
+            <a:r>
+              <a:rPr lang="sr-Latn-RS" dirty="0" err="1">
+                <a:ea typeface="+mj-lt"/>
+                <a:cs typeface="+mj-lt"/>
+              </a:rPr>
+              <a:t>autocommit</a:t>
+            </a:r>
+            <a:r>
+              <a:rPr lang="sr-Latn-RS" dirty="0">
+                <a:ea typeface="+mj-lt"/>
+                <a:cs typeface="+mj-lt"/>
+              </a:rPr>
+              <a:t> </a:t>
+            </a:r>
+            <a:r>
+              <a:rPr lang="sr-Latn-RS" dirty="0" err="1">
+                <a:ea typeface="+mj-lt"/>
+                <a:cs typeface="+mj-lt"/>
+              </a:rPr>
+              <a:t>mod</a:t>
+            </a:r>
+            <a:r>
+              <a:rPr lang="sr-Latn-RS" dirty="0">
+                <a:ea typeface="+mj-lt"/>
+                <a:cs typeface="+mj-lt"/>
+              </a:rPr>
+              <a:t> za tekuću konekciju. </a:t>
+            </a:r>
+            <a:endParaRPr lang="sr-Latn-RS" dirty="0"/>
+          </a:p>
+          <a:p>
+            <a:pPr>
+              <a:buClr>
+                <a:srgbClr val="8AD0D6"/>
+              </a:buClr>
+            </a:pPr>
+            <a:endParaRPr lang="sr-Latn-RS" dirty="0"/>
+          </a:p>
+        </p:txBody>
+      </p:sp>
+    </p:spTree>
+    <p:extLst>
+      <p:ext uri="{BB962C8B-B14F-4D97-AF65-F5344CB8AC3E}">
+        <p14:creationId xmlns:p14="http://schemas.microsoft.com/office/powerpoint/2010/main" val="1564501893"/>
+      </p:ext>
+    </p:extLst>
+  </p:cSld>
+  <p:clrMapOvr>
+    <a:masterClrMapping/>
+  </p:clrMapOvr>
+  <p:timing>
+    <p:tnLst>
+      <p:par>
+        <p:cTn id="1" dur="indefinite" restart="never" nodeType="tmRoot"/>
+      </p:par>
+    </p:tnLst>
+  </p:timing>
+</p:sld>
+</file>
+
+<file path=ppt/slides/slide6.xml><?xml version="1.0" encoding="utf-8"?>
+<p:sld xmlns:a="http://schemas.openxmlformats.org/drawingml/2006/main" xmlns:r="http://schemas.openxmlformats.org/officeDocument/2006/relationships" xmlns:p="http://schemas.openxmlformats.org/presentationml/2006/main">
+  <p:cSld>
+    <p:spTree>
+      <p:nvGrpSpPr>
+        <p:cNvPr id="1" name=""/>
+        <p:cNvGrpSpPr/>
+        <p:nvPr/>
+      </p:nvGrpSpPr>
+      <p:grpSpPr>
+        <a:xfrm>
+          <a:off x="0" y="0"/>
+          <a:ext cx="0" cy="0"/>
+          <a:chOff x="0" y="0"/>
+          <a:chExt cx="0" cy="0"/>
+        </a:xfrm>
+      </p:grpSpPr>
+      <p:sp>
+        <p:nvSpPr>
+          <p:cNvPr id="2" name="Naslov 1">
+            <a:extLst>
+              <a:ext uri="{FF2B5EF4-FFF2-40B4-BE49-F238E27FC236}">
+                <a16:creationId xmlns:a16="http://schemas.microsoft.com/office/drawing/2014/main" id="{D9FE77BB-B1AB-4C0E-B461-D0451364BAAD}"/>
+              </a:ext>
+            </a:extLst>
+          </p:cNvPr>
+          <p:cNvSpPr>
+            <a:spLocks noGrp="1"/>
+          </p:cNvSpPr>
+          <p:nvPr>
+            <p:ph type="title"/>
+          </p:nvPr>
+        </p:nvSpPr>
+        <p:spPr/>
+        <p:txBody>
+          <a:bodyPr/>
+          <a:lstStyle/>
+          <a:p>
+            <a:endParaRPr lang="sr-Latn-RS"/>
+          </a:p>
+        </p:txBody>
+      </p:sp>
+      <p:pic>
+        <p:nvPicPr>
+          <p:cNvPr id="4" name="Slika 4">
+            <a:extLst>
+              <a:ext uri="{FF2B5EF4-FFF2-40B4-BE49-F238E27FC236}">
+                <a16:creationId xmlns:a16="http://schemas.microsoft.com/office/drawing/2014/main" id="{1F6825D2-5703-4A8D-9C5D-C04DF883A8B7}"/>
+              </a:ext>
+            </a:extLst>
+          </p:cNvPr>
+          <p:cNvPicPr>
+            <a:picLocks noGrp="1" noChangeAspect="1"/>
+          </p:cNvPicPr>
+          <p:nvPr>
+            <p:ph idx="1"/>
+          </p:nvPr>
+        </p:nvPicPr>
+        <p:blipFill>
+          <a:blip r:embed="rId2"/>
+          <a:stretch>
+            <a:fillRect/>
+          </a:stretch>
+        </p:blipFill>
+        <p:spPr>
+          <a:xfrm>
+            <a:off x="3754328" y="1588284"/>
+            <a:ext cx="4675997" cy="4734456"/>
+          </a:xfrm>
+          <a:prstGeom prst="rect">
+            <a:avLst/>
+          </a:prstGeom>
+          <a:ln>
+            <a:noFill/>
+          </a:ln>
+          <a:effectLst>
+            <a:softEdge rad="112500"/>
+          </a:effectLst>
+        </p:spPr>
+      </p:pic>
+    </p:spTree>
+    <p:extLst>
+      <p:ext uri="{BB962C8B-B14F-4D97-AF65-F5344CB8AC3E}">
+        <p14:creationId xmlns:p14="http://schemas.microsoft.com/office/powerpoint/2010/main" val="1697470990"/>
+      </p:ext>
+    </p:extLst>
+  </p:cSld>
+  <p:clrMapOvr>
+    <a:masterClrMapping/>
+  </p:clrMapOvr>
+  <p:timing>
+    <p:tnLst>
+      <p:par>
+        <p:cTn id="1" dur="indefinite" restart="never" nodeType="tmRoot"/>
+      </p:par>
+    </p:tnLst>
+  </p:timing>
+</p:sld>
+</file>
+
+<file path=ppt/slides/slide7.xml><?xml version="1.0" encoding="utf-8"?>
+<p:sld xmlns:a="http://schemas.openxmlformats.org/drawingml/2006/main" xmlns:r="http://schemas.openxmlformats.org/officeDocument/2006/relationships" xmlns:p="http://schemas.openxmlformats.org/presentationml/2006/main">
+  <p:cSld>
+    <p:spTree>
+      <p:nvGrpSpPr>
+        <p:cNvPr id="1" name=""/>
+        <p:cNvGrpSpPr/>
+        <p:nvPr/>
+      </p:nvGrpSpPr>
+      <p:grpSpPr>
+        <a:xfrm>
+          <a:off x="0" y="0"/>
+          <a:ext cx="0" cy="0"/>
+          <a:chOff x="0" y="0"/>
+          <a:chExt cx="0" cy="0"/>
+        </a:xfrm>
+      </p:grpSpPr>
+      <p:sp>
+        <p:nvSpPr>
+          <p:cNvPr id="3" name="Čuvar mesta za sadržaj 2">
+            <a:extLst>
+              <a:ext uri="{FF2B5EF4-FFF2-40B4-BE49-F238E27FC236}">
+                <a16:creationId xmlns:a16="http://schemas.microsoft.com/office/drawing/2014/main" id="{08B2F742-136D-4A62-9D55-5F4DD6ADB47B}"/>
+              </a:ext>
+            </a:extLst>
+          </p:cNvPr>
+          <p:cNvSpPr>
+            <a:spLocks noGrp="1"/>
+          </p:cNvSpPr>
+          <p:nvPr>
+            <p:ph idx="1"/>
+          </p:nvPr>
+        </p:nvSpPr>
+        <p:spPr>
+          <a:xfrm>
+            <a:off x="731605" y="649723"/>
+            <a:ext cx="8946541" cy="4195481"/>
+          </a:xfrm>
+        </p:spPr>
+        <p:txBody>
+          <a:bodyPr vert="horz" lIns="91440" tIns="45720" rIns="91440" bIns="45720" rtlCol="0" anchor="t">
+            <a:normAutofit/>
+          </a:bodyPr>
+          <a:lstStyle/>
+          <a:p>
+            <a:r>
+              <a:rPr lang="sr-Latn-RS" dirty="0">
+                <a:ea typeface="+mj-lt"/>
+                <a:cs typeface="+mj-lt"/>
+              </a:rPr>
+              <a:t>Primer u nastavku pokazuje efekte transakcionih naredbi prilikom </a:t>
+            </a:r>
+            <a:r>
+              <a:rPr lang="sr-Latn-RS" dirty="0" err="1">
+                <a:ea typeface="+mj-lt"/>
+                <a:cs typeface="+mj-lt"/>
+              </a:rPr>
+              <a:t>konkurentog</a:t>
+            </a:r>
+            <a:r>
+              <a:rPr lang="sr-Latn-RS" dirty="0">
+                <a:ea typeface="+mj-lt"/>
+                <a:cs typeface="+mj-lt"/>
+              </a:rPr>
+              <a:t> rada sa jednom bazom podataka. </a:t>
+            </a:r>
+            <a:endParaRPr lang="sr-Latn-RS" dirty="0"/>
+          </a:p>
+        </p:txBody>
+      </p:sp>
+      <p:pic>
+        <p:nvPicPr>
+          <p:cNvPr id="4" name="Slika 4" descr="Slika na kojoj se nalazi tekst&#10;&#10;Opis je automatski generisan">
+            <a:extLst>
+              <a:ext uri="{FF2B5EF4-FFF2-40B4-BE49-F238E27FC236}">
+                <a16:creationId xmlns:a16="http://schemas.microsoft.com/office/drawing/2014/main" id="{78298249-61DC-4043-9822-474D79320804}"/>
+              </a:ext>
+            </a:extLst>
+          </p:cNvPr>
+          <p:cNvPicPr>
+            <a:picLocks noChangeAspect="1"/>
+          </p:cNvPicPr>
+          <p:nvPr/>
+        </p:nvPicPr>
+        <p:blipFill>
+          <a:blip r:embed="rId2"/>
+          <a:stretch>
+            <a:fillRect/>
+          </a:stretch>
+        </p:blipFill>
+        <p:spPr>
+          <a:xfrm>
+            <a:off x="1444083" y="2165257"/>
+            <a:ext cx="3709639" cy="2183655"/>
+          </a:xfrm>
+          <a:prstGeom prst="rect">
+            <a:avLst/>
+          </a:prstGeom>
+        </p:spPr>
+      </p:pic>
+      <p:pic>
+        <p:nvPicPr>
+          <p:cNvPr id="5" name="Slika 5" descr="Slika na kojoj se nalazi sto&#10;&#10;Opis je automatski generisan">
+            <a:extLst>
+              <a:ext uri="{FF2B5EF4-FFF2-40B4-BE49-F238E27FC236}">
+                <a16:creationId xmlns:a16="http://schemas.microsoft.com/office/drawing/2014/main" id="{D37A2E6A-6DF8-4021-AF8C-2B149B462582}"/>
+              </a:ext>
+            </a:extLst>
+          </p:cNvPr>
+          <p:cNvPicPr>
+            <a:picLocks noChangeAspect="1"/>
+          </p:cNvPicPr>
+          <p:nvPr/>
+        </p:nvPicPr>
+        <p:blipFill>
+          <a:blip r:embed="rId3"/>
+          <a:stretch>
+            <a:fillRect/>
+          </a:stretch>
+        </p:blipFill>
+        <p:spPr>
+          <a:xfrm>
+            <a:off x="8038137" y="1111405"/>
+            <a:ext cx="2258191" cy="5257800"/>
+          </a:xfrm>
+          <a:prstGeom prst="rect">
+            <a:avLst/>
+          </a:prstGeom>
+        </p:spPr>
+      </p:pic>
+      <p:sp>
+        <p:nvSpPr>
+          <p:cNvPr id="6" name="Okvir za tekst 5">
+            <a:extLst>
+              <a:ext uri="{FF2B5EF4-FFF2-40B4-BE49-F238E27FC236}">
+                <a16:creationId xmlns:a16="http://schemas.microsoft.com/office/drawing/2014/main" id="{6980D957-97FF-461B-BF00-4AD021DFA224}"/>
+              </a:ext>
+            </a:extLst>
+          </p:cNvPr>
+          <p:cNvSpPr txBox="1"/>
+          <p:nvPr/>
+        </p:nvSpPr>
+        <p:spPr>
+          <a:xfrm>
+            <a:off x="2707888" y="4473498"/>
+            <a:ext cx="2743200" cy="646331"/>
+          </a:xfrm>
+          <a:prstGeom prst="rect">
+            <a:avLst/>
+          </a:prstGeom>
+          <a:noFill/>
+        </p:spPr>
+        <p:txBody>
+          <a:bodyPr rot="0" spcFirstLastPara="0" vertOverflow="overflow" horzOverflow="overflow" vert="horz" wrap="square" lIns="91440" tIns="45720" rIns="91440" bIns="45720" numCol="1" spcCol="0" rtlCol="0" fromWordArt="0" anchor="t" anchorCtr="0" forceAA="0" compatLnSpc="1">
+            <a:prstTxWarp prst="textNoShape">
+              <a:avLst/>
+            </a:prstTxWarp>
+            <a:spAutoFit/>
+          </a:bodyPr>
+          <a:lstStyle/>
+          <a:p>
+            <a:r>
+              <a:rPr lang="sr-Latn-RS" dirty="0">
+                <a:ea typeface="+mn-lt"/>
+                <a:cs typeface="+mn-lt"/>
+              </a:rPr>
+              <a:t>Sesija 1</a:t>
+            </a:r>
+            <a:endParaRPr lang="en-US" dirty="0">
+              <a:ea typeface="+mn-lt"/>
+              <a:cs typeface="+mn-lt"/>
+            </a:endParaRPr>
+          </a:p>
+          <a:p>
+            <a:endParaRPr lang="sr-Latn-RS" dirty="0"/>
+          </a:p>
+        </p:txBody>
+      </p:sp>
+      <p:sp>
+        <p:nvSpPr>
+          <p:cNvPr id="7" name="Okvir za tekst 6">
+            <a:extLst>
+              <a:ext uri="{FF2B5EF4-FFF2-40B4-BE49-F238E27FC236}">
+                <a16:creationId xmlns:a16="http://schemas.microsoft.com/office/drawing/2014/main" id="{DD32486F-3101-414A-A5D2-A6B87BEAF2D6}"/>
+              </a:ext>
+            </a:extLst>
+          </p:cNvPr>
+          <p:cNvSpPr txBox="1"/>
+          <p:nvPr/>
+        </p:nvSpPr>
+        <p:spPr>
+          <a:xfrm>
+            <a:off x="8766717" y="6387790"/>
+            <a:ext cx="2743200" cy="646331"/>
+          </a:xfrm>
+          <a:prstGeom prst="rect">
+            <a:avLst/>
+          </a:prstGeom>
+          <a:noFill/>
+        </p:spPr>
+        <p:txBody>
+          <a:bodyPr rot="0" spcFirstLastPara="0" vertOverflow="overflow" horzOverflow="overflow" vert="horz" wrap="square" lIns="91440" tIns="45720" rIns="91440" bIns="45720" numCol="1" spcCol="0" rtlCol="0" fromWordArt="0" anchor="t" anchorCtr="0" forceAA="0" compatLnSpc="1">
+            <a:prstTxWarp prst="textNoShape">
+              <a:avLst/>
+            </a:prstTxWarp>
+            <a:spAutoFit/>
+          </a:bodyPr>
+          <a:lstStyle/>
+          <a:p>
+            <a:r>
+              <a:rPr lang="sr-Latn-RS" dirty="0">
+                <a:ea typeface="+mn-lt"/>
+                <a:cs typeface="+mn-lt"/>
+              </a:rPr>
+              <a:t>Sesija 2</a:t>
+            </a:r>
+            <a:endParaRPr lang="en-US" dirty="0">
+              <a:ea typeface="+mn-lt"/>
+              <a:cs typeface="+mn-lt"/>
+            </a:endParaRPr>
+          </a:p>
+          <a:p>
+            <a:endParaRPr lang="sr-Latn-RS" dirty="0"/>
+          </a:p>
+        </p:txBody>
+      </p:sp>
+    </p:spTree>
+    <p:extLst>
+      <p:ext uri="{BB962C8B-B14F-4D97-AF65-F5344CB8AC3E}">
+        <p14:creationId xmlns:p14="http://schemas.microsoft.com/office/powerpoint/2010/main" val="3048620717"/>
+      </p:ext>
+    </p:extLst>
+  </p:cSld>
+  <p:clrMapOvr>
+    <a:masterClrMapping/>
+  </p:clrMapOvr>
+  <p:timing>
+    <p:tnLst>
+      <p:par>
+        <p:cTn id="1" dur="indefinite" restart="never" nodeType="tmRoot"/>
+      </p:par>
+    </p:tnLst>
+  </p:timing>
 </p:sld>
 </file>
 
@@ -9635,6 +10184,13 @@
   <p:clrMapOvr>
     <a:masterClrMapping/>
   </p:clrMapOvr>
+  <p:timing>
+    <p:tnLst>
+      <p:par>
+        <p:cTn id="1" dur="indefinite" restart="never" nodeType="tmRoot"/>
+      </p:par>
+    </p:tnLst>
+  </p:timing>
 </p:sld>
 </file>
 
@@ -9866,6 +10422,13 @@
   <p:clrMapOvr>
     <a:masterClrMapping/>
   </p:clrMapOvr>
+  <p:timing>
+    <p:tnLst>
+      <p:par>
+        <p:cTn id="1" dur="indefinite" restart="never" nodeType="tmRoot"/>
+      </p:par>
+    </p:tnLst>
+  </p:timing>
 </p:sld>
 </file>
 
